--- a/G2touch_D2center_mducng_EVB_AFE_Simulation_210202_v2.pptx
+++ b/G2touch_D2center_mducng_EVB_AFE_Simulation_210202_v2.pptx
@@ -5,37 +5,40 @@
     <p:sldMasterId id="2147483660" r:id="rId1"/>
   </p:sldMasterIdLst>
   <p:notesMasterIdLst>
-    <p:notesMasterId r:id="rId30"/>
+    <p:notesMasterId r:id="rId33"/>
   </p:notesMasterIdLst>
   <p:sldIdLst>
     <p:sldId id="256" r:id="rId2"/>
     <p:sldId id="259" r:id="rId3"/>
     <p:sldId id="260" r:id="rId4"/>
     <p:sldId id="264" r:id="rId5"/>
-    <p:sldId id="265" r:id="rId6"/>
-    <p:sldId id="266" r:id="rId7"/>
-    <p:sldId id="267" r:id="rId8"/>
-    <p:sldId id="268" r:id="rId9"/>
-    <p:sldId id="269" r:id="rId10"/>
-    <p:sldId id="288" r:id="rId11"/>
-    <p:sldId id="270" r:id="rId12"/>
-    <p:sldId id="271" r:id="rId13"/>
-    <p:sldId id="272" r:id="rId14"/>
-    <p:sldId id="273" r:id="rId15"/>
-    <p:sldId id="274" r:id="rId16"/>
-    <p:sldId id="275" r:id="rId17"/>
-    <p:sldId id="276" r:id="rId18"/>
-    <p:sldId id="277" r:id="rId19"/>
-    <p:sldId id="278" r:id="rId20"/>
-    <p:sldId id="279" r:id="rId21"/>
-    <p:sldId id="280" r:id="rId22"/>
-    <p:sldId id="281" r:id="rId23"/>
-    <p:sldId id="282" r:id="rId24"/>
-    <p:sldId id="283" r:id="rId25"/>
-    <p:sldId id="284" r:id="rId26"/>
-    <p:sldId id="285" r:id="rId27"/>
-    <p:sldId id="263" r:id="rId28"/>
-    <p:sldId id="287" r:id="rId29"/>
+    <p:sldId id="289" r:id="rId6"/>
+    <p:sldId id="265" r:id="rId7"/>
+    <p:sldId id="266" r:id="rId8"/>
+    <p:sldId id="267" r:id="rId9"/>
+    <p:sldId id="268" r:id="rId10"/>
+    <p:sldId id="269" r:id="rId11"/>
+    <p:sldId id="288" r:id="rId12"/>
+    <p:sldId id="290" r:id="rId13"/>
+    <p:sldId id="291" r:id="rId14"/>
+    <p:sldId id="263" r:id="rId15"/>
+    <p:sldId id="287" r:id="rId16"/>
+    <p:sldId id="270" r:id="rId17"/>
+    <p:sldId id="271" r:id="rId18"/>
+    <p:sldId id="272" r:id="rId19"/>
+    <p:sldId id="273" r:id="rId20"/>
+    <p:sldId id="274" r:id="rId21"/>
+    <p:sldId id="275" r:id="rId22"/>
+    <p:sldId id="276" r:id="rId23"/>
+    <p:sldId id="277" r:id="rId24"/>
+    <p:sldId id="278" r:id="rId25"/>
+    <p:sldId id="279" r:id="rId26"/>
+    <p:sldId id="280" r:id="rId27"/>
+    <p:sldId id="281" r:id="rId28"/>
+    <p:sldId id="282" r:id="rId29"/>
+    <p:sldId id="283" r:id="rId30"/>
+    <p:sldId id="284" r:id="rId31"/>
+    <p:sldId id="285" r:id="rId32"/>
   </p:sldIdLst>
   <p:sldSz cx="12192000" cy="6858000"/>
   <p:notesSz cx="6858000" cy="9144000"/>
@@ -227,7 +230,7 @@
           <a:p>
             <a:fld id="{2BAF326B-DD9B-4637-8373-2D89CD9854B3}" type="datetimeFigureOut">
               <a:rPr lang="ko-KR" altLang="en-US" smtClean="0"/>
-              <a:t>2021-02-01</a:t>
+              <a:t>2021-02-02</a:t>
             </a:fld>
             <a:endParaRPr lang="ko-KR" altLang="en-US"/>
           </a:p>
@@ -540,8 +543,20 @@
           <a:p>
             <a:r>
               <a:rPr lang="en-US" dirty="0"/>
-              <a:t>Code: file EVB_plotFFTData21.m</a:t>
-            </a:r>
+              <a:t>Code: file EVB_plotFFTData21.m, perfectFFTv1.m</a:t>
+            </a:r>
+          </a:p>
+          <a:p>
+            <a:r>
+              <a:rPr lang="en-US" dirty="0"/>
+              <a:t>We can see the power of f1 and f2 is small different because of f1 is in frequency interval 10Hz, f2 is between frequency 10Hz~11Hz.</a:t>
+            </a:r>
+          </a:p>
+          <a:p>
+            <a:endParaRPr lang="en-US" dirty="0"/>
+          </a:p>
+          <a:p>
+            <a:endParaRPr lang="en-US" dirty="0"/>
           </a:p>
         </p:txBody>
       </p:sp>
@@ -563,6 +578,93 @@
             <a:fld id="{6FFE881C-C18C-4279-ABBC-A4F7CB564FA2}" type="slidenum">
               <a:rPr lang="ko-KR" altLang="en-US" smtClean="0"/>
               <a:t>5</a:t>
+            </a:fld>
+            <a:endParaRPr lang="ko-KR" altLang="en-US"/>
+          </a:p>
+        </p:txBody>
+      </p:sp>
+    </p:spTree>
+    <p:extLst>
+      <p:ext uri="{BB962C8B-B14F-4D97-AF65-F5344CB8AC3E}">
+        <p14:creationId xmlns:p14="http://schemas.microsoft.com/office/powerpoint/2010/main" val="319096673"/>
+      </p:ext>
+    </p:extLst>
+  </p:cSld>
+  <p:clrMapOvr>
+    <a:masterClrMapping/>
+  </p:clrMapOvr>
+</p:notes>
+</file>
+
+<file path=ppt/notesSlides/notesSlide2.xml><?xml version="1.0" encoding="utf-8"?>
+<p:notes xmlns:a="http://schemas.openxmlformats.org/drawingml/2006/main" xmlns:r="http://schemas.openxmlformats.org/officeDocument/2006/relationships" xmlns:p="http://schemas.openxmlformats.org/presentationml/2006/main">
+  <p:cSld>
+    <p:spTree>
+      <p:nvGrpSpPr>
+        <p:cNvPr id="1" name=""/>
+        <p:cNvGrpSpPr/>
+        <p:nvPr/>
+      </p:nvGrpSpPr>
+      <p:grpSpPr>
+        <a:xfrm>
+          <a:off x="0" y="0"/>
+          <a:ext cx="0" cy="0"/>
+          <a:chOff x="0" y="0"/>
+          <a:chExt cx="0" cy="0"/>
+        </a:xfrm>
+      </p:grpSpPr>
+      <p:sp>
+        <p:nvSpPr>
+          <p:cNvPr id="2" name="Slide Image Placeholder 1"/>
+          <p:cNvSpPr>
+            <a:spLocks noGrp="1" noRot="1" noChangeAspect="1"/>
+          </p:cNvSpPr>
+          <p:nvPr>
+            <p:ph type="sldImg"/>
+          </p:nvPr>
+        </p:nvSpPr>
+        <p:spPr/>
+      </p:sp>
+      <p:sp>
+        <p:nvSpPr>
+          <p:cNvPr id="3" name="Notes Placeholder 2"/>
+          <p:cNvSpPr>
+            <a:spLocks noGrp="1"/>
+          </p:cNvSpPr>
+          <p:nvPr>
+            <p:ph type="body" idx="1"/>
+          </p:nvPr>
+        </p:nvSpPr>
+        <p:spPr/>
+        <p:txBody>
+          <a:bodyPr/>
+          <a:lstStyle/>
+          <a:p>
+            <a:r>
+              <a:rPr lang="en-US" dirty="0"/>
+              <a:t>Code: file EVB_plotFFTData21.m</a:t>
+            </a:r>
+          </a:p>
+        </p:txBody>
+      </p:sp>
+      <p:sp>
+        <p:nvSpPr>
+          <p:cNvPr id="4" name="Slide Number Placeholder 3"/>
+          <p:cNvSpPr>
+            <a:spLocks noGrp="1"/>
+          </p:cNvSpPr>
+          <p:nvPr>
+            <p:ph type="sldNum" sz="quarter" idx="5"/>
+          </p:nvPr>
+        </p:nvSpPr>
+        <p:spPr/>
+        <p:txBody>
+          <a:bodyPr/>
+          <a:lstStyle/>
+          <a:p>
+            <a:fld id="{6FFE881C-C18C-4279-ABBC-A4F7CB564FA2}" type="slidenum">
+              <a:rPr lang="ko-KR" altLang="en-US" smtClean="0"/>
+              <a:t>6</a:t>
             </a:fld>
             <a:endParaRPr lang="ko-KR" altLang="en-US"/>
           </a:p>
@@ -14789,7 +14891,7 @@
             <a:r>
               <a:rPr lang="en-US" altLang="ko-KR" dirty="0">
                 <a:solidFill>
-                  <a:prstClr val="white"/>
+                  <a:schemeClr val="tx1"/>
                 </a:solidFill>
                 <a:cs typeface="Aharoni" panose="02010803020104030203" pitchFamily="2" charset="-79"/>
               </a:rPr>
@@ -14798,7 +14900,7 @@
             <a:br>
               <a:rPr lang="en-US" altLang="ko-KR" dirty="0">
                 <a:solidFill>
-                  <a:prstClr val="white"/>
+                  <a:schemeClr val="tx1"/>
                 </a:solidFill>
                 <a:cs typeface="Aharoni" panose="02010803020104030203" pitchFamily="2" charset="-79"/>
               </a:rPr>
@@ -14806,13 +14908,17 @@
             <a:r>
               <a:rPr lang="en-US" altLang="ko-KR" dirty="0">
                 <a:solidFill>
-                  <a:prstClr val="white"/>
+                  <a:schemeClr val="tx1"/>
                 </a:solidFill>
                 <a:cs typeface="Aharoni" panose="02010803020104030203" pitchFamily="2" charset="-79"/>
               </a:rPr>
               <a:t>reconstruction and FFT analyzation</a:t>
             </a:r>
-            <a:endParaRPr lang="ko-KR" altLang="en-US" dirty="0"/>
+            <a:endParaRPr lang="ko-KR" altLang="en-US" dirty="0">
+              <a:solidFill>
+                <a:schemeClr val="tx1"/>
+              </a:solidFill>
+            </a:endParaRPr>
           </a:p>
         </p:txBody>
       </p:sp>
@@ -14858,7 +14964,7 @@
           <a:p>
             <a:r>
               <a:rPr lang="en-US" altLang="ko-KR" dirty="0"/>
-              <a:t>2021. 02. 02.</a:t>
+              <a:t>2021. 02. 06.</a:t>
             </a:r>
             <a:endParaRPr lang="ko-KR" altLang="en-US" dirty="0"/>
           </a:p>
@@ -15020,10 +15126,14 @@
                 <a:solidFill>
                   <a:srgbClr val="FF0000"/>
                 </a:solidFill>
-                <a:sym typeface="Wingdings" panose="05000000000000000000" pitchFamily="2" charset="2"/>
               </a:rPr>
-              <a:t>Using ‘subtract mean’:</a:t>
-            </a:r>
+              <a:t>no ‘subtract mean’</a:t>
+            </a:r>
+            <a:endParaRPr lang="ko-KR" altLang="en-US" dirty="0">
+              <a:solidFill>
+                <a:srgbClr val="FF0000"/>
+              </a:solidFill>
+            </a:endParaRPr>
           </a:p>
           <a:p>
             <a:endParaRPr lang="ko-KR" altLang="en-US" dirty="0"/>
@@ -15111,10 +15221,10 @@
       </p:sp>
       <p:pic>
         <p:nvPicPr>
-          <p:cNvPr id="5" name="Picture 4">
+          <p:cNvPr id="3" name="Picture 2">
             <a:extLst>
               <a:ext uri="{FF2B5EF4-FFF2-40B4-BE49-F238E27FC236}">
-                <a16:creationId xmlns:a16="http://schemas.microsoft.com/office/drawing/2014/main" id="{CBE91DBC-D699-49CA-ABB6-CD65DD858B9F}"/>
+                <a16:creationId xmlns:a16="http://schemas.microsoft.com/office/drawing/2014/main" id="{760070BB-2329-4B31-B87E-2244C32C5A0F}"/>
               </a:ext>
             </a:extLst>
           </p:cNvPr>
@@ -15131,8 +15241,8 @@
         </p:blipFill>
         <p:spPr>
           <a:xfrm>
-            <a:off x="2958860" y="846515"/>
-            <a:ext cx="9032295" cy="5397786"/>
+            <a:off x="2846717" y="846516"/>
+            <a:ext cx="9144438" cy="5553528"/>
           </a:xfrm>
           <a:prstGeom prst="rect">
             <a:avLst/>
@@ -15142,7 +15252,7 @@
     </p:spTree>
     <p:extLst>
       <p:ext uri="{BB962C8B-B14F-4D97-AF65-F5344CB8AC3E}">
-        <p14:creationId xmlns:p14="http://schemas.microsoft.com/office/powerpoint/2010/main" val="4224928725"/>
+        <p14:creationId xmlns:p14="http://schemas.microsoft.com/office/powerpoint/2010/main" val="1591763958"/>
       </p:ext>
     </p:extLst>
   </p:cSld>
@@ -15228,20 +15338,110 @@
               <a:rPr lang="en-US" altLang="ko-KR" dirty="0">
                 <a:sym typeface="Wingdings" panose="05000000000000000000" pitchFamily="2" charset="2"/>
               </a:rPr>
-              <a:t>C0</a:t>
+              <a:t>All rows</a:t>
+            </a:r>
+          </a:p>
+          <a:p>
+            <a:r>
+              <a:rPr lang="en-US" altLang="ko-KR" dirty="0">
+                <a:solidFill>
+                  <a:srgbClr val="FF0000"/>
+                </a:solidFill>
+                <a:sym typeface="Wingdings" panose="05000000000000000000" pitchFamily="2" charset="2"/>
+              </a:rPr>
+              <a:t>Using ‘subtract mean’</a:t>
             </a:r>
           </a:p>
           <a:p>
             <a:endParaRPr lang="ko-KR" altLang="en-US" dirty="0"/>
+          </a:p>
+        </p:txBody>
+      </p:sp>
+      <p:sp>
+        <p:nvSpPr>
+          <p:cNvPr id="4" name="TextBox 3">
+            <a:extLst>
+              <a:ext uri="{FF2B5EF4-FFF2-40B4-BE49-F238E27FC236}">
+                <a16:creationId xmlns:a16="http://schemas.microsoft.com/office/drawing/2014/main" id="{ABEDA647-7609-4E09-AC8C-68AF39DCD5A9}"/>
+              </a:ext>
+            </a:extLst>
+          </p:cNvPr>
+          <p:cNvSpPr txBox="1"/>
+          <p:nvPr/>
+        </p:nvSpPr>
+        <p:spPr>
+          <a:xfrm>
+            <a:off x="200845" y="3227412"/>
+            <a:ext cx="2557057" cy="830997"/>
+          </a:xfrm>
+          <a:prstGeom prst="rect">
+            <a:avLst/>
+          </a:prstGeom>
+          <a:noFill/>
+        </p:spPr>
+        <p:txBody>
+          <a:bodyPr wrap="square">
+            <a:spAutoFit/>
+          </a:bodyPr>
+          <a:lstStyle/>
+          <a:p>
+            <a:r>
+              <a:rPr lang="en-US" sz="1200" dirty="0">
+                <a:latin typeface="Abadi" panose="020B0604020104020204" pitchFamily="34" charset="0"/>
+              </a:rPr>
+              <a:t>Fs                   = </a:t>
+            </a:r>
+            <a:r>
+              <a:rPr lang="en-US" sz="1200" dirty="0">
+                <a:highlight>
+                  <a:srgbClr val="FFFF00"/>
+                </a:highlight>
+                <a:latin typeface="Abadi" panose="020B0604020104020204" pitchFamily="34" charset="0"/>
+              </a:rPr>
+              <a:t>4MHz</a:t>
+            </a:r>
+            <a:endParaRPr lang="en-US" sz="1200" dirty="0">
+              <a:latin typeface="Abadi" panose="020B0604020104020204" pitchFamily="34" charset="0"/>
+            </a:endParaRPr>
+          </a:p>
+          <a:p>
+            <a:r>
+              <a:rPr lang="en-US" sz="1200" dirty="0">
+                <a:latin typeface="Abadi" panose="020B0604020104020204" pitchFamily="34" charset="0"/>
+              </a:rPr>
+              <a:t>#samples        = 1320</a:t>
+            </a:r>
+          </a:p>
+          <a:p>
+            <a:r>
+              <a:rPr lang="en-US" sz="1200" dirty="0" err="1">
+                <a:latin typeface="Abadi" panose="020B0604020104020204" pitchFamily="34" charset="0"/>
+              </a:rPr>
+              <a:t>Nfft</a:t>
+            </a:r>
+            <a:r>
+              <a:rPr lang="en-US" sz="1200" dirty="0">
+                <a:latin typeface="Abadi" panose="020B0604020104020204" pitchFamily="34" charset="0"/>
+              </a:rPr>
+              <a:t>                = 1024</a:t>
+            </a:r>
+          </a:p>
+          <a:p>
+            <a:r>
+              <a:rPr lang="en-US" sz="1200" dirty="0">
+                <a:latin typeface="Abadi" panose="020B0604020104020204" pitchFamily="34" charset="0"/>
+              </a:rPr>
+              <a:t>Bin frequency  = 4kHz</a:t>
+            </a:r>
           </a:p>
         </p:txBody>
       </p:sp>
       <p:pic>
         <p:nvPicPr>
-          <p:cNvPr id="3" name="Picture 2">
+          <p:cNvPr id="5" name="Picture 4">
             <a:extLst>
               <a:ext uri="{FF2B5EF4-FFF2-40B4-BE49-F238E27FC236}">
-                <a16:creationId xmlns:a16="http://schemas.microsoft.com/office/drawing/2014/main" id="{887C48EE-4AE5-4083-A5B9-EB6A8D55F687}"/>
+                <a16:creationId xmlns:a16="http://schemas.microsoft.com/office/drawing/2014/main" id="{CBE91DBC-D699-49CA-ABB6-CD65DD858B9F}"/>
               </a:ext>
             </a:extLst>
           </p:cNvPr>
@@ -15258,8 +15458,8 @@
         </p:blipFill>
         <p:spPr>
           <a:xfrm>
-            <a:off x="2546598" y="884274"/>
-            <a:ext cx="8899585" cy="5484628"/>
+            <a:off x="2958860" y="846515"/>
+            <a:ext cx="9032295" cy="5397786"/>
           </a:xfrm>
           <a:prstGeom prst="rect">
             <a:avLst/>
@@ -15269,7 +15469,7 @@
     </p:spTree>
     <p:extLst>
       <p:ext uri="{BB962C8B-B14F-4D97-AF65-F5344CB8AC3E}">
-        <p14:creationId xmlns:p14="http://schemas.microsoft.com/office/powerpoint/2010/main" val="922865191"/>
+        <p14:creationId xmlns:p14="http://schemas.microsoft.com/office/powerpoint/2010/main" val="4224928725"/>
       </p:ext>
     </p:extLst>
   </p:cSld>
@@ -15355,11 +15555,16 @@
               <a:rPr lang="en-US" altLang="ko-KR" dirty="0">
                 <a:sym typeface="Wingdings" panose="05000000000000000000" pitchFamily="2" charset="2"/>
               </a:rPr>
-              <a:t>C1</a:t>
-            </a:r>
-          </a:p>
-          <a:p>
-            <a:endParaRPr lang="ko-KR" altLang="en-US" dirty="0"/>
+              <a:t>Fs = 4Mhz</a:t>
+            </a:r>
+          </a:p>
+          <a:p>
+            <a:r>
+              <a:rPr lang="en-US" altLang="ko-KR" dirty="0">
+                <a:sym typeface="Wingdings" panose="05000000000000000000" pitchFamily="2" charset="2"/>
+              </a:rPr>
+              <a:t>f1 = 23,440Hz</a:t>
+            </a:r>
           </a:p>
         </p:txBody>
       </p:sp>
@@ -15368,7 +15573,7 @@
           <p:cNvPr id="3" name="Picture 2">
             <a:extLst>
               <a:ext uri="{FF2B5EF4-FFF2-40B4-BE49-F238E27FC236}">
-                <a16:creationId xmlns:a16="http://schemas.microsoft.com/office/drawing/2014/main" id="{3CD53D47-5233-4C5B-A45A-21E66E9D6C2C}"/>
+                <a16:creationId xmlns:a16="http://schemas.microsoft.com/office/drawing/2014/main" id="{69017359-632B-4B3C-8A4C-BF73BC67300C}"/>
               </a:ext>
             </a:extLst>
           </p:cNvPr>
@@ -15385,18 +15590,98 @@
         </p:blipFill>
         <p:spPr>
           <a:xfrm>
-            <a:off x="2450591" y="885432"/>
-            <a:ext cx="8832751" cy="5521230"/>
+            <a:off x="2923677" y="995531"/>
+            <a:ext cx="8734990" cy="5262113"/>
           </a:xfrm>
           <a:prstGeom prst="rect">
             <a:avLst/>
           </a:prstGeom>
         </p:spPr>
       </p:pic>
+      <p:sp>
+        <p:nvSpPr>
+          <p:cNvPr id="8" name="TextBox 7">
+            <a:extLst>
+              <a:ext uri="{FF2B5EF4-FFF2-40B4-BE49-F238E27FC236}">
+                <a16:creationId xmlns:a16="http://schemas.microsoft.com/office/drawing/2014/main" id="{1582BD07-6CE7-48AF-85F8-34D4A2CD3CB6}"/>
+              </a:ext>
+            </a:extLst>
+          </p:cNvPr>
+          <p:cNvSpPr txBox="1"/>
+          <p:nvPr/>
+        </p:nvSpPr>
+        <p:spPr>
+          <a:xfrm>
+            <a:off x="200845" y="3227412"/>
+            <a:ext cx="2557057" cy="646331"/>
+          </a:xfrm>
+          <a:prstGeom prst="rect">
+            <a:avLst/>
+          </a:prstGeom>
+          <a:noFill/>
+        </p:spPr>
+        <p:txBody>
+          <a:bodyPr wrap="square">
+            <a:spAutoFit/>
+          </a:bodyPr>
+          <a:lstStyle/>
+          <a:p>
+            <a:r>
+              <a:rPr lang="en-US" sz="1200" dirty="0">
+                <a:latin typeface="Abadi" panose="020B0604020104020204" pitchFamily="34" charset="0"/>
+              </a:rPr>
+              <a:t>Fs                       = </a:t>
+            </a:r>
+            <a:r>
+              <a:rPr lang="en-US" sz="1200" dirty="0">
+                <a:highlight>
+                  <a:srgbClr val="FFFF00"/>
+                </a:highlight>
+                <a:latin typeface="Abadi" panose="020B0604020104020204" pitchFamily="34" charset="0"/>
+              </a:rPr>
+              <a:t>4MHz</a:t>
+            </a:r>
+            <a:endParaRPr lang="en-US" sz="1200" dirty="0">
+              <a:latin typeface="Abadi" panose="020B0604020104020204" pitchFamily="34" charset="0"/>
+            </a:endParaRPr>
+          </a:p>
+          <a:p>
+            <a:r>
+              <a:rPr lang="en-US" sz="1200" dirty="0" err="1">
+                <a:latin typeface="Abadi" panose="020B0604020104020204" pitchFamily="34" charset="0"/>
+              </a:rPr>
+              <a:t>Nfft</a:t>
+            </a:r>
+            <a:r>
+              <a:rPr lang="en-US" sz="1200" dirty="0">
+                <a:latin typeface="Abadi" panose="020B0604020104020204" pitchFamily="34" charset="0"/>
+              </a:rPr>
+              <a:t>                     = 2^7</a:t>
+            </a:r>
+          </a:p>
+          <a:p>
+            <a:r>
+              <a:rPr lang="en-US" sz="1200" dirty="0">
+                <a:latin typeface="Abadi" panose="020B0604020104020204" pitchFamily="34" charset="0"/>
+              </a:rPr>
+              <a:t>Bin frequency       = </a:t>
+            </a:r>
+            <a:r>
+              <a:rPr lang="en-US" sz="1200" dirty="0">
+                <a:highlight>
+                  <a:srgbClr val="FFFF00"/>
+                </a:highlight>
+                <a:latin typeface="Abadi" panose="020B0604020104020204" pitchFamily="34" charset="0"/>
+              </a:rPr>
+              <a:t>31,250Hz</a:t>
+            </a:r>
+          </a:p>
+        </p:txBody>
+      </p:sp>
     </p:spTree>
     <p:extLst>
       <p:ext uri="{BB962C8B-B14F-4D97-AF65-F5344CB8AC3E}">
-        <p14:creationId xmlns:p14="http://schemas.microsoft.com/office/powerpoint/2010/main" val="850466697"/>
+        <p14:creationId xmlns:p14="http://schemas.microsoft.com/office/powerpoint/2010/main" val="1854138737"/>
       </p:ext>
     </p:extLst>
   </p:cSld>
@@ -15482,20 +15767,122 @@
               <a:rPr lang="en-US" altLang="ko-KR" dirty="0">
                 <a:sym typeface="Wingdings" panose="05000000000000000000" pitchFamily="2" charset="2"/>
               </a:rPr>
-              <a:t>C2</a:t>
-            </a:r>
-          </a:p>
-          <a:p>
-            <a:endParaRPr lang="ko-KR" altLang="en-US" dirty="0"/>
+              <a:t>Fs = 4Mhz</a:t>
+            </a:r>
+          </a:p>
+          <a:p>
+            <a:r>
+              <a:rPr lang="en-US" altLang="ko-KR" dirty="0">
+                <a:sym typeface="Wingdings" panose="05000000000000000000" pitchFamily="2" charset="2"/>
+              </a:rPr>
+              <a:t>f1 = 23,440Hz</a:t>
+            </a:r>
+          </a:p>
+          <a:p>
+            <a:r>
+              <a:rPr lang="en-US" altLang="ko-KR" dirty="0">
+                <a:solidFill>
+                  <a:srgbClr val="FF0000"/>
+                </a:solidFill>
+                <a:sym typeface="Wingdings" panose="05000000000000000000" pitchFamily="2" charset="2"/>
+              </a:rPr>
+              <a:t>Using ‘Fs conversion’</a:t>
+            </a:r>
+          </a:p>
+        </p:txBody>
+      </p:sp>
+      <p:sp>
+        <p:nvSpPr>
+          <p:cNvPr id="8" name="TextBox 7">
+            <a:extLst>
+              <a:ext uri="{FF2B5EF4-FFF2-40B4-BE49-F238E27FC236}">
+                <a16:creationId xmlns:a16="http://schemas.microsoft.com/office/drawing/2014/main" id="{1582BD07-6CE7-48AF-85F8-34D4A2CD3CB6}"/>
+              </a:ext>
+            </a:extLst>
+          </p:cNvPr>
+          <p:cNvSpPr txBox="1"/>
+          <p:nvPr/>
+        </p:nvSpPr>
+        <p:spPr>
+          <a:xfrm>
+            <a:off x="200845" y="3227412"/>
+            <a:ext cx="2557057" cy="646331"/>
+          </a:xfrm>
+          <a:prstGeom prst="rect">
+            <a:avLst/>
+          </a:prstGeom>
+          <a:noFill/>
+        </p:spPr>
+        <p:txBody>
+          <a:bodyPr wrap="square">
+            <a:spAutoFit/>
+          </a:bodyPr>
+          <a:lstStyle/>
+          <a:p>
+            <a:r>
+              <a:rPr lang="en-US" sz="1200" dirty="0" err="1">
+                <a:latin typeface="Abadi" panose="020B0604020104020204" pitchFamily="34" charset="0"/>
+              </a:rPr>
+              <a:t>Fs_new</a:t>
+            </a:r>
+            <a:r>
+              <a:rPr lang="en-US" sz="1200" dirty="0">
+                <a:latin typeface="Abadi" panose="020B0604020104020204" pitchFamily="34" charset="0"/>
+              </a:rPr>
+              <a:t>           = Fs/8 = </a:t>
+            </a:r>
+            <a:r>
+              <a:rPr lang="en-US" sz="1200" dirty="0">
+                <a:highlight>
+                  <a:srgbClr val="FFFF00"/>
+                </a:highlight>
+                <a:latin typeface="Abadi" panose="020B0604020104020204" pitchFamily="34" charset="0"/>
+              </a:rPr>
+              <a:t>500kHz</a:t>
+            </a:r>
+            <a:endParaRPr lang="en-US" sz="1200" dirty="0">
+              <a:latin typeface="Abadi" panose="020B0604020104020204" pitchFamily="34" charset="0"/>
+            </a:endParaRPr>
+          </a:p>
+          <a:p>
+            <a:r>
+              <a:rPr lang="en-US" sz="1200" dirty="0" err="1">
+                <a:latin typeface="Abadi" panose="020B0604020104020204" pitchFamily="34" charset="0"/>
+              </a:rPr>
+              <a:t>Nfft</a:t>
+            </a:r>
+            <a:r>
+              <a:rPr lang="en-US" sz="1200" dirty="0">
+                <a:latin typeface="Abadi" panose="020B0604020104020204" pitchFamily="34" charset="0"/>
+              </a:rPr>
+              <a:t>                = 2^7</a:t>
+            </a:r>
+          </a:p>
+          <a:p>
+            <a:r>
+              <a:rPr lang="en-US" sz="1200" dirty="0">
+                <a:latin typeface="Abadi" panose="020B0604020104020204" pitchFamily="34" charset="0"/>
+              </a:rPr>
+              <a:t>Bin frequency  = </a:t>
+            </a:r>
+            <a:r>
+              <a:rPr lang="en-US" sz="1200" dirty="0">
+                <a:highlight>
+                  <a:srgbClr val="FFFF00"/>
+                </a:highlight>
+                <a:latin typeface="Abadi" panose="020B0604020104020204" pitchFamily="34" charset="0"/>
+              </a:rPr>
+              <a:t>3,9kHz</a:t>
+            </a:r>
           </a:p>
         </p:txBody>
       </p:sp>
       <p:pic>
         <p:nvPicPr>
-          <p:cNvPr id="3" name="Picture 2">
+          <p:cNvPr id="4" name="Picture 3">
             <a:extLst>
               <a:ext uri="{FF2B5EF4-FFF2-40B4-BE49-F238E27FC236}">
-                <a16:creationId xmlns:a16="http://schemas.microsoft.com/office/drawing/2014/main" id="{D5BD9076-60ED-4B48-94CC-3F3D12D080E5}"/>
+                <a16:creationId xmlns:a16="http://schemas.microsoft.com/office/drawing/2014/main" id="{8B512945-FBC6-4C35-899F-97F13536F520}"/>
               </a:ext>
             </a:extLst>
           </p:cNvPr>
@@ -15512,8 +15899,8 @@
         </p:blipFill>
         <p:spPr>
           <a:xfrm>
-            <a:off x="1901952" y="829400"/>
-            <a:ext cx="9316211" cy="5552708"/>
+            <a:off x="2972970" y="965339"/>
+            <a:ext cx="8827122" cy="5322498"/>
           </a:xfrm>
           <a:prstGeom prst="rect">
             <a:avLst/>
@@ -15523,7 +15910,7 @@
     </p:spTree>
     <p:extLst>
       <p:ext uri="{BB962C8B-B14F-4D97-AF65-F5344CB8AC3E}">
-        <p14:creationId xmlns:p14="http://schemas.microsoft.com/office/powerpoint/2010/main" val="3437482631"/>
+        <p14:creationId xmlns:p14="http://schemas.microsoft.com/office/powerpoint/2010/main" val="295709671"/>
       </p:ext>
     </p:extLst>
   </p:cSld>
@@ -15534,1899 +15921,6 @@
 </file>
 
 <file path=ppt/slides/slide14.xml><?xml version="1.0" encoding="utf-8"?>
-<p:sld xmlns:a="http://schemas.openxmlformats.org/drawingml/2006/main" xmlns:r="http://schemas.openxmlformats.org/officeDocument/2006/relationships" xmlns:p="http://schemas.openxmlformats.org/presentationml/2006/main">
-  <p:cSld>
-    <p:spTree>
-      <p:nvGrpSpPr>
-        <p:cNvPr id="1" name=""/>
-        <p:cNvGrpSpPr/>
-        <p:nvPr/>
-      </p:nvGrpSpPr>
-      <p:grpSpPr>
-        <a:xfrm>
-          <a:off x="0" y="0"/>
-          <a:ext cx="0" cy="0"/>
-          <a:chOff x="0" y="0"/>
-          <a:chExt cx="0" cy="0"/>
-        </a:xfrm>
-      </p:grpSpPr>
-      <p:sp>
-        <p:nvSpPr>
-          <p:cNvPr id="10" name="제목 9">
-            <a:extLst>
-              <a:ext uri="{FF2B5EF4-FFF2-40B4-BE49-F238E27FC236}">
-                <a16:creationId xmlns:a16="http://schemas.microsoft.com/office/drawing/2014/main" id="{798354F4-E37B-4A27-827D-07FFF75DD784}"/>
-              </a:ext>
-            </a:extLst>
-          </p:cNvPr>
-          <p:cNvSpPr>
-            <a:spLocks noGrp="1"/>
-          </p:cNvSpPr>
-          <p:nvPr>
-            <p:ph type="title"/>
-          </p:nvPr>
-        </p:nvSpPr>
-        <p:spPr/>
-        <p:txBody>
-          <a:bodyPr/>
-          <a:lstStyle/>
-          <a:p>
-            <a:r>
-              <a:rPr lang="en-US" altLang="ko-KR" dirty="0"/>
-              <a:t>Signal reconstruction and FFT</a:t>
-            </a:r>
-            <a:endParaRPr lang="ko-KR" altLang="en-US" dirty="0"/>
-          </a:p>
-        </p:txBody>
-      </p:sp>
-      <p:sp>
-        <p:nvSpPr>
-          <p:cNvPr id="11" name="내용 개체 틀 10">
-            <a:extLst>
-              <a:ext uri="{FF2B5EF4-FFF2-40B4-BE49-F238E27FC236}">
-                <a16:creationId xmlns:a16="http://schemas.microsoft.com/office/drawing/2014/main" id="{1D00540D-97E2-4095-BE28-0FB839C14ED5}"/>
-              </a:ext>
-            </a:extLst>
-          </p:cNvPr>
-          <p:cNvSpPr>
-            <a:spLocks noGrp="1"/>
-          </p:cNvSpPr>
-          <p:nvPr>
-            <p:ph idx="1"/>
-          </p:nvPr>
-        </p:nvSpPr>
-        <p:spPr>
-          <a:xfrm>
-            <a:off x="188033" y="846515"/>
-            <a:ext cx="5854628" cy="5560147"/>
-          </a:xfrm>
-        </p:spPr>
-        <p:txBody>
-          <a:bodyPr/>
-          <a:lstStyle/>
-          <a:p>
-            <a:r>
-              <a:rPr lang="en-US" altLang="ko-KR" dirty="0">
-                <a:sym typeface="Wingdings" panose="05000000000000000000" pitchFamily="2" charset="2"/>
-              </a:rPr>
-              <a:t>C3</a:t>
-            </a:r>
-          </a:p>
-          <a:p>
-            <a:endParaRPr lang="ko-KR" altLang="en-US" dirty="0"/>
-          </a:p>
-        </p:txBody>
-      </p:sp>
-      <p:pic>
-        <p:nvPicPr>
-          <p:cNvPr id="3" name="Picture 2">
-            <a:extLst>
-              <a:ext uri="{FF2B5EF4-FFF2-40B4-BE49-F238E27FC236}">
-                <a16:creationId xmlns:a16="http://schemas.microsoft.com/office/drawing/2014/main" id="{9FFF185B-55EA-40BA-A0E2-03FDFA833366}"/>
-              </a:ext>
-            </a:extLst>
-          </p:cNvPr>
-          <p:cNvPicPr>
-            <a:picLocks noChangeAspect="1"/>
-          </p:cNvPicPr>
-          <p:nvPr/>
-        </p:nvPicPr>
-        <p:blipFill>
-          <a:blip r:embed="rId2"/>
-          <a:stretch>
-            <a:fillRect/>
-          </a:stretch>
-        </p:blipFill>
-        <p:spPr>
-          <a:xfrm>
-            <a:off x="2258568" y="926961"/>
-            <a:ext cx="8887266" cy="5399253"/>
-          </a:xfrm>
-          <a:prstGeom prst="rect">
-            <a:avLst/>
-          </a:prstGeom>
-        </p:spPr>
-      </p:pic>
-    </p:spTree>
-    <p:extLst>
-      <p:ext uri="{BB962C8B-B14F-4D97-AF65-F5344CB8AC3E}">
-        <p14:creationId xmlns:p14="http://schemas.microsoft.com/office/powerpoint/2010/main" val="3980814183"/>
-      </p:ext>
-    </p:extLst>
-  </p:cSld>
-  <p:clrMapOvr>
-    <a:masterClrMapping/>
-  </p:clrMapOvr>
-</p:sld>
-</file>
-
-<file path=ppt/slides/slide15.xml><?xml version="1.0" encoding="utf-8"?>
-<p:sld xmlns:a="http://schemas.openxmlformats.org/drawingml/2006/main" xmlns:r="http://schemas.openxmlformats.org/officeDocument/2006/relationships" xmlns:p="http://schemas.openxmlformats.org/presentationml/2006/main">
-  <p:cSld>
-    <p:spTree>
-      <p:nvGrpSpPr>
-        <p:cNvPr id="1" name=""/>
-        <p:cNvGrpSpPr/>
-        <p:nvPr/>
-      </p:nvGrpSpPr>
-      <p:grpSpPr>
-        <a:xfrm>
-          <a:off x="0" y="0"/>
-          <a:ext cx="0" cy="0"/>
-          <a:chOff x="0" y="0"/>
-          <a:chExt cx="0" cy="0"/>
-        </a:xfrm>
-      </p:grpSpPr>
-      <p:sp>
-        <p:nvSpPr>
-          <p:cNvPr id="10" name="제목 9">
-            <a:extLst>
-              <a:ext uri="{FF2B5EF4-FFF2-40B4-BE49-F238E27FC236}">
-                <a16:creationId xmlns:a16="http://schemas.microsoft.com/office/drawing/2014/main" id="{798354F4-E37B-4A27-827D-07FFF75DD784}"/>
-              </a:ext>
-            </a:extLst>
-          </p:cNvPr>
-          <p:cNvSpPr>
-            <a:spLocks noGrp="1"/>
-          </p:cNvSpPr>
-          <p:nvPr>
-            <p:ph type="title"/>
-          </p:nvPr>
-        </p:nvSpPr>
-        <p:spPr/>
-        <p:txBody>
-          <a:bodyPr/>
-          <a:lstStyle/>
-          <a:p>
-            <a:r>
-              <a:rPr lang="en-US" altLang="ko-KR" dirty="0"/>
-              <a:t>Signal reconstruction and FFT</a:t>
-            </a:r>
-            <a:endParaRPr lang="ko-KR" altLang="en-US" dirty="0"/>
-          </a:p>
-        </p:txBody>
-      </p:sp>
-      <p:sp>
-        <p:nvSpPr>
-          <p:cNvPr id="11" name="내용 개체 틀 10">
-            <a:extLst>
-              <a:ext uri="{FF2B5EF4-FFF2-40B4-BE49-F238E27FC236}">
-                <a16:creationId xmlns:a16="http://schemas.microsoft.com/office/drawing/2014/main" id="{1D00540D-97E2-4095-BE28-0FB839C14ED5}"/>
-              </a:ext>
-            </a:extLst>
-          </p:cNvPr>
-          <p:cNvSpPr>
-            <a:spLocks noGrp="1"/>
-          </p:cNvSpPr>
-          <p:nvPr>
-            <p:ph idx="1"/>
-          </p:nvPr>
-        </p:nvSpPr>
-        <p:spPr>
-          <a:xfrm>
-            <a:off x="188033" y="846515"/>
-            <a:ext cx="5854628" cy="5560147"/>
-          </a:xfrm>
-        </p:spPr>
-        <p:txBody>
-          <a:bodyPr/>
-          <a:lstStyle/>
-          <a:p>
-            <a:r>
-              <a:rPr lang="en-US" altLang="ko-KR" dirty="0">
-                <a:sym typeface="Wingdings" panose="05000000000000000000" pitchFamily="2" charset="2"/>
-              </a:rPr>
-              <a:t>C4</a:t>
-            </a:r>
-          </a:p>
-          <a:p>
-            <a:endParaRPr lang="ko-KR" altLang="en-US" dirty="0"/>
-          </a:p>
-        </p:txBody>
-      </p:sp>
-      <p:pic>
-        <p:nvPicPr>
-          <p:cNvPr id="3" name="Picture 2">
-            <a:extLst>
-              <a:ext uri="{FF2B5EF4-FFF2-40B4-BE49-F238E27FC236}">
-                <a16:creationId xmlns:a16="http://schemas.microsoft.com/office/drawing/2014/main" id="{E384600C-8E2F-48D7-8A9E-950E0AAC146B}"/>
-              </a:ext>
-            </a:extLst>
-          </p:cNvPr>
-          <p:cNvPicPr>
-            <a:picLocks noChangeAspect="1"/>
-          </p:cNvPicPr>
-          <p:nvPr/>
-        </p:nvPicPr>
-        <p:blipFill>
-          <a:blip r:embed="rId2"/>
-          <a:stretch>
-            <a:fillRect/>
-          </a:stretch>
-        </p:blipFill>
-        <p:spPr>
-          <a:xfrm>
-            <a:off x="2121408" y="846516"/>
-            <a:ext cx="9046133" cy="5555404"/>
-          </a:xfrm>
-          <a:prstGeom prst="rect">
-            <a:avLst/>
-          </a:prstGeom>
-        </p:spPr>
-      </p:pic>
-    </p:spTree>
-    <p:extLst>
-      <p:ext uri="{BB962C8B-B14F-4D97-AF65-F5344CB8AC3E}">
-        <p14:creationId xmlns:p14="http://schemas.microsoft.com/office/powerpoint/2010/main" val="1280842371"/>
-      </p:ext>
-    </p:extLst>
-  </p:cSld>
-  <p:clrMapOvr>
-    <a:masterClrMapping/>
-  </p:clrMapOvr>
-</p:sld>
-</file>
-
-<file path=ppt/slides/slide16.xml><?xml version="1.0" encoding="utf-8"?>
-<p:sld xmlns:a="http://schemas.openxmlformats.org/drawingml/2006/main" xmlns:r="http://schemas.openxmlformats.org/officeDocument/2006/relationships" xmlns:p="http://schemas.openxmlformats.org/presentationml/2006/main">
-  <p:cSld>
-    <p:spTree>
-      <p:nvGrpSpPr>
-        <p:cNvPr id="1" name=""/>
-        <p:cNvGrpSpPr/>
-        <p:nvPr/>
-      </p:nvGrpSpPr>
-      <p:grpSpPr>
-        <a:xfrm>
-          <a:off x="0" y="0"/>
-          <a:ext cx="0" cy="0"/>
-          <a:chOff x="0" y="0"/>
-          <a:chExt cx="0" cy="0"/>
-        </a:xfrm>
-      </p:grpSpPr>
-      <p:sp>
-        <p:nvSpPr>
-          <p:cNvPr id="10" name="제목 9">
-            <a:extLst>
-              <a:ext uri="{FF2B5EF4-FFF2-40B4-BE49-F238E27FC236}">
-                <a16:creationId xmlns:a16="http://schemas.microsoft.com/office/drawing/2014/main" id="{798354F4-E37B-4A27-827D-07FFF75DD784}"/>
-              </a:ext>
-            </a:extLst>
-          </p:cNvPr>
-          <p:cNvSpPr>
-            <a:spLocks noGrp="1"/>
-          </p:cNvSpPr>
-          <p:nvPr>
-            <p:ph type="title"/>
-          </p:nvPr>
-        </p:nvSpPr>
-        <p:spPr/>
-        <p:txBody>
-          <a:bodyPr/>
-          <a:lstStyle/>
-          <a:p>
-            <a:r>
-              <a:rPr lang="en-US" altLang="ko-KR" dirty="0"/>
-              <a:t>Signal reconstruction and FFT</a:t>
-            </a:r>
-            <a:endParaRPr lang="ko-KR" altLang="en-US" dirty="0"/>
-          </a:p>
-        </p:txBody>
-      </p:sp>
-      <p:sp>
-        <p:nvSpPr>
-          <p:cNvPr id="11" name="내용 개체 틀 10">
-            <a:extLst>
-              <a:ext uri="{FF2B5EF4-FFF2-40B4-BE49-F238E27FC236}">
-                <a16:creationId xmlns:a16="http://schemas.microsoft.com/office/drawing/2014/main" id="{1D00540D-97E2-4095-BE28-0FB839C14ED5}"/>
-              </a:ext>
-            </a:extLst>
-          </p:cNvPr>
-          <p:cNvSpPr>
-            <a:spLocks noGrp="1"/>
-          </p:cNvSpPr>
-          <p:nvPr>
-            <p:ph idx="1"/>
-          </p:nvPr>
-        </p:nvSpPr>
-        <p:spPr>
-          <a:xfrm>
-            <a:off x="188033" y="846515"/>
-            <a:ext cx="5854628" cy="5560147"/>
-          </a:xfrm>
-        </p:spPr>
-        <p:txBody>
-          <a:bodyPr/>
-          <a:lstStyle/>
-          <a:p>
-            <a:r>
-              <a:rPr lang="en-US" altLang="ko-KR" dirty="0">
-                <a:sym typeface="Wingdings" panose="05000000000000000000" pitchFamily="2" charset="2"/>
-              </a:rPr>
-              <a:t>C5</a:t>
-            </a:r>
-          </a:p>
-          <a:p>
-            <a:endParaRPr lang="ko-KR" altLang="en-US" dirty="0"/>
-          </a:p>
-        </p:txBody>
-      </p:sp>
-      <p:pic>
-        <p:nvPicPr>
-          <p:cNvPr id="3" name="Picture 2">
-            <a:extLst>
-              <a:ext uri="{FF2B5EF4-FFF2-40B4-BE49-F238E27FC236}">
-                <a16:creationId xmlns:a16="http://schemas.microsoft.com/office/drawing/2014/main" id="{AB9D3ECE-2925-4804-9C3A-E9F9783CE63C}"/>
-              </a:ext>
-            </a:extLst>
-          </p:cNvPr>
-          <p:cNvPicPr>
-            <a:picLocks noChangeAspect="1"/>
-          </p:cNvPicPr>
-          <p:nvPr/>
-        </p:nvPicPr>
-        <p:blipFill>
-          <a:blip r:embed="rId2"/>
-          <a:stretch>
-            <a:fillRect/>
-          </a:stretch>
-        </p:blipFill>
-        <p:spPr>
-          <a:xfrm>
-            <a:off x="1865376" y="846515"/>
-            <a:ext cx="9109562" cy="5586699"/>
-          </a:xfrm>
-          <a:prstGeom prst="rect">
-            <a:avLst/>
-          </a:prstGeom>
-        </p:spPr>
-      </p:pic>
-    </p:spTree>
-    <p:extLst>
-      <p:ext uri="{BB962C8B-B14F-4D97-AF65-F5344CB8AC3E}">
-        <p14:creationId xmlns:p14="http://schemas.microsoft.com/office/powerpoint/2010/main" val="4131399158"/>
-      </p:ext>
-    </p:extLst>
-  </p:cSld>
-  <p:clrMapOvr>
-    <a:masterClrMapping/>
-  </p:clrMapOvr>
-</p:sld>
-</file>
-
-<file path=ppt/slides/slide17.xml><?xml version="1.0" encoding="utf-8"?>
-<p:sld xmlns:a="http://schemas.openxmlformats.org/drawingml/2006/main" xmlns:r="http://schemas.openxmlformats.org/officeDocument/2006/relationships" xmlns:p="http://schemas.openxmlformats.org/presentationml/2006/main">
-  <p:cSld>
-    <p:spTree>
-      <p:nvGrpSpPr>
-        <p:cNvPr id="1" name=""/>
-        <p:cNvGrpSpPr/>
-        <p:nvPr/>
-      </p:nvGrpSpPr>
-      <p:grpSpPr>
-        <a:xfrm>
-          <a:off x="0" y="0"/>
-          <a:ext cx="0" cy="0"/>
-          <a:chOff x="0" y="0"/>
-          <a:chExt cx="0" cy="0"/>
-        </a:xfrm>
-      </p:grpSpPr>
-      <p:sp>
-        <p:nvSpPr>
-          <p:cNvPr id="10" name="제목 9">
-            <a:extLst>
-              <a:ext uri="{FF2B5EF4-FFF2-40B4-BE49-F238E27FC236}">
-                <a16:creationId xmlns:a16="http://schemas.microsoft.com/office/drawing/2014/main" id="{798354F4-E37B-4A27-827D-07FFF75DD784}"/>
-              </a:ext>
-            </a:extLst>
-          </p:cNvPr>
-          <p:cNvSpPr>
-            <a:spLocks noGrp="1"/>
-          </p:cNvSpPr>
-          <p:nvPr>
-            <p:ph type="title"/>
-          </p:nvPr>
-        </p:nvSpPr>
-        <p:spPr/>
-        <p:txBody>
-          <a:bodyPr/>
-          <a:lstStyle/>
-          <a:p>
-            <a:r>
-              <a:rPr lang="en-US" altLang="ko-KR" dirty="0"/>
-              <a:t>Signal reconstruction and FFT</a:t>
-            </a:r>
-            <a:endParaRPr lang="ko-KR" altLang="en-US" dirty="0"/>
-          </a:p>
-        </p:txBody>
-      </p:sp>
-      <p:sp>
-        <p:nvSpPr>
-          <p:cNvPr id="11" name="내용 개체 틀 10">
-            <a:extLst>
-              <a:ext uri="{FF2B5EF4-FFF2-40B4-BE49-F238E27FC236}">
-                <a16:creationId xmlns:a16="http://schemas.microsoft.com/office/drawing/2014/main" id="{1D00540D-97E2-4095-BE28-0FB839C14ED5}"/>
-              </a:ext>
-            </a:extLst>
-          </p:cNvPr>
-          <p:cNvSpPr>
-            <a:spLocks noGrp="1"/>
-          </p:cNvSpPr>
-          <p:nvPr>
-            <p:ph idx="1"/>
-          </p:nvPr>
-        </p:nvSpPr>
-        <p:spPr>
-          <a:xfrm>
-            <a:off x="188033" y="846515"/>
-            <a:ext cx="5854628" cy="5560147"/>
-          </a:xfrm>
-        </p:spPr>
-        <p:txBody>
-          <a:bodyPr/>
-          <a:lstStyle/>
-          <a:p>
-            <a:r>
-              <a:rPr lang="en-US" altLang="ko-KR" dirty="0">
-                <a:sym typeface="Wingdings" panose="05000000000000000000" pitchFamily="2" charset="2"/>
-              </a:rPr>
-              <a:t>C6</a:t>
-            </a:r>
-          </a:p>
-          <a:p>
-            <a:endParaRPr lang="ko-KR" altLang="en-US" dirty="0"/>
-          </a:p>
-        </p:txBody>
-      </p:sp>
-      <p:pic>
-        <p:nvPicPr>
-          <p:cNvPr id="3" name="Picture 2">
-            <a:extLst>
-              <a:ext uri="{FF2B5EF4-FFF2-40B4-BE49-F238E27FC236}">
-                <a16:creationId xmlns:a16="http://schemas.microsoft.com/office/drawing/2014/main" id="{9B421AF3-8FE3-482E-A421-FD2167A0D41A}"/>
-              </a:ext>
-            </a:extLst>
-          </p:cNvPr>
-          <p:cNvPicPr>
-            <a:picLocks noChangeAspect="1"/>
-          </p:cNvPicPr>
-          <p:nvPr/>
-        </p:nvPicPr>
-        <p:blipFill>
-          <a:blip r:embed="rId2"/>
-          <a:stretch>
-            <a:fillRect/>
-          </a:stretch>
-        </p:blipFill>
-        <p:spPr>
-          <a:xfrm>
-            <a:off x="1856232" y="846515"/>
-            <a:ext cx="8929537" cy="5509714"/>
-          </a:xfrm>
-          <a:prstGeom prst="rect">
-            <a:avLst/>
-          </a:prstGeom>
-        </p:spPr>
-      </p:pic>
-    </p:spTree>
-    <p:extLst>
-      <p:ext uri="{BB962C8B-B14F-4D97-AF65-F5344CB8AC3E}">
-        <p14:creationId xmlns:p14="http://schemas.microsoft.com/office/powerpoint/2010/main" val="506375788"/>
-      </p:ext>
-    </p:extLst>
-  </p:cSld>
-  <p:clrMapOvr>
-    <a:masterClrMapping/>
-  </p:clrMapOvr>
-</p:sld>
-</file>
-
-<file path=ppt/slides/slide18.xml><?xml version="1.0" encoding="utf-8"?>
-<p:sld xmlns:a="http://schemas.openxmlformats.org/drawingml/2006/main" xmlns:r="http://schemas.openxmlformats.org/officeDocument/2006/relationships" xmlns:p="http://schemas.openxmlformats.org/presentationml/2006/main">
-  <p:cSld>
-    <p:spTree>
-      <p:nvGrpSpPr>
-        <p:cNvPr id="1" name=""/>
-        <p:cNvGrpSpPr/>
-        <p:nvPr/>
-      </p:nvGrpSpPr>
-      <p:grpSpPr>
-        <a:xfrm>
-          <a:off x="0" y="0"/>
-          <a:ext cx="0" cy="0"/>
-          <a:chOff x="0" y="0"/>
-          <a:chExt cx="0" cy="0"/>
-        </a:xfrm>
-      </p:grpSpPr>
-      <p:sp>
-        <p:nvSpPr>
-          <p:cNvPr id="10" name="제목 9">
-            <a:extLst>
-              <a:ext uri="{FF2B5EF4-FFF2-40B4-BE49-F238E27FC236}">
-                <a16:creationId xmlns:a16="http://schemas.microsoft.com/office/drawing/2014/main" id="{798354F4-E37B-4A27-827D-07FFF75DD784}"/>
-              </a:ext>
-            </a:extLst>
-          </p:cNvPr>
-          <p:cNvSpPr>
-            <a:spLocks noGrp="1"/>
-          </p:cNvSpPr>
-          <p:nvPr>
-            <p:ph type="title"/>
-          </p:nvPr>
-        </p:nvSpPr>
-        <p:spPr/>
-        <p:txBody>
-          <a:bodyPr/>
-          <a:lstStyle/>
-          <a:p>
-            <a:r>
-              <a:rPr lang="en-US" altLang="ko-KR" dirty="0"/>
-              <a:t>Signal reconstruction and FFT</a:t>
-            </a:r>
-            <a:endParaRPr lang="ko-KR" altLang="en-US" dirty="0"/>
-          </a:p>
-        </p:txBody>
-      </p:sp>
-      <p:sp>
-        <p:nvSpPr>
-          <p:cNvPr id="11" name="내용 개체 틀 10">
-            <a:extLst>
-              <a:ext uri="{FF2B5EF4-FFF2-40B4-BE49-F238E27FC236}">
-                <a16:creationId xmlns:a16="http://schemas.microsoft.com/office/drawing/2014/main" id="{1D00540D-97E2-4095-BE28-0FB839C14ED5}"/>
-              </a:ext>
-            </a:extLst>
-          </p:cNvPr>
-          <p:cNvSpPr>
-            <a:spLocks noGrp="1"/>
-          </p:cNvSpPr>
-          <p:nvPr>
-            <p:ph idx="1"/>
-          </p:nvPr>
-        </p:nvSpPr>
-        <p:spPr>
-          <a:xfrm>
-            <a:off x="188033" y="846515"/>
-            <a:ext cx="5854628" cy="5560147"/>
-          </a:xfrm>
-        </p:spPr>
-        <p:txBody>
-          <a:bodyPr/>
-          <a:lstStyle/>
-          <a:p>
-            <a:r>
-              <a:rPr lang="en-US" altLang="ko-KR" dirty="0">
-                <a:sym typeface="Wingdings" panose="05000000000000000000" pitchFamily="2" charset="2"/>
-              </a:rPr>
-              <a:t>C7</a:t>
-            </a:r>
-          </a:p>
-          <a:p>
-            <a:endParaRPr lang="ko-KR" altLang="en-US" dirty="0"/>
-          </a:p>
-        </p:txBody>
-      </p:sp>
-      <p:pic>
-        <p:nvPicPr>
-          <p:cNvPr id="3" name="Picture 2">
-            <a:extLst>
-              <a:ext uri="{FF2B5EF4-FFF2-40B4-BE49-F238E27FC236}">
-                <a16:creationId xmlns:a16="http://schemas.microsoft.com/office/drawing/2014/main" id="{4E3D4310-C86A-4A1B-96FE-400F3938779F}"/>
-              </a:ext>
-            </a:extLst>
-          </p:cNvPr>
-          <p:cNvPicPr>
-            <a:picLocks noChangeAspect="1"/>
-          </p:cNvPicPr>
-          <p:nvPr/>
-        </p:nvPicPr>
-        <p:blipFill>
-          <a:blip r:embed="rId2"/>
-          <a:stretch>
-            <a:fillRect/>
-          </a:stretch>
-        </p:blipFill>
-        <p:spPr>
-          <a:xfrm>
-            <a:off x="2121408" y="950400"/>
-            <a:ext cx="8918175" cy="5485750"/>
-          </a:xfrm>
-          <a:prstGeom prst="rect">
-            <a:avLst/>
-          </a:prstGeom>
-        </p:spPr>
-      </p:pic>
-    </p:spTree>
-    <p:extLst>
-      <p:ext uri="{BB962C8B-B14F-4D97-AF65-F5344CB8AC3E}">
-        <p14:creationId xmlns:p14="http://schemas.microsoft.com/office/powerpoint/2010/main" val="2528556679"/>
-      </p:ext>
-    </p:extLst>
-  </p:cSld>
-  <p:clrMapOvr>
-    <a:masterClrMapping/>
-  </p:clrMapOvr>
-</p:sld>
-</file>
-
-<file path=ppt/slides/slide19.xml><?xml version="1.0" encoding="utf-8"?>
-<p:sld xmlns:a="http://schemas.openxmlformats.org/drawingml/2006/main" xmlns:r="http://schemas.openxmlformats.org/officeDocument/2006/relationships" xmlns:p="http://schemas.openxmlformats.org/presentationml/2006/main">
-  <p:cSld>
-    <p:spTree>
-      <p:nvGrpSpPr>
-        <p:cNvPr id="1" name=""/>
-        <p:cNvGrpSpPr/>
-        <p:nvPr/>
-      </p:nvGrpSpPr>
-      <p:grpSpPr>
-        <a:xfrm>
-          <a:off x="0" y="0"/>
-          <a:ext cx="0" cy="0"/>
-          <a:chOff x="0" y="0"/>
-          <a:chExt cx="0" cy="0"/>
-        </a:xfrm>
-      </p:grpSpPr>
-      <p:sp>
-        <p:nvSpPr>
-          <p:cNvPr id="10" name="제목 9">
-            <a:extLst>
-              <a:ext uri="{FF2B5EF4-FFF2-40B4-BE49-F238E27FC236}">
-                <a16:creationId xmlns:a16="http://schemas.microsoft.com/office/drawing/2014/main" id="{798354F4-E37B-4A27-827D-07FFF75DD784}"/>
-              </a:ext>
-            </a:extLst>
-          </p:cNvPr>
-          <p:cNvSpPr>
-            <a:spLocks noGrp="1"/>
-          </p:cNvSpPr>
-          <p:nvPr>
-            <p:ph type="title"/>
-          </p:nvPr>
-        </p:nvSpPr>
-        <p:spPr/>
-        <p:txBody>
-          <a:bodyPr/>
-          <a:lstStyle/>
-          <a:p>
-            <a:r>
-              <a:rPr lang="en-US" altLang="ko-KR" dirty="0"/>
-              <a:t>Signal reconstruction and FFT</a:t>
-            </a:r>
-            <a:endParaRPr lang="ko-KR" altLang="en-US" dirty="0"/>
-          </a:p>
-        </p:txBody>
-      </p:sp>
-      <p:sp>
-        <p:nvSpPr>
-          <p:cNvPr id="11" name="내용 개체 틀 10">
-            <a:extLst>
-              <a:ext uri="{FF2B5EF4-FFF2-40B4-BE49-F238E27FC236}">
-                <a16:creationId xmlns:a16="http://schemas.microsoft.com/office/drawing/2014/main" id="{1D00540D-97E2-4095-BE28-0FB839C14ED5}"/>
-              </a:ext>
-            </a:extLst>
-          </p:cNvPr>
-          <p:cNvSpPr>
-            <a:spLocks noGrp="1"/>
-          </p:cNvSpPr>
-          <p:nvPr>
-            <p:ph idx="1"/>
-          </p:nvPr>
-        </p:nvSpPr>
-        <p:spPr>
-          <a:xfrm>
-            <a:off x="188033" y="846515"/>
-            <a:ext cx="5854628" cy="5560147"/>
-          </a:xfrm>
-        </p:spPr>
-        <p:txBody>
-          <a:bodyPr/>
-          <a:lstStyle/>
-          <a:p>
-            <a:r>
-              <a:rPr lang="en-US" altLang="ko-KR" dirty="0">
-                <a:sym typeface="Wingdings" panose="05000000000000000000" pitchFamily="2" charset="2"/>
-              </a:rPr>
-              <a:t>R0</a:t>
-            </a:r>
-          </a:p>
-          <a:p>
-            <a:endParaRPr lang="ko-KR" altLang="en-US" dirty="0"/>
-          </a:p>
-        </p:txBody>
-      </p:sp>
-      <p:pic>
-        <p:nvPicPr>
-          <p:cNvPr id="3" name="Picture 2">
-            <a:extLst>
-              <a:ext uri="{FF2B5EF4-FFF2-40B4-BE49-F238E27FC236}">
-                <a16:creationId xmlns:a16="http://schemas.microsoft.com/office/drawing/2014/main" id="{D279677D-93D5-40E6-A8A3-0966194F9212}"/>
-              </a:ext>
-            </a:extLst>
-          </p:cNvPr>
-          <p:cNvPicPr>
-            <a:picLocks noChangeAspect="1"/>
-          </p:cNvPicPr>
-          <p:nvPr/>
-        </p:nvPicPr>
-        <p:blipFill>
-          <a:blip r:embed="rId2"/>
-          <a:stretch>
-            <a:fillRect/>
-          </a:stretch>
-        </p:blipFill>
-        <p:spPr>
-          <a:xfrm>
-            <a:off x="1984248" y="846516"/>
-            <a:ext cx="9214476" cy="5563932"/>
-          </a:xfrm>
-          <a:prstGeom prst="rect">
-            <a:avLst/>
-          </a:prstGeom>
-        </p:spPr>
-      </p:pic>
-    </p:spTree>
-    <p:extLst>
-      <p:ext uri="{BB962C8B-B14F-4D97-AF65-F5344CB8AC3E}">
-        <p14:creationId xmlns:p14="http://schemas.microsoft.com/office/powerpoint/2010/main" val="641709835"/>
-      </p:ext>
-    </p:extLst>
-  </p:cSld>
-  <p:clrMapOvr>
-    <a:masterClrMapping/>
-  </p:clrMapOvr>
-</p:sld>
-</file>
-
-<file path=ppt/slides/slide2.xml><?xml version="1.0" encoding="utf-8"?>
-<p:sld xmlns:a="http://schemas.openxmlformats.org/drawingml/2006/main" xmlns:r="http://schemas.openxmlformats.org/officeDocument/2006/relationships" xmlns:p="http://schemas.openxmlformats.org/presentationml/2006/main">
-  <p:cSld>
-    <p:spTree>
-      <p:nvGrpSpPr>
-        <p:cNvPr id="1" name=""/>
-        <p:cNvGrpSpPr/>
-        <p:nvPr/>
-      </p:nvGrpSpPr>
-      <p:grpSpPr>
-        <a:xfrm>
-          <a:off x="0" y="0"/>
-          <a:ext cx="0" cy="0"/>
-          <a:chOff x="0" y="0"/>
-          <a:chExt cx="0" cy="0"/>
-        </a:xfrm>
-      </p:grpSpPr>
-      <p:sp>
-        <p:nvSpPr>
-          <p:cNvPr id="3" name="내용 개체 틀 2">
-            <a:extLst>
-              <a:ext uri="{FF2B5EF4-FFF2-40B4-BE49-F238E27FC236}">
-                <a16:creationId xmlns:a16="http://schemas.microsoft.com/office/drawing/2014/main" id="{AD0FDF3F-9616-4A6F-935E-75551A39E1B9}"/>
-              </a:ext>
-            </a:extLst>
-          </p:cNvPr>
-          <p:cNvSpPr>
-            <a:spLocks noGrp="1"/>
-          </p:cNvSpPr>
-          <p:nvPr>
-            <p:ph idx="1"/>
-          </p:nvPr>
-        </p:nvSpPr>
-        <p:spPr/>
-        <p:txBody>
-          <a:bodyPr/>
-          <a:lstStyle/>
-          <a:p>
-            <a:r>
-              <a:rPr lang="en-US" altLang="ko-KR" dirty="0"/>
-              <a:t>ADC output</a:t>
-            </a:r>
-            <a:endParaRPr lang="ko-KR" altLang="en-US" dirty="0"/>
-          </a:p>
-        </p:txBody>
-      </p:sp>
-      <p:sp>
-        <p:nvSpPr>
-          <p:cNvPr id="4" name="내용 개체 틀 3">
-            <a:extLst>
-              <a:ext uri="{FF2B5EF4-FFF2-40B4-BE49-F238E27FC236}">
-                <a16:creationId xmlns:a16="http://schemas.microsoft.com/office/drawing/2014/main" id="{3BAD1E7F-8396-4995-8C77-02E1A32A70BB}"/>
-              </a:ext>
-            </a:extLst>
-          </p:cNvPr>
-          <p:cNvSpPr>
-            <a:spLocks noGrp="1"/>
-          </p:cNvSpPr>
-          <p:nvPr>
-            <p:ph idx="10"/>
-          </p:nvPr>
-        </p:nvSpPr>
-        <p:spPr/>
-        <p:txBody>
-          <a:bodyPr/>
-          <a:lstStyle/>
-          <a:p>
-            <a:r>
-              <a:rPr lang="en-US" altLang="ko-KR" dirty="0"/>
-              <a:t>Data conversion</a:t>
-            </a:r>
-            <a:endParaRPr lang="ko-KR" altLang="en-US" dirty="0"/>
-          </a:p>
-        </p:txBody>
-      </p:sp>
-      <p:sp>
-        <p:nvSpPr>
-          <p:cNvPr id="5" name="내용 개체 틀 4">
-            <a:extLst>
-              <a:ext uri="{FF2B5EF4-FFF2-40B4-BE49-F238E27FC236}">
-                <a16:creationId xmlns:a16="http://schemas.microsoft.com/office/drawing/2014/main" id="{05B796E4-27E9-4333-A26C-2D79F6063113}"/>
-              </a:ext>
-            </a:extLst>
-          </p:cNvPr>
-          <p:cNvSpPr>
-            <a:spLocks noGrp="1"/>
-          </p:cNvSpPr>
-          <p:nvPr>
-            <p:ph idx="11"/>
-          </p:nvPr>
-        </p:nvSpPr>
-        <p:spPr/>
-        <p:txBody>
-          <a:bodyPr/>
-          <a:lstStyle/>
-          <a:p>
-            <a:r>
-              <a:rPr lang="en-US" altLang="ko-KR" dirty="0"/>
-              <a:t>Signal reconstruction and FFT</a:t>
-            </a:r>
-            <a:endParaRPr lang="ko-KR" altLang="en-US" dirty="0"/>
-          </a:p>
-        </p:txBody>
-      </p:sp>
-      <p:sp>
-        <p:nvSpPr>
-          <p:cNvPr id="6" name="내용 개체 틀 5">
-            <a:extLst>
-              <a:ext uri="{FF2B5EF4-FFF2-40B4-BE49-F238E27FC236}">
-                <a16:creationId xmlns:a16="http://schemas.microsoft.com/office/drawing/2014/main" id="{E6F4CFFD-7183-43BB-89EA-FA454609819D}"/>
-              </a:ext>
-            </a:extLst>
-          </p:cNvPr>
-          <p:cNvSpPr>
-            <a:spLocks noGrp="1"/>
-          </p:cNvSpPr>
-          <p:nvPr>
-            <p:ph idx="12"/>
-          </p:nvPr>
-        </p:nvSpPr>
-        <p:spPr/>
-        <p:txBody>
-          <a:bodyPr/>
-          <a:lstStyle/>
-          <a:p>
-            <a:endParaRPr lang="ko-KR" altLang="en-US"/>
-          </a:p>
-        </p:txBody>
-      </p:sp>
-      <p:sp>
-        <p:nvSpPr>
-          <p:cNvPr id="7" name="내용 개체 틀 6">
-            <a:extLst>
-              <a:ext uri="{FF2B5EF4-FFF2-40B4-BE49-F238E27FC236}">
-                <a16:creationId xmlns:a16="http://schemas.microsoft.com/office/drawing/2014/main" id="{4210C029-6DD6-478B-A965-BAB2D0A473C8}"/>
-              </a:ext>
-            </a:extLst>
-          </p:cNvPr>
-          <p:cNvSpPr>
-            <a:spLocks noGrp="1"/>
-          </p:cNvSpPr>
-          <p:nvPr>
-            <p:ph idx="13"/>
-          </p:nvPr>
-        </p:nvSpPr>
-        <p:spPr/>
-        <p:txBody>
-          <a:bodyPr/>
-          <a:lstStyle/>
-          <a:p>
-            <a:endParaRPr lang="ko-KR" altLang="en-US"/>
-          </a:p>
-        </p:txBody>
-      </p:sp>
-      <p:sp>
-        <p:nvSpPr>
-          <p:cNvPr id="8" name="내용 개체 틀 7">
-            <a:extLst>
-              <a:ext uri="{FF2B5EF4-FFF2-40B4-BE49-F238E27FC236}">
-                <a16:creationId xmlns:a16="http://schemas.microsoft.com/office/drawing/2014/main" id="{901AB8EC-0EE9-4270-A1CF-48645256AEE1}"/>
-              </a:ext>
-            </a:extLst>
-          </p:cNvPr>
-          <p:cNvSpPr>
-            <a:spLocks noGrp="1"/>
-          </p:cNvSpPr>
-          <p:nvPr>
-            <p:ph idx="14"/>
-          </p:nvPr>
-        </p:nvSpPr>
-        <p:spPr/>
-        <p:txBody>
-          <a:bodyPr/>
-          <a:lstStyle/>
-          <a:p>
-            <a:endParaRPr lang="ko-KR" altLang="en-US"/>
-          </a:p>
-        </p:txBody>
-      </p:sp>
-      <p:sp>
-        <p:nvSpPr>
-          <p:cNvPr id="9" name="내용 개체 틀 8">
-            <a:extLst>
-              <a:ext uri="{FF2B5EF4-FFF2-40B4-BE49-F238E27FC236}">
-                <a16:creationId xmlns:a16="http://schemas.microsoft.com/office/drawing/2014/main" id="{14642BF2-F743-4512-A314-9BAB5A23C939}"/>
-              </a:ext>
-            </a:extLst>
-          </p:cNvPr>
-          <p:cNvSpPr>
-            <a:spLocks noGrp="1"/>
-          </p:cNvSpPr>
-          <p:nvPr>
-            <p:ph idx="15"/>
-          </p:nvPr>
-        </p:nvSpPr>
-        <p:spPr/>
-        <p:txBody>
-          <a:bodyPr/>
-          <a:lstStyle/>
-          <a:p>
-            <a:endParaRPr lang="ko-KR" altLang="en-US"/>
-          </a:p>
-        </p:txBody>
-      </p:sp>
-      <p:sp>
-        <p:nvSpPr>
-          <p:cNvPr id="10" name="내용 개체 틀 9">
-            <a:extLst>
-              <a:ext uri="{FF2B5EF4-FFF2-40B4-BE49-F238E27FC236}">
-                <a16:creationId xmlns:a16="http://schemas.microsoft.com/office/drawing/2014/main" id="{EF42B89A-FAF4-4A9C-B15A-CE45AC631F3B}"/>
-              </a:ext>
-            </a:extLst>
-          </p:cNvPr>
-          <p:cNvSpPr>
-            <a:spLocks noGrp="1"/>
-          </p:cNvSpPr>
-          <p:nvPr>
-            <p:ph idx="16"/>
-          </p:nvPr>
-        </p:nvSpPr>
-        <p:spPr/>
-        <p:txBody>
-          <a:bodyPr/>
-          <a:lstStyle/>
-          <a:p>
-            <a:endParaRPr lang="ko-KR" altLang="en-US"/>
-          </a:p>
-        </p:txBody>
-      </p:sp>
-    </p:spTree>
-    <p:extLst>
-      <p:ext uri="{BB962C8B-B14F-4D97-AF65-F5344CB8AC3E}">
-        <p14:creationId xmlns:p14="http://schemas.microsoft.com/office/powerpoint/2010/main" val="2219489278"/>
-      </p:ext>
-    </p:extLst>
-  </p:cSld>
-  <p:clrMapOvr>
-    <a:masterClrMapping/>
-  </p:clrMapOvr>
-</p:sld>
-</file>
-
-<file path=ppt/slides/slide20.xml><?xml version="1.0" encoding="utf-8"?>
-<p:sld xmlns:a="http://schemas.openxmlformats.org/drawingml/2006/main" xmlns:r="http://schemas.openxmlformats.org/officeDocument/2006/relationships" xmlns:p="http://schemas.openxmlformats.org/presentationml/2006/main">
-  <p:cSld>
-    <p:spTree>
-      <p:nvGrpSpPr>
-        <p:cNvPr id="1" name=""/>
-        <p:cNvGrpSpPr/>
-        <p:nvPr/>
-      </p:nvGrpSpPr>
-      <p:grpSpPr>
-        <a:xfrm>
-          <a:off x="0" y="0"/>
-          <a:ext cx="0" cy="0"/>
-          <a:chOff x="0" y="0"/>
-          <a:chExt cx="0" cy="0"/>
-        </a:xfrm>
-      </p:grpSpPr>
-      <p:sp>
-        <p:nvSpPr>
-          <p:cNvPr id="10" name="제목 9">
-            <a:extLst>
-              <a:ext uri="{FF2B5EF4-FFF2-40B4-BE49-F238E27FC236}">
-                <a16:creationId xmlns:a16="http://schemas.microsoft.com/office/drawing/2014/main" id="{798354F4-E37B-4A27-827D-07FFF75DD784}"/>
-              </a:ext>
-            </a:extLst>
-          </p:cNvPr>
-          <p:cNvSpPr>
-            <a:spLocks noGrp="1"/>
-          </p:cNvSpPr>
-          <p:nvPr>
-            <p:ph type="title"/>
-          </p:nvPr>
-        </p:nvSpPr>
-        <p:spPr/>
-        <p:txBody>
-          <a:bodyPr/>
-          <a:lstStyle/>
-          <a:p>
-            <a:r>
-              <a:rPr lang="en-US" altLang="ko-KR" dirty="0"/>
-              <a:t>Signal reconstruction and FFT</a:t>
-            </a:r>
-            <a:endParaRPr lang="ko-KR" altLang="en-US" dirty="0"/>
-          </a:p>
-        </p:txBody>
-      </p:sp>
-      <p:sp>
-        <p:nvSpPr>
-          <p:cNvPr id="11" name="내용 개체 틀 10">
-            <a:extLst>
-              <a:ext uri="{FF2B5EF4-FFF2-40B4-BE49-F238E27FC236}">
-                <a16:creationId xmlns:a16="http://schemas.microsoft.com/office/drawing/2014/main" id="{1D00540D-97E2-4095-BE28-0FB839C14ED5}"/>
-              </a:ext>
-            </a:extLst>
-          </p:cNvPr>
-          <p:cNvSpPr>
-            <a:spLocks noGrp="1"/>
-          </p:cNvSpPr>
-          <p:nvPr>
-            <p:ph idx="1"/>
-          </p:nvPr>
-        </p:nvSpPr>
-        <p:spPr>
-          <a:xfrm>
-            <a:off x="188033" y="846515"/>
-            <a:ext cx="5854628" cy="5560147"/>
-          </a:xfrm>
-        </p:spPr>
-        <p:txBody>
-          <a:bodyPr/>
-          <a:lstStyle/>
-          <a:p>
-            <a:r>
-              <a:rPr lang="en-US" altLang="ko-KR" dirty="0">
-                <a:sym typeface="Wingdings" panose="05000000000000000000" pitchFamily="2" charset="2"/>
-              </a:rPr>
-              <a:t>R1</a:t>
-            </a:r>
-          </a:p>
-          <a:p>
-            <a:endParaRPr lang="ko-KR" altLang="en-US" dirty="0"/>
-          </a:p>
-        </p:txBody>
-      </p:sp>
-      <p:pic>
-        <p:nvPicPr>
-          <p:cNvPr id="8" name="Picture 7">
-            <a:extLst>
-              <a:ext uri="{FF2B5EF4-FFF2-40B4-BE49-F238E27FC236}">
-                <a16:creationId xmlns:a16="http://schemas.microsoft.com/office/drawing/2014/main" id="{FB2F5F98-A61C-48A3-BA0A-A0CDCF4C93B5}"/>
-              </a:ext>
-            </a:extLst>
-          </p:cNvPr>
-          <p:cNvPicPr>
-            <a:picLocks noChangeAspect="1"/>
-          </p:cNvPicPr>
-          <p:nvPr/>
-        </p:nvPicPr>
-        <p:blipFill>
-          <a:blip r:embed="rId2"/>
-          <a:stretch>
-            <a:fillRect/>
-          </a:stretch>
-        </p:blipFill>
-        <p:spPr>
-          <a:xfrm>
-            <a:off x="1506876" y="846515"/>
-            <a:ext cx="9509515" cy="5632704"/>
-          </a:xfrm>
-          <a:prstGeom prst="rect">
-            <a:avLst/>
-          </a:prstGeom>
-        </p:spPr>
-      </p:pic>
-    </p:spTree>
-    <p:extLst>
-      <p:ext uri="{BB962C8B-B14F-4D97-AF65-F5344CB8AC3E}">
-        <p14:creationId xmlns:p14="http://schemas.microsoft.com/office/powerpoint/2010/main" val="86842188"/>
-      </p:ext>
-    </p:extLst>
-  </p:cSld>
-  <p:clrMapOvr>
-    <a:masterClrMapping/>
-  </p:clrMapOvr>
-</p:sld>
-</file>
-
-<file path=ppt/slides/slide21.xml><?xml version="1.0" encoding="utf-8"?>
-<p:sld xmlns:a="http://schemas.openxmlformats.org/drawingml/2006/main" xmlns:r="http://schemas.openxmlformats.org/officeDocument/2006/relationships" xmlns:p="http://schemas.openxmlformats.org/presentationml/2006/main">
-  <p:cSld>
-    <p:spTree>
-      <p:nvGrpSpPr>
-        <p:cNvPr id="1" name=""/>
-        <p:cNvGrpSpPr/>
-        <p:nvPr/>
-      </p:nvGrpSpPr>
-      <p:grpSpPr>
-        <a:xfrm>
-          <a:off x="0" y="0"/>
-          <a:ext cx="0" cy="0"/>
-          <a:chOff x="0" y="0"/>
-          <a:chExt cx="0" cy="0"/>
-        </a:xfrm>
-      </p:grpSpPr>
-      <p:sp>
-        <p:nvSpPr>
-          <p:cNvPr id="10" name="제목 9">
-            <a:extLst>
-              <a:ext uri="{FF2B5EF4-FFF2-40B4-BE49-F238E27FC236}">
-                <a16:creationId xmlns:a16="http://schemas.microsoft.com/office/drawing/2014/main" id="{798354F4-E37B-4A27-827D-07FFF75DD784}"/>
-              </a:ext>
-            </a:extLst>
-          </p:cNvPr>
-          <p:cNvSpPr>
-            <a:spLocks noGrp="1"/>
-          </p:cNvSpPr>
-          <p:nvPr>
-            <p:ph type="title"/>
-          </p:nvPr>
-        </p:nvSpPr>
-        <p:spPr/>
-        <p:txBody>
-          <a:bodyPr/>
-          <a:lstStyle/>
-          <a:p>
-            <a:r>
-              <a:rPr lang="en-US" altLang="ko-KR" dirty="0"/>
-              <a:t>Signal reconstruction and FFT</a:t>
-            </a:r>
-            <a:endParaRPr lang="ko-KR" altLang="en-US" dirty="0"/>
-          </a:p>
-        </p:txBody>
-      </p:sp>
-      <p:sp>
-        <p:nvSpPr>
-          <p:cNvPr id="11" name="내용 개체 틀 10">
-            <a:extLst>
-              <a:ext uri="{FF2B5EF4-FFF2-40B4-BE49-F238E27FC236}">
-                <a16:creationId xmlns:a16="http://schemas.microsoft.com/office/drawing/2014/main" id="{1D00540D-97E2-4095-BE28-0FB839C14ED5}"/>
-              </a:ext>
-            </a:extLst>
-          </p:cNvPr>
-          <p:cNvSpPr>
-            <a:spLocks noGrp="1"/>
-          </p:cNvSpPr>
-          <p:nvPr>
-            <p:ph idx="1"/>
-          </p:nvPr>
-        </p:nvSpPr>
-        <p:spPr>
-          <a:xfrm>
-            <a:off x="188033" y="846515"/>
-            <a:ext cx="5854628" cy="5560147"/>
-          </a:xfrm>
-        </p:spPr>
-        <p:txBody>
-          <a:bodyPr/>
-          <a:lstStyle/>
-          <a:p>
-            <a:r>
-              <a:rPr lang="en-US" altLang="ko-KR" dirty="0">
-                <a:sym typeface="Wingdings" panose="05000000000000000000" pitchFamily="2" charset="2"/>
-              </a:rPr>
-              <a:t>R2</a:t>
-            </a:r>
-          </a:p>
-          <a:p>
-            <a:endParaRPr lang="ko-KR" altLang="en-US" dirty="0"/>
-          </a:p>
-        </p:txBody>
-      </p:sp>
-      <p:pic>
-        <p:nvPicPr>
-          <p:cNvPr id="3" name="Picture 2">
-            <a:extLst>
-              <a:ext uri="{FF2B5EF4-FFF2-40B4-BE49-F238E27FC236}">
-                <a16:creationId xmlns:a16="http://schemas.microsoft.com/office/drawing/2014/main" id="{3A0B1BFB-9FD8-4A0B-9346-99608249B27B}"/>
-              </a:ext>
-            </a:extLst>
-          </p:cNvPr>
-          <p:cNvPicPr>
-            <a:picLocks noChangeAspect="1"/>
-          </p:cNvPicPr>
-          <p:nvPr/>
-        </p:nvPicPr>
-        <p:blipFill>
-          <a:blip r:embed="rId2"/>
-          <a:stretch>
-            <a:fillRect/>
-          </a:stretch>
-        </p:blipFill>
-        <p:spPr>
-          <a:xfrm>
-            <a:off x="1581912" y="846515"/>
-            <a:ext cx="9316067" cy="5706968"/>
-          </a:xfrm>
-          <a:prstGeom prst="rect">
-            <a:avLst/>
-          </a:prstGeom>
-        </p:spPr>
-      </p:pic>
-    </p:spTree>
-    <p:extLst>
-      <p:ext uri="{BB962C8B-B14F-4D97-AF65-F5344CB8AC3E}">
-        <p14:creationId xmlns:p14="http://schemas.microsoft.com/office/powerpoint/2010/main" val="1582724541"/>
-      </p:ext>
-    </p:extLst>
-  </p:cSld>
-  <p:clrMapOvr>
-    <a:masterClrMapping/>
-  </p:clrMapOvr>
-</p:sld>
-</file>
-
-<file path=ppt/slides/slide22.xml><?xml version="1.0" encoding="utf-8"?>
-<p:sld xmlns:a="http://schemas.openxmlformats.org/drawingml/2006/main" xmlns:r="http://schemas.openxmlformats.org/officeDocument/2006/relationships" xmlns:p="http://schemas.openxmlformats.org/presentationml/2006/main">
-  <p:cSld>
-    <p:spTree>
-      <p:nvGrpSpPr>
-        <p:cNvPr id="1" name=""/>
-        <p:cNvGrpSpPr/>
-        <p:nvPr/>
-      </p:nvGrpSpPr>
-      <p:grpSpPr>
-        <a:xfrm>
-          <a:off x="0" y="0"/>
-          <a:ext cx="0" cy="0"/>
-          <a:chOff x="0" y="0"/>
-          <a:chExt cx="0" cy="0"/>
-        </a:xfrm>
-      </p:grpSpPr>
-      <p:sp>
-        <p:nvSpPr>
-          <p:cNvPr id="10" name="제목 9">
-            <a:extLst>
-              <a:ext uri="{FF2B5EF4-FFF2-40B4-BE49-F238E27FC236}">
-                <a16:creationId xmlns:a16="http://schemas.microsoft.com/office/drawing/2014/main" id="{798354F4-E37B-4A27-827D-07FFF75DD784}"/>
-              </a:ext>
-            </a:extLst>
-          </p:cNvPr>
-          <p:cNvSpPr>
-            <a:spLocks noGrp="1"/>
-          </p:cNvSpPr>
-          <p:nvPr>
-            <p:ph type="title"/>
-          </p:nvPr>
-        </p:nvSpPr>
-        <p:spPr/>
-        <p:txBody>
-          <a:bodyPr/>
-          <a:lstStyle/>
-          <a:p>
-            <a:r>
-              <a:rPr lang="en-US" altLang="ko-KR" dirty="0"/>
-              <a:t>Signal reconstruction and FFT</a:t>
-            </a:r>
-            <a:endParaRPr lang="ko-KR" altLang="en-US" dirty="0"/>
-          </a:p>
-        </p:txBody>
-      </p:sp>
-      <p:sp>
-        <p:nvSpPr>
-          <p:cNvPr id="11" name="내용 개체 틀 10">
-            <a:extLst>
-              <a:ext uri="{FF2B5EF4-FFF2-40B4-BE49-F238E27FC236}">
-                <a16:creationId xmlns:a16="http://schemas.microsoft.com/office/drawing/2014/main" id="{1D00540D-97E2-4095-BE28-0FB839C14ED5}"/>
-              </a:ext>
-            </a:extLst>
-          </p:cNvPr>
-          <p:cNvSpPr>
-            <a:spLocks noGrp="1"/>
-          </p:cNvSpPr>
-          <p:nvPr>
-            <p:ph idx="1"/>
-          </p:nvPr>
-        </p:nvSpPr>
-        <p:spPr>
-          <a:xfrm>
-            <a:off x="188033" y="846515"/>
-            <a:ext cx="5854628" cy="5560147"/>
-          </a:xfrm>
-        </p:spPr>
-        <p:txBody>
-          <a:bodyPr/>
-          <a:lstStyle/>
-          <a:p>
-            <a:r>
-              <a:rPr lang="en-US" altLang="ko-KR" dirty="0">
-                <a:sym typeface="Wingdings" panose="05000000000000000000" pitchFamily="2" charset="2"/>
-              </a:rPr>
-              <a:t>R3</a:t>
-            </a:r>
-          </a:p>
-          <a:p>
-            <a:endParaRPr lang="ko-KR" altLang="en-US" dirty="0"/>
-          </a:p>
-        </p:txBody>
-      </p:sp>
-      <p:pic>
-        <p:nvPicPr>
-          <p:cNvPr id="3" name="Picture 2">
-            <a:extLst>
-              <a:ext uri="{FF2B5EF4-FFF2-40B4-BE49-F238E27FC236}">
-                <a16:creationId xmlns:a16="http://schemas.microsoft.com/office/drawing/2014/main" id="{C80F2CAB-2DAC-4F94-A8A7-BA079FD7A057}"/>
-              </a:ext>
-            </a:extLst>
-          </p:cNvPr>
-          <p:cNvPicPr>
-            <a:picLocks noChangeAspect="1"/>
-          </p:cNvPicPr>
-          <p:nvPr/>
-        </p:nvPicPr>
-        <p:blipFill>
-          <a:blip r:embed="rId2"/>
-          <a:stretch>
-            <a:fillRect/>
-          </a:stretch>
-        </p:blipFill>
-        <p:spPr>
-          <a:xfrm>
-            <a:off x="1572768" y="846515"/>
-            <a:ext cx="9549256" cy="5639574"/>
-          </a:xfrm>
-          <a:prstGeom prst="rect">
-            <a:avLst/>
-          </a:prstGeom>
-        </p:spPr>
-      </p:pic>
-    </p:spTree>
-    <p:extLst>
-      <p:ext uri="{BB962C8B-B14F-4D97-AF65-F5344CB8AC3E}">
-        <p14:creationId xmlns:p14="http://schemas.microsoft.com/office/powerpoint/2010/main" val="3166937185"/>
-      </p:ext>
-    </p:extLst>
-  </p:cSld>
-  <p:clrMapOvr>
-    <a:masterClrMapping/>
-  </p:clrMapOvr>
-</p:sld>
-</file>
-
-<file path=ppt/slides/slide23.xml><?xml version="1.0" encoding="utf-8"?>
-<p:sld xmlns:a="http://schemas.openxmlformats.org/drawingml/2006/main" xmlns:r="http://schemas.openxmlformats.org/officeDocument/2006/relationships" xmlns:p="http://schemas.openxmlformats.org/presentationml/2006/main">
-  <p:cSld>
-    <p:spTree>
-      <p:nvGrpSpPr>
-        <p:cNvPr id="1" name=""/>
-        <p:cNvGrpSpPr/>
-        <p:nvPr/>
-      </p:nvGrpSpPr>
-      <p:grpSpPr>
-        <a:xfrm>
-          <a:off x="0" y="0"/>
-          <a:ext cx="0" cy="0"/>
-          <a:chOff x="0" y="0"/>
-          <a:chExt cx="0" cy="0"/>
-        </a:xfrm>
-      </p:grpSpPr>
-      <p:sp>
-        <p:nvSpPr>
-          <p:cNvPr id="10" name="제목 9">
-            <a:extLst>
-              <a:ext uri="{FF2B5EF4-FFF2-40B4-BE49-F238E27FC236}">
-                <a16:creationId xmlns:a16="http://schemas.microsoft.com/office/drawing/2014/main" id="{798354F4-E37B-4A27-827D-07FFF75DD784}"/>
-              </a:ext>
-            </a:extLst>
-          </p:cNvPr>
-          <p:cNvSpPr>
-            <a:spLocks noGrp="1"/>
-          </p:cNvSpPr>
-          <p:nvPr>
-            <p:ph type="title"/>
-          </p:nvPr>
-        </p:nvSpPr>
-        <p:spPr/>
-        <p:txBody>
-          <a:bodyPr/>
-          <a:lstStyle/>
-          <a:p>
-            <a:r>
-              <a:rPr lang="en-US" altLang="ko-KR" dirty="0"/>
-              <a:t>Signal reconstruction and FFT</a:t>
-            </a:r>
-            <a:endParaRPr lang="ko-KR" altLang="en-US" dirty="0"/>
-          </a:p>
-        </p:txBody>
-      </p:sp>
-      <p:sp>
-        <p:nvSpPr>
-          <p:cNvPr id="11" name="내용 개체 틀 10">
-            <a:extLst>
-              <a:ext uri="{FF2B5EF4-FFF2-40B4-BE49-F238E27FC236}">
-                <a16:creationId xmlns:a16="http://schemas.microsoft.com/office/drawing/2014/main" id="{1D00540D-97E2-4095-BE28-0FB839C14ED5}"/>
-              </a:ext>
-            </a:extLst>
-          </p:cNvPr>
-          <p:cNvSpPr>
-            <a:spLocks noGrp="1"/>
-          </p:cNvSpPr>
-          <p:nvPr>
-            <p:ph idx="1"/>
-          </p:nvPr>
-        </p:nvSpPr>
-        <p:spPr>
-          <a:xfrm>
-            <a:off x="188033" y="846515"/>
-            <a:ext cx="5854628" cy="5560147"/>
-          </a:xfrm>
-        </p:spPr>
-        <p:txBody>
-          <a:bodyPr/>
-          <a:lstStyle/>
-          <a:p>
-            <a:r>
-              <a:rPr lang="en-US" altLang="ko-KR" dirty="0">
-                <a:sym typeface="Wingdings" panose="05000000000000000000" pitchFamily="2" charset="2"/>
-              </a:rPr>
-              <a:t>R4</a:t>
-            </a:r>
-          </a:p>
-          <a:p>
-            <a:endParaRPr lang="ko-KR" altLang="en-US" dirty="0"/>
-          </a:p>
-        </p:txBody>
-      </p:sp>
-      <p:pic>
-        <p:nvPicPr>
-          <p:cNvPr id="3" name="Picture 2">
-            <a:extLst>
-              <a:ext uri="{FF2B5EF4-FFF2-40B4-BE49-F238E27FC236}">
-                <a16:creationId xmlns:a16="http://schemas.microsoft.com/office/drawing/2014/main" id="{0AA28BE4-AF97-4E2A-A677-68214A81F71E}"/>
-              </a:ext>
-            </a:extLst>
-          </p:cNvPr>
-          <p:cNvPicPr>
-            <a:picLocks noChangeAspect="1"/>
-          </p:cNvPicPr>
-          <p:nvPr/>
-        </p:nvPicPr>
-        <p:blipFill>
-          <a:blip r:embed="rId2"/>
-          <a:stretch>
-            <a:fillRect/>
-          </a:stretch>
-        </p:blipFill>
-        <p:spPr>
-          <a:xfrm>
-            <a:off x="1965960" y="846516"/>
-            <a:ext cx="9148899" cy="5552692"/>
-          </a:xfrm>
-          <a:prstGeom prst="rect">
-            <a:avLst/>
-          </a:prstGeom>
-        </p:spPr>
-      </p:pic>
-    </p:spTree>
-    <p:extLst>
-      <p:ext uri="{BB962C8B-B14F-4D97-AF65-F5344CB8AC3E}">
-        <p14:creationId xmlns:p14="http://schemas.microsoft.com/office/powerpoint/2010/main" val="2883587694"/>
-      </p:ext>
-    </p:extLst>
-  </p:cSld>
-  <p:clrMapOvr>
-    <a:masterClrMapping/>
-  </p:clrMapOvr>
-</p:sld>
-</file>
-
-<file path=ppt/slides/slide24.xml><?xml version="1.0" encoding="utf-8"?>
-<p:sld xmlns:a="http://schemas.openxmlformats.org/drawingml/2006/main" xmlns:r="http://schemas.openxmlformats.org/officeDocument/2006/relationships" xmlns:p="http://schemas.openxmlformats.org/presentationml/2006/main">
-  <p:cSld>
-    <p:spTree>
-      <p:nvGrpSpPr>
-        <p:cNvPr id="1" name=""/>
-        <p:cNvGrpSpPr/>
-        <p:nvPr/>
-      </p:nvGrpSpPr>
-      <p:grpSpPr>
-        <a:xfrm>
-          <a:off x="0" y="0"/>
-          <a:ext cx="0" cy="0"/>
-          <a:chOff x="0" y="0"/>
-          <a:chExt cx="0" cy="0"/>
-        </a:xfrm>
-      </p:grpSpPr>
-      <p:sp>
-        <p:nvSpPr>
-          <p:cNvPr id="10" name="제목 9">
-            <a:extLst>
-              <a:ext uri="{FF2B5EF4-FFF2-40B4-BE49-F238E27FC236}">
-                <a16:creationId xmlns:a16="http://schemas.microsoft.com/office/drawing/2014/main" id="{798354F4-E37B-4A27-827D-07FFF75DD784}"/>
-              </a:ext>
-            </a:extLst>
-          </p:cNvPr>
-          <p:cNvSpPr>
-            <a:spLocks noGrp="1"/>
-          </p:cNvSpPr>
-          <p:nvPr>
-            <p:ph type="title"/>
-          </p:nvPr>
-        </p:nvSpPr>
-        <p:spPr/>
-        <p:txBody>
-          <a:bodyPr/>
-          <a:lstStyle/>
-          <a:p>
-            <a:r>
-              <a:rPr lang="en-US" altLang="ko-KR" dirty="0"/>
-              <a:t>Signal reconstruction and FFT</a:t>
-            </a:r>
-            <a:endParaRPr lang="ko-KR" altLang="en-US" dirty="0"/>
-          </a:p>
-        </p:txBody>
-      </p:sp>
-      <p:sp>
-        <p:nvSpPr>
-          <p:cNvPr id="11" name="내용 개체 틀 10">
-            <a:extLst>
-              <a:ext uri="{FF2B5EF4-FFF2-40B4-BE49-F238E27FC236}">
-                <a16:creationId xmlns:a16="http://schemas.microsoft.com/office/drawing/2014/main" id="{1D00540D-97E2-4095-BE28-0FB839C14ED5}"/>
-              </a:ext>
-            </a:extLst>
-          </p:cNvPr>
-          <p:cNvSpPr>
-            <a:spLocks noGrp="1"/>
-          </p:cNvSpPr>
-          <p:nvPr>
-            <p:ph idx="1"/>
-          </p:nvPr>
-        </p:nvSpPr>
-        <p:spPr>
-          <a:xfrm>
-            <a:off x="188033" y="846515"/>
-            <a:ext cx="5854628" cy="5560147"/>
-          </a:xfrm>
-        </p:spPr>
-        <p:txBody>
-          <a:bodyPr/>
-          <a:lstStyle/>
-          <a:p>
-            <a:r>
-              <a:rPr lang="en-US" altLang="ko-KR" dirty="0">
-                <a:sym typeface="Wingdings" panose="05000000000000000000" pitchFamily="2" charset="2"/>
-              </a:rPr>
-              <a:t>R5</a:t>
-            </a:r>
-          </a:p>
-          <a:p>
-            <a:endParaRPr lang="ko-KR" altLang="en-US" dirty="0"/>
-          </a:p>
-        </p:txBody>
-      </p:sp>
-      <p:pic>
-        <p:nvPicPr>
-          <p:cNvPr id="3" name="Picture 2">
-            <a:extLst>
-              <a:ext uri="{FF2B5EF4-FFF2-40B4-BE49-F238E27FC236}">
-                <a16:creationId xmlns:a16="http://schemas.microsoft.com/office/drawing/2014/main" id="{F2A8933D-0D07-4748-BC3E-D07E1EE7009A}"/>
-              </a:ext>
-            </a:extLst>
-          </p:cNvPr>
-          <p:cNvPicPr>
-            <a:picLocks noChangeAspect="1"/>
-          </p:cNvPicPr>
-          <p:nvPr/>
-        </p:nvPicPr>
-        <p:blipFill>
-          <a:blip r:embed="rId2"/>
-          <a:stretch>
-            <a:fillRect/>
-          </a:stretch>
-        </p:blipFill>
-        <p:spPr>
-          <a:xfrm>
-            <a:off x="1764792" y="846515"/>
-            <a:ext cx="9435468" cy="5632365"/>
-          </a:xfrm>
-          <a:prstGeom prst="rect">
-            <a:avLst/>
-          </a:prstGeom>
-        </p:spPr>
-      </p:pic>
-    </p:spTree>
-    <p:extLst>
-      <p:ext uri="{BB962C8B-B14F-4D97-AF65-F5344CB8AC3E}">
-        <p14:creationId xmlns:p14="http://schemas.microsoft.com/office/powerpoint/2010/main" val="2854990183"/>
-      </p:ext>
-    </p:extLst>
-  </p:cSld>
-  <p:clrMapOvr>
-    <a:masterClrMapping/>
-  </p:clrMapOvr>
-</p:sld>
-</file>
-
-<file path=ppt/slides/slide25.xml><?xml version="1.0" encoding="utf-8"?>
-<p:sld xmlns:a="http://schemas.openxmlformats.org/drawingml/2006/main" xmlns:r="http://schemas.openxmlformats.org/officeDocument/2006/relationships" xmlns:p="http://schemas.openxmlformats.org/presentationml/2006/main">
-  <p:cSld>
-    <p:spTree>
-      <p:nvGrpSpPr>
-        <p:cNvPr id="1" name=""/>
-        <p:cNvGrpSpPr/>
-        <p:nvPr/>
-      </p:nvGrpSpPr>
-      <p:grpSpPr>
-        <a:xfrm>
-          <a:off x="0" y="0"/>
-          <a:ext cx="0" cy="0"/>
-          <a:chOff x="0" y="0"/>
-          <a:chExt cx="0" cy="0"/>
-        </a:xfrm>
-      </p:grpSpPr>
-      <p:sp>
-        <p:nvSpPr>
-          <p:cNvPr id="10" name="제목 9">
-            <a:extLst>
-              <a:ext uri="{FF2B5EF4-FFF2-40B4-BE49-F238E27FC236}">
-                <a16:creationId xmlns:a16="http://schemas.microsoft.com/office/drawing/2014/main" id="{798354F4-E37B-4A27-827D-07FFF75DD784}"/>
-              </a:ext>
-            </a:extLst>
-          </p:cNvPr>
-          <p:cNvSpPr>
-            <a:spLocks noGrp="1"/>
-          </p:cNvSpPr>
-          <p:nvPr>
-            <p:ph type="title"/>
-          </p:nvPr>
-        </p:nvSpPr>
-        <p:spPr/>
-        <p:txBody>
-          <a:bodyPr/>
-          <a:lstStyle/>
-          <a:p>
-            <a:r>
-              <a:rPr lang="en-US" altLang="ko-KR" dirty="0"/>
-              <a:t>Signal reconstruction and FFT</a:t>
-            </a:r>
-            <a:endParaRPr lang="ko-KR" altLang="en-US" dirty="0"/>
-          </a:p>
-        </p:txBody>
-      </p:sp>
-      <p:sp>
-        <p:nvSpPr>
-          <p:cNvPr id="11" name="내용 개체 틀 10">
-            <a:extLst>
-              <a:ext uri="{FF2B5EF4-FFF2-40B4-BE49-F238E27FC236}">
-                <a16:creationId xmlns:a16="http://schemas.microsoft.com/office/drawing/2014/main" id="{1D00540D-97E2-4095-BE28-0FB839C14ED5}"/>
-              </a:ext>
-            </a:extLst>
-          </p:cNvPr>
-          <p:cNvSpPr>
-            <a:spLocks noGrp="1"/>
-          </p:cNvSpPr>
-          <p:nvPr>
-            <p:ph idx="1"/>
-          </p:nvPr>
-        </p:nvSpPr>
-        <p:spPr>
-          <a:xfrm>
-            <a:off x="188033" y="846515"/>
-            <a:ext cx="5854628" cy="5560147"/>
-          </a:xfrm>
-        </p:spPr>
-        <p:txBody>
-          <a:bodyPr/>
-          <a:lstStyle/>
-          <a:p>
-            <a:r>
-              <a:rPr lang="en-US" altLang="ko-KR" dirty="0">
-                <a:sym typeface="Wingdings" panose="05000000000000000000" pitchFamily="2" charset="2"/>
-              </a:rPr>
-              <a:t>R6</a:t>
-            </a:r>
-          </a:p>
-          <a:p>
-            <a:endParaRPr lang="ko-KR" altLang="en-US" dirty="0"/>
-          </a:p>
-        </p:txBody>
-      </p:sp>
-      <p:pic>
-        <p:nvPicPr>
-          <p:cNvPr id="3" name="Picture 2">
-            <a:extLst>
-              <a:ext uri="{FF2B5EF4-FFF2-40B4-BE49-F238E27FC236}">
-                <a16:creationId xmlns:a16="http://schemas.microsoft.com/office/drawing/2014/main" id="{AF4D408A-21D2-459C-8465-7318DD0FA0F8}"/>
-              </a:ext>
-            </a:extLst>
-          </p:cNvPr>
-          <p:cNvPicPr>
-            <a:picLocks noChangeAspect="1"/>
-          </p:cNvPicPr>
-          <p:nvPr/>
-        </p:nvPicPr>
-        <p:blipFill>
-          <a:blip r:embed="rId2"/>
-          <a:stretch>
-            <a:fillRect/>
-          </a:stretch>
-        </p:blipFill>
-        <p:spPr>
-          <a:xfrm>
-            <a:off x="1865376" y="963902"/>
-            <a:ext cx="8696313" cy="5325371"/>
-          </a:xfrm>
-          <a:prstGeom prst="rect">
-            <a:avLst/>
-          </a:prstGeom>
-        </p:spPr>
-      </p:pic>
-    </p:spTree>
-    <p:extLst>
-      <p:ext uri="{BB962C8B-B14F-4D97-AF65-F5344CB8AC3E}">
-        <p14:creationId xmlns:p14="http://schemas.microsoft.com/office/powerpoint/2010/main" val="1786110277"/>
-      </p:ext>
-    </p:extLst>
-  </p:cSld>
-  <p:clrMapOvr>
-    <a:masterClrMapping/>
-  </p:clrMapOvr>
-</p:sld>
-</file>
-
-<file path=ppt/slides/slide26.xml><?xml version="1.0" encoding="utf-8"?>
-<p:sld xmlns:a="http://schemas.openxmlformats.org/drawingml/2006/main" xmlns:r="http://schemas.openxmlformats.org/officeDocument/2006/relationships" xmlns:p="http://schemas.openxmlformats.org/presentationml/2006/main">
-  <p:cSld>
-    <p:spTree>
-      <p:nvGrpSpPr>
-        <p:cNvPr id="1" name=""/>
-        <p:cNvGrpSpPr/>
-        <p:nvPr/>
-      </p:nvGrpSpPr>
-      <p:grpSpPr>
-        <a:xfrm>
-          <a:off x="0" y="0"/>
-          <a:ext cx="0" cy="0"/>
-          <a:chOff x="0" y="0"/>
-          <a:chExt cx="0" cy="0"/>
-        </a:xfrm>
-      </p:grpSpPr>
-      <p:sp>
-        <p:nvSpPr>
-          <p:cNvPr id="10" name="제목 9">
-            <a:extLst>
-              <a:ext uri="{FF2B5EF4-FFF2-40B4-BE49-F238E27FC236}">
-                <a16:creationId xmlns:a16="http://schemas.microsoft.com/office/drawing/2014/main" id="{798354F4-E37B-4A27-827D-07FFF75DD784}"/>
-              </a:ext>
-            </a:extLst>
-          </p:cNvPr>
-          <p:cNvSpPr>
-            <a:spLocks noGrp="1"/>
-          </p:cNvSpPr>
-          <p:nvPr>
-            <p:ph type="title"/>
-          </p:nvPr>
-        </p:nvSpPr>
-        <p:spPr/>
-        <p:txBody>
-          <a:bodyPr/>
-          <a:lstStyle/>
-          <a:p>
-            <a:r>
-              <a:rPr lang="en-US" altLang="ko-KR" dirty="0"/>
-              <a:t>Signal reconstruction and FFT</a:t>
-            </a:r>
-            <a:endParaRPr lang="ko-KR" altLang="en-US" dirty="0"/>
-          </a:p>
-        </p:txBody>
-      </p:sp>
-      <p:sp>
-        <p:nvSpPr>
-          <p:cNvPr id="11" name="내용 개체 틀 10">
-            <a:extLst>
-              <a:ext uri="{FF2B5EF4-FFF2-40B4-BE49-F238E27FC236}">
-                <a16:creationId xmlns:a16="http://schemas.microsoft.com/office/drawing/2014/main" id="{1D00540D-97E2-4095-BE28-0FB839C14ED5}"/>
-              </a:ext>
-            </a:extLst>
-          </p:cNvPr>
-          <p:cNvSpPr>
-            <a:spLocks noGrp="1"/>
-          </p:cNvSpPr>
-          <p:nvPr>
-            <p:ph idx="1"/>
-          </p:nvPr>
-        </p:nvSpPr>
-        <p:spPr>
-          <a:xfrm>
-            <a:off x="188033" y="846515"/>
-            <a:ext cx="5854628" cy="5560147"/>
-          </a:xfrm>
-        </p:spPr>
-        <p:txBody>
-          <a:bodyPr/>
-          <a:lstStyle/>
-          <a:p>
-            <a:r>
-              <a:rPr lang="en-US" altLang="ko-KR" dirty="0">
-                <a:sym typeface="Wingdings" panose="05000000000000000000" pitchFamily="2" charset="2"/>
-              </a:rPr>
-              <a:t>R7</a:t>
-            </a:r>
-          </a:p>
-          <a:p>
-            <a:endParaRPr lang="ko-KR" altLang="en-US" dirty="0"/>
-          </a:p>
-        </p:txBody>
-      </p:sp>
-      <p:pic>
-        <p:nvPicPr>
-          <p:cNvPr id="3" name="Picture 2">
-            <a:extLst>
-              <a:ext uri="{FF2B5EF4-FFF2-40B4-BE49-F238E27FC236}">
-                <a16:creationId xmlns:a16="http://schemas.microsoft.com/office/drawing/2014/main" id="{15FEBF24-4FEF-4980-AF2A-CF201BDF93A6}"/>
-              </a:ext>
-            </a:extLst>
-          </p:cNvPr>
-          <p:cNvPicPr>
-            <a:picLocks noChangeAspect="1"/>
-          </p:cNvPicPr>
-          <p:nvPr/>
-        </p:nvPicPr>
-        <p:blipFill>
-          <a:blip r:embed="rId2"/>
-          <a:stretch>
-            <a:fillRect/>
-          </a:stretch>
-        </p:blipFill>
-        <p:spPr>
-          <a:xfrm>
-            <a:off x="1892808" y="846516"/>
-            <a:ext cx="9411422" cy="5552862"/>
-          </a:xfrm>
-          <a:prstGeom prst="rect">
-            <a:avLst/>
-          </a:prstGeom>
-        </p:spPr>
-      </p:pic>
-    </p:spTree>
-    <p:extLst>
-      <p:ext uri="{BB962C8B-B14F-4D97-AF65-F5344CB8AC3E}">
-        <p14:creationId xmlns:p14="http://schemas.microsoft.com/office/powerpoint/2010/main" val="1600255576"/>
-      </p:ext>
-    </p:extLst>
-  </p:cSld>
-  <p:clrMapOvr>
-    <a:masterClrMapping/>
-  </p:clrMapOvr>
-</p:sld>
-</file>
-
-<file path=ppt/slides/slide27.xml><?xml version="1.0" encoding="utf-8"?>
 <p:sld xmlns:a="http://schemas.openxmlformats.org/drawingml/2006/main" xmlns:r="http://schemas.openxmlformats.org/officeDocument/2006/relationships" xmlns:p="http://schemas.openxmlformats.org/presentationml/2006/main">
   <p:cSld>
     <p:spTree>
@@ -17456,7 +15950,7 @@
 </p:sld>
 </file>
 
-<file path=ppt/slides/slide28.xml><?xml version="1.0" encoding="utf-8"?>
+<file path=ppt/slides/slide15.xml><?xml version="1.0" encoding="utf-8"?>
 <p:sld xmlns:a="http://schemas.openxmlformats.org/drawingml/2006/main" xmlns:r="http://schemas.openxmlformats.org/officeDocument/2006/relationships" xmlns:p="http://schemas.openxmlformats.org/presentationml/2006/main">
   <p:cSld>
     <p:spTree>
@@ -17857,6 +16351,2026 @@
 </p:sld>
 </file>
 
+<file path=ppt/slides/slide16.xml><?xml version="1.0" encoding="utf-8"?>
+<p:sld xmlns:a="http://schemas.openxmlformats.org/drawingml/2006/main" xmlns:r="http://schemas.openxmlformats.org/officeDocument/2006/relationships" xmlns:p="http://schemas.openxmlformats.org/presentationml/2006/main">
+  <p:cSld>
+    <p:spTree>
+      <p:nvGrpSpPr>
+        <p:cNvPr id="1" name=""/>
+        <p:cNvGrpSpPr/>
+        <p:nvPr/>
+      </p:nvGrpSpPr>
+      <p:grpSpPr>
+        <a:xfrm>
+          <a:off x="0" y="0"/>
+          <a:ext cx="0" cy="0"/>
+          <a:chOff x="0" y="0"/>
+          <a:chExt cx="0" cy="0"/>
+        </a:xfrm>
+      </p:grpSpPr>
+      <p:sp>
+        <p:nvSpPr>
+          <p:cNvPr id="10" name="제목 9">
+            <a:extLst>
+              <a:ext uri="{FF2B5EF4-FFF2-40B4-BE49-F238E27FC236}">
+                <a16:creationId xmlns:a16="http://schemas.microsoft.com/office/drawing/2014/main" id="{798354F4-E37B-4A27-827D-07FFF75DD784}"/>
+              </a:ext>
+            </a:extLst>
+          </p:cNvPr>
+          <p:cNvSpPr>
+            <a:spLocks noGrp="1"/>
+          </p:cNvSpPr>
+          <p:nvPr>
+            <p:ph type="title"/>
+          </p:nvPr>
+        </p:nvSpPr>
+        <p:spPr/>
+        <p:txBody>
+          <a:bodyPr/>
+          <a:lstStyle/>
+          <a:p>
+            <a:r>
+              <a:rPr lang="en-US" altLang="ko-KR" dirty="0"/>
+              <a:t>Signal reconstruction and FFT</a:t>
+            </a:r>
+            <a:endParaRPr lang="ko-KR" altLang="en-US" dirty="0"/>
+          </a:p>
+        </p:txBody>
+      </p:sp>
+      <p:sp>
+        <p:nvSpPr>
+          <p:cNvPr id="11" name="내용 개체 틀 10">
+            <a:extLst>
+              <a:ext uri="{FF2B5EF4-FFF2-40B4-BE49-F238E27FC236}">
+                <a16:creationId xmlns:a16="http://schemas.microsoft.com/office/drawing/2014/main" id="{1D00540D-97E2-4095-BE28-0FB839C14ED5}"/>
+              </a:ext>
+            </a:extLst>
+          </p:cNvPr>
+          <p:cNvSpPr>
+            <a:spLocks noGrp="1"/>
+          </p:cNvSpPr>
+          <p:nvPr>
+            <p:ph idx="1"/>
+          </p:nvPr>
+        </p:nvSpPr>
+        <p:spPr>
+          <a:xfrm>
+            <a:off x="188033" y="846515"/>
+            <a:ext cx="5854628" cy="5560147"/>
+          </a:xfrm>
+        </p:spPr>
+        <p:txBody>
+          <a:bodyPr/>
+          <a:lstStyle/>
+          <a:p>
+            <a:r>
+              <a:rPr lang="en-US" altLang="ko-KR" dirty="0">
+                <a:sym typeface="Wingdings" panose="05000000000000000000" pitchFamily="2" charset="2"/>
+              </a:rPr>
+              <a:t>C0</a:t>
+            </a:r>
+          </a:p>
+          <a:p>
+            <a:endParaRPr lang="ko-KR" altLang="en-US" dirty="0"/>
+          </a:p>
+        </p:txBody>
+      </p:sp>
+      <p:pic>
+        <p:nvPicPr>
+          <p:cNvPr id="3" name="Picture 2">
+            <a:extLst>
+              <a:ext uri="{FF2B5EF4-FFF2-40B4-BE49-F238E27FC236}">
+                <a16:creationId xmlns:a16="http://schemas.microsoft.com/office/drawing/2014/main" id="{887C48EE-4AE5-4083-A5B9-EB6A8D55F687}"/>
+              </a:ext>
+            </a:extLst>
+          </p:cNvPr>
+          <p:cNvPicPr>
+            <a:picLocks noChangeAspect="1"/>
+          </p:cNvPicPr>
+          <p:nvPr/>
+        </p:nvPicPr>
+        <p:blipFill>
+          <a:blip r:embed="rId2"/>
+          <a:stretch>
+            <a:fillRect/>
+          </a:stretch>
+        </p:blipFill>
+        <p:spPr>
+          <a:xfrm>
+            <a:off x="2546598" y="884274"/>
+            <a:ext cx="8899585" cy="5484628"/>
+          </a:xfrm>
+          <a:prstGeom prst="rect">
+            <a:avLst/>
+          </a:prstGeom>
+        </p:spPr>
+      </p:pic>
+    </p:spTree>
+    <p:extLst>
+      <p:ext uri="{BB962C8B-B14F-4D97-AF65-F5344CB8AC3E}">
+        <p14:creationId xmlns:p14="http://schemas.microsoft.com/office/powerpoint/2010/main" val="922865191"/>
+      </p:ext>
+    </p:extLst>
+  </p:cSld>
+  <p:clrMapOvr>
+    <a:masterClrMapping/>
+  </p:clrMapOvr>
+</p:sld>
+</file>
+
+<file path=ppt/slides/slide17.xml><?xml version="1.0" encoding="utf-8"?>
+<p:sld xmlns:a="http://schemas.openxmlformats.org/drawingml/2006/main" xmlns:r="http://schemas.openxmlformats.org/officeDocument/2006/relationships" xmlns:p="http://schemas.openxmlformats.org/presentationml/2006/main">
+  <p:cSld>
+    <p:spTree>
+      <p:nvGrpSpPr>
+        <p:cNvPr id="1" name=""/>
+        <p:cNvGrpSpPr/>
+        <p:nvPr/>
+      </p:nvGrpSpPr>
+      <p:grpSpPr>
+        <a:xfrm>
+          <a:off x="0" y="0"/>
+          <a:ext cx="0" cy="0"/>
+          <a:chOff x="0" y="0"/>
+          <a:chExt cx="0" cy="0"/>
+        </a:xfrm>
+      </p:grpSpPr>
+      <p:sp>
+        <p:nvSpPr>
+          <p:cNvPr id="10" name="제목 9">
+            <a:extLst>
+              <a:ext uri="{FF2B5EF4-FFF2-40B4-BE49-F238E27FC236}">
+                <a16:creationId xmlns:a16="http://schemas.microsoft.com/office/drawing/2014/main" id="{798354F4-E37B-4A27-827D-07FFF75DD784}"/>
+              </a:ext>
+            </a:extLst>
+          </p:cNvPr>
+          <p:cNvSpPr>
+            <a:spLocks noGrp="1"/>
+          </p:cNvSpPr>
+          <p:nvPr>
+            <p:ph type="title"/>
+          </p:nvPr>
+        </p:nvSpPr>
+        <p:spPr/>
+        <p:txBody>
+          <a:bodyPr/>
+          <a:lstStyle/>
+          <a:p>
+            <a:r>
+              <a:rPr lang="en-US" altLang="ko-KR" dirty="0"/>
+              <a:t>Signal reconstruction and FFT</a:t>
+            </a:r>
+            <a:endParaRPr lang="ko-KR" altLang="en-US" dirty="0"/>
+          </a:p>
+        </p:txBody>
+      </p:sp>
+      <p:sp>
+        <p:nvSpPr>
+          <p:cNvPr id="11" name="내용 개체 틀 10">
+            <a:extLst>
+              <a:ext uri="{FF2B5EF4-FFF2-40B4-BE49-F238E27FC236}">
+                <a16:creationId xmlns:a16="http://schemas.microsoft.com/office/drawing/2014/main" id="{1D00540D-97E2-4095-BE28-0FB839C14ED5}"/>
+              </a:ext>
+            </a:extLst>
+          </p:cNvPr>
+          <p:cNvSpPr>
+            <a:spLocks noGrp="1"/>
+          </p:cNvSpPr>
+          <p:nvPr>
+            <p:ph idx="1"/>
+          </p:nvPr>
+        </p:nvSpPr>
+        <p:spPr>
+          <a:xfrm>
+            <a:off x="188033" y="846515"/>
+            <a:ext cx="5854628" cy="5560147"/>
+          </a:xfrm>
+        </p:spPr>
+        <p:txBody>
+          <a:bodyPr/>
+          <a:lstStyle/>
+          <a:p>
+            <a:r>
+              <a:rPr lang="en-US" altLang="ko-KR" dirty="0">
+                <a:sym typeface="Wingdings" panose="05000000000000000000" pitchFamily="2" charset="2"/>
+              </a:rPr>
+              <a:t>C1</a:t>
+            </a:r>
+          </a:p>
+          <a:p>
+            <a:endParaRPr lang="ko-KR" altLang="en-US" dirty="0"/>
+          </a:p>
+        </p:txBody>
+      </p:sp>
+      <p:pic>
+        <p:nvPicPr>
+          <p:cNvPr id="3" name="Picture 2">
+            <a:extLst>
+              <a:ext uri="{FF2B5EF4-FFF2-40B4-BE49-F238E27FC236}">
+                <a16:creationId xmlns:a16="http://schemas.microsoft.com/office/drawing/2014/main" id="{3CD53D47-5233-4C5B-A45A-21E66E9D6C2C}"/>
+              </a:ext>
+            </a:extLst>
+          </p:cNvPr>
+          <p:cNvPicPr>
+            <a:picLocks noChangeAspect="1"/>
+          </p:cNvPicPr>
+          <p:nvPr/>
+        </p:nvPicPr>
+        <p:blipFill>
+          <a:blip r:embed="rId2"/>
+          <a:stretch>
+            <a:fillRect/>
+          </a:stretch>
+        </p:blipFill>
+        <p:spPr>
+          <a:xfrm>
+            <a:off x="2450591" y="885432"/>
+            <a:ext cx="8832751" cy="5521230"/>
+          </a:xfrm>
+          <a:prstGeom prst="rect">
+            <a:avLst/>
+          </a:prstGeom>
+        </p:spPr>
+      </p:pic>
+    </p:spTree>
+    <p:extLst>
+      <p:ext uri="{BB962C8B-B14F-4D97-AF65-F5344CB8AC3E}">
+        <p14:creationId xmlns:p14="http://schemas.microsoft.com/office/powerpoint/2010/main" val="850466697"/>
+      </p:ext>
+    </p:extLst>
+  </p:cSld>
+  <p:clrMapOvr>
+    <a:masterClrMapping/>
+  </p:clrMapOvr>
+</p:sld>
+</file>
+
+<file path=ppt/slides/slide18.xml><?xml version="1.0" encoding="utf-8"?>
+<p:sld xmlns:a="http://schemas.openxmlformats.org/drawingml/2006/main" xmlns:r="http://schemas.openxmlformats.org/officeDocument/2006/relationships" xmlns:p="http://schemas.openxmlformats.org/presentationml/2006/main">
+  <p:cSld>
+    <p:spTree>
+      <p:nvGrpSpPr>
+        <p:cNvPr id="1" name=""/>
+        <p:cNvGrpSpPr/>
+        <p:nvPr/>
+      </p:nvGrpSpPr>
+      <p:grpSpPr>
+        <a:xfrm>
+          <a:off x="0" y="0"/>
+          <a:ext cx="0" cy="0"/>
+          <a:chOff x="0" y="0"/>
+          <a:chExt cx="0" cy="0"/>
+        </a:xfrm>
+      </p:grpSpPr>
+      <p:sp>
+        <p:nvSpPr>
+          <p:cNvPr id="10" name="제목 9">
+            <a:extLst>
+              <a:ext uri="{FF2B5EF4-FFF2-40B4-BE49-F238E27FC236}">
+                <a16:creationId xmlns:a16="http://schemas.microsoft.com/office/drawing/2014/main" id="{798354F4-E37B-4A27-827D-07FFF75DD784}"/>
+              </a:ext>
+            </a:extLst>
+          </p:cNvPr>
+          <p:cNvSpPr>
+            <a:spLocks noGrp="1"/>
+          </p:cNvSpPr>
+          <p:nvPr>
+            <p:ph type="title"/>
+          </p:nvPr>
+        </p:nvSpPr>
+        <p:spPr/>
+        <p:txBody>
+          <a:bodyPr/>
+          <a:lstStyle/>
+          <a:p>
+            <a:r>
+              <a:rPr lang="en-US" altLang="ko-KR" dirty="0"/>
+              <a:t>Signal reconstruction and FFT</a:t>
+            </a:r>
+            <a:endParaRPr lang="ko-KR" altLang="en-US" dirty="0"/>
+          </a:p>
+        </p:txBody>
+      </p:sp>
+      <p:sp>
+        <p:nvSpPr>
+          <p:cNvPr id="11" name="내용 개체 틀 10">
+            <a:extLst>
+              <a:ext uri="{FF2B5EF4-FFF2-40B4-BE49-F238E27FC236}">
+                <a16:creationId xmlns:a16="http://schemas.microsoft.com/office/drawing/2014/main" id="{1D00540D-97E2-4095-BE28-0FB839C14ED5}"/>
+              </a:ext>
+            </a:extLst>
+          </p:cNvPr>
+          <p:cNvSpPr>
+            <a:spLocks noGrp="1"/>
+          </p:cNvSpPr>
+          <p:nvPr>
+            <p:ph idx="1"/>
+          </p:nvPr>
+        </p:nvSpPr>
+        <p:spPr>
+          <a:xfrm>
+            <a:off x="188033" y="846515"/>
+            <a:ext cx="5854628" cy="5560147"/>
+          </a:xfrm>
+        </p:spPr>
+        <p:txBody>
+          <a:bodyPr/>
+          <a:lstStyle/>
+          <a:p>
+            <a:r>
+              <a:rPr lang="en-US" altLang="ko-KR" dirty="0">
+                <a:sym typeface="Wingdings" panose="05000000000000000000" pitchFamily="2" charset="2"/>
+              </a:rPr>
+              <a:t>C2</a:t>
+            </a:r>
+          </a:p>
+          <a:p>
+            <a:endParaRPr lang="ko-KR" altLang="en-US" dirty="0"/>
+          </a:p>
+        </p:txBody>
+      </p:sp>
+      <p:pic>
+        <p:nvPicPr>
+          <p:cNvPr id="4" name="Picture 3">
+            <a:extLst>
+              <a:ext uri="{FF2B5EF4-FFF2-40B4-BE49-F238E27FC236}">
+                <a16:creationId xmlns:a16="http://schemas.microsoft.com/office/drawing/2014/main" id="{1E4B6C2D-57F0-4783-BF40-0CFA129504AF}"/>
+              </a:ext>
+            </a:extLst>
+          </p:cNvPr>
+          <p:cNvPicPr>
+            <a:picLocks noChangeAspect="1"/>
+          </p:cNvPicPr>
+          <p:nvPr/>
+        </p:nvPicPr>
+        <p:blipFill>
+          <a:blip r:embed="rId2"/>
+          <a:stretch>
+            <a:fillRect/>
+          </a:stretch>
+        </p:blipFill>
+        <p:spPr>
+          <a:xfrm>
+            <a:off x="1780863" y="846515"/>
+            <a:ext cx="9323185" cy="5650992"/>
+          </a:xfrm>
+          <a:prstGeom prst="rect">
+            <a:avLst/>
+          </a:prstGeom>
+        </p:spPr>
+      </p:pic>
+    </p:spTree>
+    <p:extLst>
+      <p:ext uri="{BB962C8B-B14F-4D97-AF65-F5344CB8AC3E}">
+        <p14:creationId xmlns:p14="http://schemas.microsoft.com/office/powerpoint/2010/main" val="3437482631"/>
+      </p:ext>
+    </p:extLst>
+  </p:cSld>
+  <p:clrMapOvr>
+    <a:masterClrMapping/>
+  </p:clrMapOvr>
+</p:sld>
+</file>
+
+<file path=ppt/slides/slide19.xml><?xml version="1.0" encoding="utf-8"?>
+<p:sld xmlns:a="http://schemas.openxmlformats.org/drawingml/2006/main" xmlns:r="http://schemas.openxmlformats.org/officeDocument/2006/relationships" xmlns:p="http://schemas.openxmlformats.org/presentationml/2006/main">
+  <p:cSld>
+    <p:spTree>
+      <p:nvGrpSpPr>
+        <p:cNvPr id="1" name=""/>
+        <p:cNvGrpSpPr/>
+        <p:nvPr/>
+      </p:nvGrpSpPr>
+      <p:grpSpPr>
+        <a:xfrm>
+          <a:off x="0" y="0"/>
+          <a:ext cx="0" cy="0"/>
+          <a:chOff x="0" y="0"/>
+          <a:chExt cx="0" cy="0"/>
+        </a:xfrm>
+      </p:grpSpPr>
+      <p:sp>
+        <p:nvSpPr>
+          <p:cNvPr id="10" name="제목 9">
+            <a:extLst>
+              <a:ext uri="{FF2B5EF4-FFF2-40B4-BE49-F238E27FC236}">
+                <a16:creationId xmlns:a16="http://schemas.microsoft.com/office/drawing/2014/main" id="{798354F4-E37B-4A27-827D-07FFF75DD784}"/>
+              </a:ext>
+            </a:extLst>
+          </p:cNvPr>
+          <p:cNvSpPr>
+            <a:spLocks noGrp="1"/>
+          </p:cNvSpPr>
+          <p:nvPr>
+            <p:ph type="title"/>
+          </p:nvPr>
+        </p:nvSpPr>
+        <p:spPr/>
+        <p:txBody>
+          <a:bodyPr/>
+          <a:lstStyle/>
+          <a:p>
+            <a:r>
+              <a:rPr lang="en-US" altLang="ko-KR" dirty="0"/>
+              <a:t>Signal reconstruction and FFT</a:t>
+            </a:r>
+            <a:endParaRPr lang="ko-KR" altLang="en-US" dirty="0"/>
+          </a:p>
+        </p:txBody>
+      </p:sp>
+      <p:sp>
+        <p:nvSpPr>
+          <p:cNvPr id="11" name="내용 개체 틀 10">
+            <a:extLst>
+              <a:ext uri="{FF2B5EF4-FFF2-40B4-BE49-F238E27FC236}">
+                <a16:creationId xmlns:a16="http://schemas.microsoft.com/office/drawing/2014/main" id="{1D00540D-97E2-4095-BE28-0FB839C14ED5}"/>
+              </a:ext>
+            </a:extLst>
+          </p:cNvPr>
+          <p:cNvSpPr>
+            <a:spLocks noGrp="1"/>
+          </p:cNvSpPr>
+          <p:nvPr>
+            <p:ph idx="1"/>
+          </p:nvPr>
+        </p:nvSpPr>
+        <p:spPr>
+          <a:xfrm>
+            <a:off x="188033" y="846515"/>
+            <a:ext cx="5854628" cy="5560147"/>
+          </a:xfrm>
+        </p:spPr>
+        <p:txBody>
+          <a:bodyPr/>
+          <a:lstStyle/>
+          <a:p>
+            <a:r>
+              <a:rPr lang="en-US" altLang="ko-KR" dirty="0">
+                <a:sym typeface="Wingdings" panose="05000000000000000000" pitchFamily="2" charset="2"/>
+              </a:rPr>
+              <a:t>C3</a:t>
+            </a:r>
+          </a:p>
+          <a:p>
+            <a:endParaRPr lang="ko-KR" altLang="en-US" dirty="0"/>
+          </a:p>
+        </p:txBody>
+      </p:sp>
+      <p:pic>
+        <p:nvPicPr>
+          <p:cNvPr id="3" name="Picture 2">
+            <a:extLst>
+              <a:ext uri="{FF2B5EF4-FFF2-40B4-BE49-F238E27FC236}">
+                <a16:creationId xmlns:a16="http://schemas.microsoft.com/office/drawing/2014/main" id="{9FFF185B-55EA-40BA-A0E2-03FDFA833366}"/>
+              </a:ext>
+            </a:extLst>
+          </p:cNvPr>
+          <p:cNvPicPr>
+            <a:picLocks noChangeAspect="1"/>
+          </p:cNvPicPr>
+          <p:nvPr/>
+        </p:nvPicPr>
+        <p:blipFill>
+          <a:blip r:embed="rId2"/>
+          <a:stretch>
+            <a:fillRect/>
+          </a:stretch>
+        </p:blipFill>
+        <p:spPr>
+          <a:xfrm>
+            <a:off x="2258568" y="926961"/>
+            <a:ext cx="8887266" cy="5399253"/>
+          </a:xfrm>
+          <a:prstGeom prst="rect">
+            <a:avLst/>
+          </a:prstGeom>
+        </p:spPr>
+      </p:pic>
+    </p:spTree>
+    <p:extLst>
+      <p:ext uri="{BB962C8B-B14F-4D97-AF65-F5344CB8AC3E}">
+        <p14:creationId xmlns:p14="http://schemas.microsoft.com/office/powerpoint/2010/main" val="3980814183"/>
+      </p:ext>
+    </p:extLst>
+  </p:cSld>
+  <p:clrMapOvr>
+    <a:masterClrMapping/>
+  </p:clrMapOvr>
+</p:sld>
+</file>
+
+<file path=ppt/slides/slide2.xml><?xml version="1.0" encoding="utf-8"?>
+<p:sld xmlns:a="http://schemas.openxmlformats.org/drawingml/2006/main" xmlns:r="http://schemas.openxmlformats.org/officeDocument/2006/relationships" xmlns:p="http://schemas.openxmlformats.org/presentationml/2006/main">
+  <p:cSld>
+    <p:spTree>
+      <p:nvGrpSpPr>
+        <p:cNvPr id="1" name=""/>
+        <p:cNvGrpSpPr/>
+        <p:nvPr/>
+      </p:nvGrpSpPr>
+      <p:grpSpPr>
+        <a:xfrm>
+          <a:off x="0" y="0"/>
+          <a:ext cx="0" cy="0"/>
+          <a:chOff x="0" y="0"/>
+          <a:chExt cx="0" cy="0"/>
+        </a:xfrm>
+      </p:grpSpPr>
+      <p:sp>
+        <p:nvSpPr>
+          <p:cNvPr id="3" name="내용 개체 틀 2">
+            <a:extLst>
+              <a:ext uri="{FF2B5EF4-FFF2-40B4-BE49-F238E27FC236}">
+                <a16:creationId xmlns:a16="http://schemas.microsoft.com/office/drawing/2014/main" id="{AD0FDF3F-9616-4A6F-935E-75551A39E1B9}"/>
+              </a:ext>
+            </a:extLst>
+          </p:cNvPr>
+          <p:cNvSpPr>
+            <a:spLocks noGrp="1"/>
+          </p:cNvSpPr>
+          <p:nvPr>
+            <p:ph idx="1"/>
+          </p:nvPr>
+        </p:nvSpPr>
+        <p:spPr/>
+        <p:txBody>
+          <a:bodyPr/>
+          <a:lstStyle/>
+          <a:p>
+            <a:r>
+              <a:rPr lang="en-US" altLang="ko-KR" dirty="0"/>
+              <a:t>ADC output</a:t>
+            </a:r>
+            <a:endParaRPr lang="ko-KR" altLang="en-US" dirty="0"/>
+          </a:p>
+        </p:txBody>
+      </p:sp>
+      <p:sp>
+        <p:nvSpPr>
+          <p:cNvPr id="4" name="내용 개체 틀 3">
+            <a:extLst>
+              <a:ext uri="{FF2B5EF4-FFF2-40B4-BE49-F238E27FC236}">
+                <a16:creationId xmlns:a16="http://schemas.microsoft.com/office/drawing/2014/main" id="{3BAD1E7F-8396-4995-8C77-02E1A32A70BB}"/>
+              </a:ext>
+            </a:extLst>
+          </p:cNvPr>
+          <p:cNvSpPr>
+            <a:spLocks noGrp="1"/>
+          </p:cNvSpPr>
+          <p:nvPr>
+            <p:ph idx="10"/>
+          </p:nvPr>
+        </p:nvSpPr>
+        <p:spPr/>
+        <p:txBody>
+          <a:bodyPr/>
+          <a:lstStyle/>
+          <a:p>
+            <a:r>
+              <a:rPr lang="en-US" altLang="ko-KR" dirty="0"/>
+              <a:t>Data processing</a:t>
+            </a:r>
+            <a:endParaRPr lang="ko-KR" altLang="en-US" dirty="0"/>
+          </a:p>
+        </p:txBody>
+      </p:sp>
+      <p:sp>
+        <p:nvSpPr>
+          <p:cNvPr id="5" name="내용 개체 틀 4">
+            <a:extLst>
+              <a:ext uri="{FF2B5EF4-FFF2-40B4-BE49-F238E27FC236}">
+                <a16:creationId xmlns:a16="http://schemas.microsoft.com/office/drawing/2014/main" id="{05B796E4-27E9-4333-A26C-2D79F6063113}"/>
+              </a:ext>
+            </a:extLst>
+          </p:cNvPr>
+          <p:cNvSpPr>
+            <a:spLocks noGrp="1"/>
+          </p:cNvSpPr>
+          <p:nvPr>
+            <p:ph idx="11"/>
+          </p:nvPr>
+        </p:nvSpPr>
+        <p:spPr/>
+        <p:txBody>
+          <a:bodyPr/>
+          <a:lstStyle/>
+          <a:p>
+            <a:r>
+              <a:rPr lang="en-US" altLang="ko-KR" dirty="0"/>
+              <a:t>Signal reconstruction and FFT</a:t>
+            </a:r>
+            <a:endParaRPr lang="ko-KR" altLang="en-US" dirty="0"/>
+          </a:p>
+        </p:txBody>
+      </p:sp>
+      <p:sp>
+        <p:nvSpPr>
+          <p:cNvPr id="6" name="내용 개체 틀 5">
+            <a:extLst>
+              <a:ext uri="{FF2B5EF4-FFF2-40B4-BE49-F238E27FC236}">
+                <a16:creationId xmlns:a16="http://schemas.microsoft.com/office/drawing/2014/main" id="{E6F4CFFD-7183-43BB-89EA-FA454609819D}"/>
+              </a:ext>
+            </a:extLst>
+          </p:cNvPr>
+          <p:cNvSpPr>
+            <a:spLocks noGrp="1"/>
+          </p:cNvSpPr>
+          <p:nvPr>
+            <p:ph idx="12"/>
+          </p:nvPr>
+        </p:nvSpPr>
+        <p:spPr/>
+        <p:txBody>
+          <a:bodyPr/>
+          <a:lstStyle/>
+          <a:p>
+            <a:endParaRPr lang="ko-KR" altLang="en-US"/>
+          </a:p>
+        </p:txBody>
+      </p:sp>
+      <p:sp>
+        <p:nvSpPr>
+          <p:cNvPr id="7" name="내용 개체 틀 6">
+            <a:extLst>
+              <a:ext uri="{FF2B5EF4-FFF2-40B4-BE49-F238E27FC236}">
+                <a16:creationId xmlns:a16="http://schemas.microsoft.com/office/drawing/2014/main" id="{4210C029-6DD6-478B-A965-BAB2D0A473C8}"/>
+              </a:ext>
+            </a:extLst>
+          </p:cNvPr>
+          <p:cNvSpPr>
+            <a:spLocks noGrp="1"/>
+          </p:cNvSpPr>
+          <p:nvPr>
+            <p:ph idx="13"/>
+          </p:nvPr>
+        </p:nvSpPr>
+        <p:spPr/>
+        <p:txBody>
+          <a:bodyPr/>
+          <a:lstStyle/>
+          <a:p>
+            <a:endParaRPr lang="ko-KR" altLang="en-US"/>
+          </a:p>
+        </p:txBody>
+      </p:sp>
+      <p:sp>
+        <p:nvSpPr>
+          <p:cNvPr id="8" name="내용 개체 틀 7">
+            <a:extLst>
+              <a:ext uri="{FF2B5EF4-FFF2-40B4-BE49-F238E27FC236}">
+                <a16:creationId xmlns:a16="http://schemas.microsoft.com/office/drawing/2014/main" id="{901AB8EC-0EE9-4270-A1CF-48645256AEE1}"/>
+              </a:ext>
+            </a:extLst>
+          </p:cNvPr>
+          <p:cNvSpPr>
+            <a:spLocks noGrp="1"/>
+          </p:cNvSpPr>
+          <p:nvPr>
+            <p:ph idx="14"/>
+          </p:nvPr>
+        </p:nvSpPr>
+        <p:spPr/>
+        <p:txBody>
+          <a:bodyPr/>
+          <a:lstStyle/>
+          <a:p>
+            <a:endParaRPr lang="ko-KR" altLang="en-US"/>
+          </a:p>
+        </p:txBody>
+      </p:sp>
+      <p:sp>
+        <p:nvSpPr>
+          <p:cNvPr id="9" name="내용 개체 틀 8">
+            <a:extLst>
+              <a:ext uri="{FF2B5EF4-FFF2-40B4-BE49-F238E27FC236}">
+                <a16:creationId xmlns:a16="http://schemas.microsoft.com/office/drawing/2014/main" id="{14642BF2-F743-4512-A314-9BAB5A23C939}"/>
+              </a:ext>
+            </a:extLst>
+          </p:cNvPr>
+          <p:cNvSpPr>
+            <a:spLocks noGrp="1"/>
+          </p:cNvSpPr>
+          <p:nvPr>
+            <p:ph idx="15"/>
+          </p:nvPr>
+        </p:nvSpPr>
+        <p:spPr/>
+        <p:txBody>
+          <a:bodyPr/>
+          <a:lstStyle/>
+          <a:p>
+            <a:endParaRPr lang="ko-KR" altLang="en-US"/>
+          </a:p>
+        </p:txBody>
+      </p:sp>
+      <p:sp>
+        <p:nvSpPr>
+          <p:cNvPr id="10" name="내용 개체 틀 9">
+            <a:extLst>
+              <a:ext uri="{FF2B5EF4-FFF2-40B4-BE49-F238E27FC236}">
+                <a16:creationId xmlns:a16="http://schemas.microsoft.com/office/drawing/2014/main" id="{EF42B89A-FAF4-4A9C-B15A-CE45AC631F3B}"/>
+              </a:ext>
+            </a:extLst>
+          </p:cNvPr>
+          <p:cNvSpPr>
+            <a:spLocks noGrp="1"/>
+          </p:cNvSpPr>
+          <p:nvPr>
+            <p:ph idx="16"/>
+          </p:nvPr>
+        </p:nvSpPr>
+        <p:spPr/>
+        <p:txBody>
+          <a:bodyPr/>
+          <a:lstStyle/>
+          <a:p>
+            <a:endParaRPr lang="ko-KR" altLang="en-US"/>
+          </a:p>
+        </p:txBody>
+      </p:sp>
+    </p:spTree>
+    <p:extLst>
+      <p:ext uri="{BB962C8B-B14F-4D97-AF65-F5344CB8AC3E}">
+        <p14:creationId xmlns:p14="http://schemas.microsoft.com/office/powerpoint/2010/main" val="2219489278"/>
+      </p:ext>
+    </p:extLst>
+  </p:cSld>
+  <p:clrMapOvr>
+    <a:masterClrMapping/>
+  </p:clrMapOvr>
+</p:sld>
+</file>
+
+<file path=ppt/slides/slide20.xml><?xml version="1.0" encoding="utf-8"?>
+<p:sld xmlns:a="http://schemas.openxmlformats.org/drawingml/2006/main" xmlns:r="http://schemas.openxmlformats.org/officeDocument/2006/relationships" xmlns:p="http://schemas.openxmlformats.org/presentationml/2006/main">
+  <p:cSld>
+    <p:spTree>
+      <p:nvGrpSpPr>
+        <p:cNvPr id="1" name=""/>
+        <p:cNvGrpSpPr/>
+        <p:nvPr/>
+      </p:nvGrpSpPr>
+      <p:grpSpPr>
+        <a:xfrm>
+          <a:off x="0" y="0"/>
+          <a:ext cx="0" cy="0"/>
+          <a:chOff x="0" y="0"/>
+          <a:chExt cx="0" cy="0"/>
+        </a:xfrm>
+      </p:grpSpPr>
+      <p:sp>
+        <p:nvSpPr>
+          <p:cNvPr id="10" name="제목 9">
+            <a:extLst>
+              <a:ext uri="{FF2B5EF4-FFF2-40B4-BE49-F238E27FC236}">
+                <a16:creationId xmlns:a16="http://schemas.microsoft.com/office/drawing/2014/main" id="{798354F4-E37B-4A27-827D-07FFF75DD784}"/>
+              </a:ext>
+            </a:extLst>
+          </p:cNvPr>
+          <p:cNvSpPr>
+            <a:spLocks noGrp="1"/>
+          </p:cNvSpPr>
+          <p:nvPr>
+            <p:ph type="title"/>
+          </p:nvPr>
+        </p:nvSpPr>
+        <p:spPr/>
+        <p:txBody>
+          <a:bodyPr/>
+          <a:lstStyle/>
+          <a:p>
+            <a:r>
+              <a:rPr lang="en-US" altLang="ko-KR" dirty="0"/>
+              <a:t>Signal reconstruction and FFT</a:t>
+            </a:r>
+            <a:endParaRPr lang="ko-KR" altLang="en-US" dirty="0"/>
+          </a:p>
+        </p:txBody>
+      </p:sp>
+      <p:sp>
+        <p:nvSpPr>
+          <p:cNvPr id="11" name="내용 개체 틀 10">
+            <a:extLst>
+              <a:ext uri="{FF2B5EF4-FFF2-40B4-BE49-F238E27FC236}">
+                <a16:creationId xmlns:a16="http://schemas.microsoft.com/office/drawing/2014/main" id="{1D00540D-97E2-4095-BE28-0FB839C14ED5}"/>
+              </a:ext>
+            </a:extLst>
+          </p:cNvPr>
+          <p:cNvSpPr>
+            <a:spLocks noGrp="1"/>
+          </p:cNvSpPr>
+          <p:nvPr>
+            <p:ph idx="1"/>
+          </p:nvPr>
+        </p:nvSpPr>
+        <p:spPr>
+          <a:xfrm>
+            <a:off x="188033" y="846515"/>
+            <a:ext cx="5854628" cy="5560147"/>
+          </a:xfrm>
+        </p:spPr>
+        <p:txBody>
+          <a:bodyPr/>
+          <a:lstStyle/>
+          <a:p>
+            <a:r>
+              <a:rPr lang="en-US" altLang="ko-KR" dirty="0">
+                <a:sym typeface="Wingdings" panose="05000000000000000000" pitchFamily="2" charset="2"/>
+              </a:rPr>
+              <a:t>C4</a:t>
+            </a:r>
+          </a:p>
+          <a:p>
+            <a:endParaRPr lang="ko-KR" altLang="en-US" dirty="0"/>
+          </a:p>
+        </p:txBody>
+      </p:sp>
+      <p:pic>
+        <p:nvPicPr>
+          <p:cNvPr id="3" name="Picture 2">
+            <a:extLst>
+              <a:ext uri="{FF2B5EF4-FFF2-40B4-BE49-F238E27FC236}">
+                <a16:creationId xmlns:a16="http://schemas.microsoft.com/office/drawing/2014/main" id="{E384600C-8E2F-48D7-8A9E-950E0AAC146B}"/>
+              </a:ext>
+            </a:extLst>
+          </p:cNvPr>
+          <p:cNvPicPr>
+            <a:picLocks noChangeAspect="1"/>
+          </p:cNvPicPr>
+          <p:nvPr/>
+        </p:nvPicPr>
+        <p:blipFill>
+          <a:blip r:embed="rId2"/>
+          <a:stretch>
+            <a:fillRect/>
+          </a:stretch>
+        </p:blipFill>
+        <p:spPr>
+          <a:xfrm>
+            <a:off x="2121408" y="846516"/>
+            <a:ext cx="9046133" cy="5555404"/>
+          </a:xfrm>
+          <a:prstGeom prst="rect">
+            <a:avLst/>
+          </a:prstGeom>
+        </p:spPr>
+      </p:pic>
+    </p:spTree>
+    <p:extLst>
+      <p:ext uri="{BB962C8B-B14F-4D97-AF65-F5344CB8AC3E}">
+        <p14:creationId xmlns:p14="http://schemas.microsoft.com/office/powerpoint/2010/main" val="1280842371"/>
+      </p:ext>
+    </p:extLst>
+  </p:cSld>
+  <p:clrMapOvr>
+    <a:masterClrMapping/>
+  </p:clrMapOvr>
+</p:sld>
+</file>
+
+<file path=ppt/slides/slide21.xml><?xml version="1.0" encoding="utf-8"?>
+<p:sld xmlns:a="http://schemas.openxmlformats.org/drawingml/2006/main" xmlns:r="http://schemas.openxmlformats.org/officeDocument/2006/relationships" xmlns:p="http://schemas.openxmlformats.org/presentationml/2006/main">
+  <p:cSld>
+    <p:spTree>
+      <p:nvGrpSpPr>
+        <p:cNvPr id="1" name=""/>
+        <p:cNvGrpSpPr/>
+        <p:nvPr/>
+      </p:nvGrpSpPr>
+      <p:grpSpPr>
+        <a:xfrm>
+          <a:off x="0" y="0"/>
+          <a:ext cx="0" cy="0"/>
+          <a:chOff x="0" y="0"/>
+          <a:chExt cx="0" cy="0"/>
+        </a:xfrm>
+      </p:grpSpPr>
+      <p:sp>
+        <p:nvSpPr>
+          <p:cNvPr id="10" name="제목 9">
+            <a:extLst>
+              <a:ext uri="{FF2B5EF4-FFF2-40B4-BE49-F238E27FC236}">
+                <a16:creationId xmlns:a16="http://schemas.microsoft.com/office/drawing/2014/main" id="{798354F4-E37B-4A27-827D-07FFF75DD784}"/>
+              </a:ext>
+            </a:extLst>
+          </p:cNvPr>
+          <p:cNvSpPr>
+            <a:spLocks noGrp="1"/>
+          </p:cNvSpPr>
+          <p:nvPr>
+            <p:ph type="title"/>
+          </p:nvPr>
+        </p:nvSpPr>
+        <p:spPr/>
+        <p:txBody>
+          <a:bodyPr/>
+          <a:lstStyle/>
+          <a:p>
+            <a:r>
+              <a:rPr lang="en-US" altLang="ko-KR" dirty="0"/>
+              <a:t>Signal reconstruction and FFT</a:t>
+            </a:r>
+            <a:endParaRPr lang="ko-KR" altLang="en-US" dirty="0"/>
+          </a:p>
+        </p:txBody>
+      </p:sp>
+      <p:sp>
+        <p:nvSpPr>
+          <p:cNvPr id="11" name="내용 개체 틀 10">
+            <a:extLst>
+              <a:ext uri="{FF2B5EF4-FFF2-40B4-BE49-F238E27FC236}">
+                <a16:creationId xmlns:a16="http://schemas.microsoft.com/office/drawing/2014/main" id="{1D00540D-97E2-4095-BE28-0FB839C14ED5}"/>
+              </a:ext>
+            </a:extLst>
+          </p:cNvPr>
+          <p:cNvSpPr>
+            <a:spLocks noGrp="1"/>
+          </p:cNvSpPr>
+          <p:nvPr>
+            <p:ph idx="1"/>
+          </p:nvPr>
+        </p:nvSpPr>
+        <p:spPr>
+          <a:xfrm>
+            <a:off x="188033" y="846515"/>
+            <a:ext cx="5854628" cy="5560147"/>
+          </a:xfrm>
+        </p:spPr>
+        <p:txBody>
+          <a:bodyPr/>
+          <a:lstStyle/>
+          <a:p>
+            <a:r>
+              <a:rPr lang="en-US" altLang="ko-KR" dirty="0">
+                <a:sym typeface="Wingdings" panose="05000000000000000000" pitchFamily="2" charset="2"/>
+              </a:rPr>
+              <a:t>C5</a:t>
+            </a:r>
+          </a:p>
+          <a:p>
+            <a:endParaRPr lang="ko-KR" altLang="en-US" dirty="0"/>
+          </a:p>
+        </p:txBody>
+      </p:sp>
+      <p:pic>
+        <p:nvPicPr>
+          <p:cNvPr id="3" name="Picture 2">
+            <a:extLst>
+              <a:ext uri="{FF2B5EF4-FFF2-40B4-BE49-F238E27FC236}">
+                <a16:creationId xmlns:a16="http://schemas.microsoft.com/office/drawing/2014/main" id="{AB9D3ECE-2925-4804-9C3A-E9F9783CE63C}"/>
+              </a:ext>
+            </a:extLst>
+          </p:cNvPr>
+          <p:cNvPicPr>
+            <a:picLocks noChangeAspect="1"/>
+          </p:cNvPicPr>
+          <p:nvPr/>
+        </p:nvPicPr>
+        <p:blipFill>
+          <a:blip r:embed="rId2"/>
+          <a:stretch>
+            <a:fillRect/>
+          </a:stretch>
+        </p:blipFill>
+        <p:spPr>
+          <a:xfrm>
+            <a:off x="1865376" y="846515"/>
+            <a:ext cx="9109562" cy="5586699"/>
+          </a:xfrm>
+          <a:prstGeom prst="rect">
+            <a:avLst/>
+          </a:prstGeom>
+        </p:spPr>
+      </p:pic>
+    </p:spTree>
+    <p:extLst>
+      <p:ext uri="{BB962C8B-B14F-4D97-AF65-F5344CB8AC3E}">
+        <p14:creationId xmlns:p14="http://schemas.microsoft.com/office/powerpoint/2010/main" val="4131399158"/>
+      </p:ext>
+    </p:extLst>
+  </p:cSld>
+  <p:clrMapOvr>
+    <a:masterClrMapping/>
+  </p:clrMapOvr>
+</p:sld>
+</file>
+
+<file path=ppt/slides/slide22.xml><?xml version="1.0" encoding="utf-8"?>
+<p:sld xmlns:a="http://schemas.openxmlformats.org/drawingml/2006/main" xmlns:r="http://schemas.openxmlformats.org/officeDocument/2006/relationships" xmlns:p="http://schemas.openxmlformats.org/presentationml/2006/main">
+  <p:cSld>
+    <p:spTree>
+      <p:nvGrpSpPr>
+        <p:cNvPr id="1" name=""/>
+        <p:cNvGrpSpPr/>
+        <p:nvPr/>
+      </p:nvGrpSpPr>
+      <p:grpSpPr>
+        <a:xfrm>
+          <a:off x="0" y="0"/>
+          <a:ext cx="0" cy="0"/>
+          <a:chOff x="0" y="0"/>
+          <a:chExt cx="0" cy="0"/>
+        </a:xfrm>
+      </p:grpSpPr>
+      <p:sp>
+        <p:nvSpPr>
+          <p:cNvPr id="10" name="제목 9">
+            <a:extLst>
+              <a:ext uri="{FF2B5EF4-FFF2-40B4-BE49-F238E27FC236}">
+                <a16:creationId xmlns:a16="http://schemas.microsoft.com/office/drawing/2014/main" id="{798354F4-E37B-4A27-827D-07FFF75DD784}"/>
+              </a:ext>
+            </a:extLst>
+          </p:cNvPr>
+          <p:cNvSpPr>
+            <a:spLocks noGrp="1"/>
+          </p:cNvSpPr>
+          <p:nvPr>
+            <p:ph type="title"/>
+          </p:nvPr>
+        </p:nvSpPr>
+        <p:spPr/>
+        <p:txBody>
+          <a:bodyPr/>
+          <a:lstStyle/>
+          <a:p>
+            <a:r>
+              <a:rPr lang="en-US" altLang="ko-KR" dirty="0"/>
+              <a:t>Signal reconstruction and FFT</a:t>
+            </a:r>
+            <a:endParaRPr lang="ko-KR" altLang="en-US" dirty="0"/>
+          </a:p>
+        </p:txBody>
+      </p:sp>
+      <p:sp>
+        <p:nvSpPr>
+          <p:cNvPr id="11" name="내용 개체 틀 10">
+            <a:extLst>
+              <a:ext uri="{FF2B5EF4-FFF2-40B4-BE49-F238E27FC236}">
+                <a16:creationId xmlns:a16="http://schemas.microsoft.com/office/drawing/2014/main" id="{1D00540D-97E2-4095-BE28-0FB839C14ED5}"/>
+              </a:ext>
+            </a:extLst>
+          </p:cNvPr>
+          <p:cNvSpPr>
+            <a:spLocks noGrp="1"/>
+          </p:cNvSpPr>
+          <p:nvPr>
+            <p:ph idx="1"/>
+          </p:nvPr>
+        </p:nvSpPr>
+        <p:spPr>
+          <a:xfrm>
+            <a:off x="188033" y="846515"/>
+            <a:ext cx="5854628" cy="5560147"/>
+          </a:xfrm>
+        </p:spPr>
+        <p:txBody>
+          <a:bodyPr/>
+          <a:lstStyle/>
+          <a:p>
+            <a:r>
+              <a:rPr lang="en-US" altLang="ko-KR" dirty="0">
+                <a:sym typeface="Wingdings" panose="05000000000000000000" pitchFamily="2" charset="2"/>
+              </a:rPr>
+              <a:t>C6</a:t>
+            </a:r>
+          </a:p>
+          <a:p>
+            <a:endParaRPr lang="ko-KR" altLang="en-US" dirty="0"/>
+          </a:p>
+        </p:txBody>
+      </p:sp>
+      <p:pic>
+        <p:nvPicPr>
+          <p:cNvPr id="3" name="Picture 2">
+            <a:extLst>
+              <a:ext uri="{FF2B5EF4-FFF2-40B4-BE49-F238E27FC236}">
+                <a16:creationId xmlns:a16="http://schemas.microsoft.com/office/drawing/2014/main" id="{9B421AF3-8FE3-482E-A421-FD2167A0D41A}"/>
+              </a:ext>
+            </a:extLst>
+          </p:cNvPr>
+          <p:cNvPicPr>
+            <a:picLocks noChangeAspect="1"/>
+          </p:cNvPicPr>
+          <p:nvPr/>
+        </p:nvPicPr>
+        <p:blipFill>
+          <a:blip r:embed="rId2"/>
+          <a:stretch>
+            <a:fillRect/>
+          </a:stretch>
+        </p:blipFill>
+        <p:spPr>
+          <a:xfrm>
+            <a:off x="1856232" y="846515"/>
+            <a:ext cx="8929537" cy="5509714"/>
+          </a:xfrm>
+          <a:prstGeom prst="rect">
+            <a:avLst/>
+          </a:prstGeom>
+        </p:spPr>
+      </p:pic>
+    </p:spTree>
+    <p:extLst>
+      <p:ext uri="{BB962C8B-B14F-4D97-AF65-F5344CB8AC3E}">
+        <p14:creationId xmlns:p14="http://schemas.microsoft.com/office/powerpoint/2010/main" val="506375788"/>
+      </p:ext>
+    </p:extLst>
+  </p:cSld>
+  <p:clrMapOvr>
+    <a:masterClrMapping/>
+  </p:clrMapOvr>
+</p:sld>
+</file>
+
+<file path=ppt/slides/slide23.xml><?xml version="1.0" encoding="utf-8"?>
+<p:sld xmlns:a="http://schemas.openxmlformats.org/drawingml/2006/main" xmlns:r="http://schemas.openxmlformats.org/officeDocument/2006/relationships" xmlns:p="http://schemas.openxmlformats.org/presentationml/2006/main">
+  <p:cSld>
+    <p:spTree>
+      <p:nvGrpSpPr>
+        <p:cNvPr id="1" name=""/>
+        <p:cNvGrpSpPr/>
+        <p:nvPr/>
+      </p:nvGrpSpPr>
+      <p:grpSpPr>
+        <a:xfrm>
+          <a:off x="0" y="0"/>
+          <a:ext cx="0" cy="0"/>
+          <a:chOff x="0" y="0"/>
+          <a:chExt cx="0" cy="0"/>
+        </a:xfrm>
+      </p:grpSpPr>
+      <p:sp>
+        <p:nvSpPr>
+          <p:cNvPr id="10" name="제목 9">
+            <a:extLst>
+              <a:ext uri="{FF2B5EF4-FFF2-40B4-BE49-F238E27FC236}">
+                <a16:creationId xmlns:a16="http://schemas.microsoft.com/office/drawing/2014/main" id="{798354F4-E37B-4A27-827D-07FFF75DD784}"/>
+              </a:ext>
+            </a:extLst>
+          </p:cNvPr>
+          <p:cNvSpPr>
+            <a:spLocks noGrp="1"/>
+          </p:cNvSpPr>
+          <p:nvPr>
+            <p:ph type="title"/>
+          </p:nvPr>
+        </p:nvSpPr>
+        <p:spPr/>
+        <p:txBody>
+          <a:bodyPr/>
+          <a:lstStyle/>
+          <a:p>
+            <a:r>
+              <a:rPr lang="en-US" altLang="ko-KR" dirty="0"/>
+              <a:t>Signal reconstruction and FFT</a:t>
+            </a:r>
+            <a:endParaRPr lang="ko-KR" altLang="en-US" dirty="0"/>
+          </a:p>
+        </p:txBody>
+      </p:sp>
+      <p:sp>
+        <p:nvSpPr>
+          <p:cNvPr id="11" name="내용 개체 틀 10">
+            <a:extLst>
+              <a:ext uri="{FF2B5EF4-FFF2-40B4-BE49-F238E27FC236}">
+                <a16:creationId xmlns:a16="http://schemas.microsoft.com/office/drawing/2014/main" id="{1D00540D-97E2-4095-BE28-0FB839C14ED5}"/>
+              </a:ext>
+            </a:extLst>
+          </p:cNvPr>
+          <p:cNvSpPr>
+            <a:spLocks noGrp="1"/>
+          </p:cNvSpPr>
+          <p:nvPr>
+            <p:ph idx="1"/>
+          </p:nvPr>
+        </p:nvSpPr>
+        <p:spPr>
+          <a:xfrm>
+            <a:off x="188033" y="846515"/>
+            <a:ext cx="5854628" cy="5560147"/>
+          </a:xfrm>
+        </p:spPr>
+        <p:txBody>
+          <a:bodyPr/>
+          <a:lstStyle/>
+          <a:p>
+            <a:r>
+              <a:rPr lang="en-US" altLang="ko-KR" dirty="0">
+                <a:sym typeface="Wingdings" panose="05000000000000000000" pitchFamily="2" charset="2"/>
+              </a:rPr>
+              <a:t>C7</a:t>
+            </a:r>
+          </a:p>
+          <a:p>
+            <a:endParaRPr lang="ko-KR" altLang="en-US" dirty="0"/>
+          </a:p>
+        </p:txBody>
+      </p:sp>
+      <p:pic>
+        <p:nvPicPr>
+          <p:cNvPr id="3" name="Picture 2">
+            <a:extLst>
+              <a:ext uri="{FF2B5EF4-FFF2-40B4-BE49-F238E27FC236}">
+                <a16:creationId xmlns:a16="http://schemas.microsoft.com/office/drawing/2014/main" id="{4E3D4310-C86A-4A1B-96FE-400F3938779F}"/>
+              </a:ext>
+            </a:extLst>
+          </p:cNvPr>
+          <p:cNvPicPr>
+            <a:picLocks noChangeAspect="1"/>
+          </p:cNvPicPr>
+          <p:nvPr/>
+        </p:nvPicPr>
+        <p:blipFill>
+          <a:blip r:embed="rId2"/>
+          <a:stretch>
+            <a:fillRect/>
+          </a:stretch>
+        </p:blipFill>
+        <p:spPr>
+          <a:xfrm>
+            <a:off x="2121408" y="950400"/>
+            <a:ext cx="8918175" cy="5485750"/>
+          </a:xfrm>
+          <a:prstGeom prst="rect">
+            <a:avLst/>
+          </a:prstGeom>
+        </p:spPr>
+      </p:pic>
+    </p:spTree>
+    <p:extLst>
+      <p:ext uri="{BB962C8B-B14F-4D97-AF65-F5344CB8AC3E}">
+        <p14:creationId xmlns:p14="http://schemas.microsoft.com/office/powerpoint/2010/main" val="2528556679"/>
+      </p:ext>
+    </p:extLst>
+  </p:cSld>
+  <p:clrMapOvr>
+    <a:masterClrMapping/>
+  </p:clrMapOvr>
+</p:sld>
+</file>
+
+<file path=ppt/slides/slide24.xml><?xml version="1.0" encoding="utf-8"?>
+<p:sld xmlns:a="http://schemas.openxmlformats.org/drawingml/2006/main" xmlns:r="http://schemas.openxmlformats.org/officeDocument/2006/relationships" xmlns:p="http://schemas.openxmlformats.org/presentationml/2006/main">
+  <p:cSld>
+    <p:spTree>
+      <p:nvGrpSpPr>
+        <p:cNvPr id="1" name=""/>
+        <p:cNvGrpSpPr/>
+        <p:nvPr/>
+      </p:nvGrpSpPr>
+      <p:grpSpPr>
+        <a:xfrm>
+          <a:off x="0" y="0"/>
+          <a:ext cx="0" cy="0"/>
+          <a:chOff x="0" y="0"/>
+          <a:chExt cx="0" cy="0"/>
+        </a:xfrm>
+      </p:grpSpPr>
+      <p:sp>
+        <p:nvSpPr>
+          <p:cNvPr id="10" name="제목 9">
+            <a:extLst>
+              <a:ext uri="{FF2B5EF4-FFF2-40B4-BE49-F238E27FC236}">
+                <a16:creationId xmlns:a16="http://schemas.microsoft.com/office/drawing/2014/main" id="{798354F4-E37B-4A27-827D-07FFF75DD784}"/>
+              </a:ext>
+            </a:extLst>
+          </p:cNvPr>
+          <p:cNvSpPr>
+            <a:spLocks noGrp="1"/>
+          </p:cNvSpPr>
+          <p:nvPr>
+            <p:ph type="title"/>
+          </p:nvPr>
+        </p:nvSpPr>
+        <p:spPr/>
+        <p:txBody>
+          <a:bodyPr/>
+          <a:lstStyle/>
+          <a:p>
+            <a:r>
+              <a:rPr lang="en-US" altLang="ko-KR" dirty="0"/>
+              <a:t>Signal reconstruction and FFT</a:t>
+            </a:r>
+            <a:endParaRPr lang="ko-KR" altLang="en-US" dirty="0"/>
+          </a:p>
+        </p:txBody>
+      </p:sp>
+      <p:sp>
+        <p:nvSpPr>
+          <p:cNvPr id="11" name="내용 개체 틀 10">
+            <a:extLst>
+              <a:ext uri="{FF2B5EF4-FFF2-40B4-BE49-F238E27FC236}">
+                <a16:creationId xmlns:a16="http://schemas.microsoft.com/office/drawing/2014/main" id="{1D00540D-97E2-4095-BE28-0FB839C14ED5}"/>
+              </a:ext>
+            </a:extLst>
+          </p:cNvPr>
+          <p:cNvSpPr>
+            <a:spLocks noGrp="1"/>
+          </p:cNvSpPr>
+          <p:nvPr>
+            <p:ph idx="1"/>
+          </p:nvPr>
+        </p:nvSpPr>
+        <p:spPr>
+          <a:xfrm>
+            <a:off x="188033" y="846515"/>
+            <a:ext cx="5854628" cy="5560147"/>
+          </a:xfrm>
+        </p:spPr>
+        <p:txBody>
+          <a:bodyPr/>
+          <a:lstStyle/>
+          <a:p>
+            <a:r>
+              <a:rPr lang="en-US" altLang="ko-KR" dirty="0">
+                <a:sym typeface="Wingdings" panose="05000000000000000000" pitchFamily="2" charset="2"/>
+              </a:rPr>
+              <a:t>R0</a:t>
+            </a:r>
+          </a:p>
+          <a:p>
+            <a:endParaRPr lang="ko-KR" altLang="en-US" dirty="0"/>
+          </a:p>
+        </p:txBody>
+      </p:sp>
+      <p:pic>
+        <p:nvPicPr>
+          <p:cNvPr id="3" name="Picture 2">
+            <a:extLst>
+              <a:ext uri="{FF2B5EF4-FFF2-40B4-BE49-F238E27FC236}">
+                <a16:creationId xmlns:a16="http://schemas.microsoft.com/office/drawing/2014/main" id="{D279677D-93D5-40E6-A8A3-0966194F9212}"/>
+              </a:ext>
+            </a:extLst>
+          </p:cNvPr>
+          <p:cNvPicPr>
+            <a:picLocks noChangeAspect="1"/>
+          </p:cNvPicPr>
+          <p:nvPr/>
+        </p:nvPicPr>
+        <p:blipFill>
+          <a:blip r:embed="rId2"/>
+          <a:stretch>
+            <a:fillRect/>
+          </a:stretch>
+        </p:blipFill>
+        <p:spPr>
+          <a:xfrm>
+            <a:off x="1984248" y="846516"/>
+            <a:ext cx="9214476" cy="5563932"/>
+          </a:xfrm>
+          <a:prstGeom prst="rect">
+            <a:avLst/>
+          </a:prstGeom>
+        </p:spPr>
+      </p:pic>
+    </p:spTree>
+    <p:extLst>
+      <p:ext uri="{BB962C8B-B14F-4D97-AF65-F5344CB8AC3E}">
+        <p14:creationId xmlns:p14="http://schemas.microsoft.com/office/powerpoint/2010/main" val="641709835"/>
+      </p:ext>
+    </p:extLst>
+  </p:cSld>
+  <p:clrMapOvr>
+    <a:masterClrMapping/>
+  </p:clrMapOvr>
+</p:sld>
+</file>
+
+<file path=ppt/slides/slide25.xml><?xml version="1.0" encoding="utf-8"?>
+<p:sld xmlns:a="http://schemas.openxmlformats.org/drawingml/2006/main" xmlns:r="http://schemas.openxmlformats.org/officeDocument/2006/relationships" xmlns:p="http://schemas.openxmlformats.org/presentationml/2006/main">
+  <p:cSld>
+    <p:spTree>
+      <p:nvGrpSpPr>
+        <p:cNvPr id="1" name=""/>
+        <p:cNvGrpSpPr/>
+        <p:nvPr/>
+      </p:nvGrpSpPr>
+      <p:grpSpPr>
+        <a:xfrm>
+          <a:off x="0" y="0"/>
+          <a:ext cx="0" cy="0"/>
+          <a:chOff x="0" y="0"/>
+          <a:chExt cx="0" cy="0"/>
+        </a:xfrm>
+      </p:grpSpPr>
+      <p:sp>
+        <p:nvSpPr>
+          <p:cNvPr id="10" name="제목 9">
+            <a:extLst>
+              <a:ext uri="{FF2B5EF4-FFF2-40B4-BE49-F238E27FC236}">
+                <a16:creationId xmlns:a16="http://schemas.microsoft.com/office/drawing/2014/main" id="{798354F4-E37B-4A27-827D-07FFF75DD784}"/>
+              </a:ext>
+            </a:extLst>
+          </p:cNvPr>
+          <p:cNvSpPr>
+            <a:spLocks noGrp="1"/>
+          </p:cNvSpPr>
+          <p:nvPr>
+            <p:ph type="title"/>
+          </p:nvPr>
+        </p:nvSpPr>
+        <p:spPr/>
+        <p:txBody>
+          <a:bodyPr/>
+          <a:lstStyle/>
+          <a:p>
+            <a:r>
+              <a:rPr lang="en-US" altLang="ko-KR" dirty="0"/>
+              <a:t>Signal reconstruction and FFT</a:t>
+            </a:r>
+            <a:endParaRPr lang="ko-KR" altLang="en-US" dirty="0"/>
+          </a:p>
+        </p:txBody>
+      </p:sp>
+      <p:sp>
+        <p:nvSpPr>
+          <p:cNvPr id="11" name="내용 개체 틀 10">
+            <a:extLst>
+              <a:ext uri="{FF2B5EF4-FFF2-40B4-BE49-F238E27FC236}">
+                <a16:creationId xmlns:a16="http://schemas.microsoft.com/office/drawing/2014/main" id="{1D00540D-97E2-4095-BE28-0FB839C14ED5}"/>
+              </a:ext>
+            </a:extLst>
+          </p:cNvPr>
+          <p:cNvSpPr>
+            <a:spLocks noGrp="1"/>
+          </p:cNvSpPr>
+          <p:nvPr>
+            <p:ph idx="1"/>
+          </p:nvPr>
+        </p:nvSpPr>
+        <p:spPr>
+          <a:xfrm>
+            <a:off x="188033" y="846515"/>
+            <a:ext cx="5854628" cy="5560147"/>
+          </a:xfrm>
+        </p:spPr>
+        <p:txBody>
+          <a:bodyPr/>
+          <a:lstStyle/>
+          <a:p>
+            <a:r>
+              <a:rPr lang="en-US" altLang="ko-KR" dirty="0">
+                <a:sym typeface="Wingdings" panose="05000000000000000000" pitchFamily="2" charset="2"/>
+              </a:rPr>
+              <a:t>R1</a:t>
+            </a:r>
+          </a:p>
+          <a:p>
+            <a:endParaRPr lang="ko-KR" altLang="en-US" dirty="0"/>
+          </a:p>
+        </p:txBody>
+      </p:sp>
+      <p:pic>
+        <p:nvPicPr>
+          <p:cNvPr id="8" name="Picture 7">
+            <a:extLst>
+              <a:ext uri="{FF2B5EF4-FFF2-40B4-BE49-F238E27FC236}">
+                <a16:creationId xmlns:a16="http://schemas.microsoft.com/office/drawing/2014/main" id="{FB2F5F98-A61C-48A3-BA0A-A0CDCF4C93B5}"/>
+              </a:ext>
+            </a:extLst>
+          </p:cNvPr>
+          <p:cNvPicPr>
+            <a:picLocks noChangeAspect="1"/>
+          </p:cNvPicPr>
+          <p:nvPr/>
+        </p:nvPicPr>
+        <p:blipFill>
+          <a:blip r:embed="rId2"/>
+          <a:stretch>
+            <a:fillRect/>
+          </a:stretch>
+        </p:blipFill>
+        <p:spPr>
+          <a:xfrm>
+            <a:off x="1506876" y="846515"/>
+            <a:ext cx="9509515" cy="5632704"/>
+          </a:xfrm>
+          <a:prstGeom prst="rect">
+            <a:avLst/>
+          </a:prstGeom>
+        </p:spPr>
+      </p:pic>
+    </p:spTree>
+    <p:extLst>
+      <p:ext uri="{BB962C8B-B14F-4D97-AF65-F5344CB8AC3E}">
+        <p14:creationId xmlns:p14="http://schemas.microsoft.com/office/powerpoint/2010/main" val="86842188"/>
+      </p:ext>
+    </p:extLst>
+  </p:cSld>
+  <p:clrMapOvr>
+    <a:masterClrMapping/>
+  </p:clrMapOvr>
+</p:sld>
+</file>
+
+<file path=ppt/slides/slide26.xml><?xml version="1.0" encoding="utf-8"?>
+<p:sld xmlns:a="http://schemas.openxmlformats.org/drawingml/2006/main" xmlns:r="http://schemas.openxmlformats.org/officeDocument/2006/relationships" xmlns:p="http://schemas.openxmlformats.org/presentationml/2006/main">
+  <p:cSld>
+    <p:spTree>
+      <p:nvGrpSpPr>
+        <p:cNvPr id="1" name=""/>
+        <p:cNvGrpSpPr/>
+        <p:nvPr/>
+      </p:nvGrpSpPr>
+      <p:grpSpPr>
+        <a:xfrm>
+          <a:off x="0" y="0"/>
+          <a:ext cx="0" cy="0"/>
+          <a:chOff x="0" y="0"/>
+          <a:chExt cx="0" cy="0"/>
+        </a:xfrm>
+      </p:grpSpPr>
+      <p:sp>
+        <p:nvSpPr>
+          <p:cNvPr id="10" name="제목 9">
+            <a:extLst>
+              <a:ext uri="{FF2B5EF4-FFF2-40B4-BE49-F238E27FC236}">
+                <a16:creationId xmlns:a16="http://schemas.microsoft.com/office/drawing/2014/main" id="{798354F4-E37B-4A27-827D-07FFF75DD784}"/>
+              </a:ext>
+            </a:extLst>
+          </p:cNvPr>
+          <p:cNvSpPr>
+            <a:spLocks noGrp="1"/>
+          </p:cNvSpPr>
+          <p:nvPr>
+            <p:ph type="title"/>
+          </p:nvPr>
+        </p:nvSpPr>
+        <p:spPr/>
+        <p:txBody>
+          <a:bodyPr/>
+          <a:lstStyle/>
+          <a:p>
+            <a:r>
+              <a:rPr lang="en-US" altLang="ko-KR" dirty="0"/>
+              <a:t>Signal reconstruction and FFT</a:t>
+            </a:r>
+            <a:endParaRPr lang="ko-KR" altLang="en-US" dirty="0"/>
+          </a:p>
+        </p:txBody>
+      </p:sp>
+      <p:sp>
+        <p:nvSpPr>
+          <p:cNvPr id="11" name="내용 개체 틀 10">
+            <a:extLst>
+              <a:ext uri="{FF2B5EF4-FFF2-40B4-BE49-F238E27FC236}">
+                <a16:creationId xmlns:a16="http://schemas.microsoft.com/office/drawing/2014/main" id="{1D00540D-97E2-4095-BE28-0FB839C14ED5}"/>
+              </a:ext>
+            </a:extLst>
+          </p:cNvPr>
+          <p:cNvSpPr>
+            <a:spLocks noGrp="1"/>
+          </p:cNvSpPr>
+          <p:nvPr>
+            <p:ph idx="1"/>
+          </p:nvPr>
+        </p:nvSpPr>
+        <p:spPr>
+          <a:xfrm>
+            <a:off x="188033" y="846515"/>
+            <a:ext cx="5854628" cy="5560147"/>
+          </a:xfrm>
+        </p:spPr>
+        <p:txBody>
+          <a:bodyPr/>
+          <a:lstStyle/>
+          <a:p>
+            <a:r>
+              <a:rPr lang="en-US" altLang="ko-KR" dirty="0">
+                <a:sym typeface="Wingdings" panose="05000000000000000000" pitchFamily="2" charset="2"/>
+              </a:rPr>
+              <a:t>R2</a:t>
+            </a:r>
+          </a:p>
+          <a:p>
+            <a:endParaRPr lang="ko-KR" altLang="en-US" dirty="0"/>
+          </a:p>
+        </p:txBody>
+      </p:sp>
+      <p:pic>
+        <p:nvPicPr>
+          <p:cNvPr id="3" name="Picture 2">
+            <a:extLst>
+              <a:ext uri="{FF2B5EF4-FFF2-40B4-BE49-F238E27FC236}">
+                <a16:creationId xmlns:a16="http://schemas.microsoft.com/office/drawing/2014/main" id="{3A0B1BFB-9FD8-4A0B-9346-99608249B27B}"/>
+              </a:ext>
+            </a:extLst>
+          </p:cNvPr>
+          <p:cNvPicPr>
+            <a:picLocks noChangeAspect="1"/>
+          </p:cNvPicPr>
+          <p:nvPr/>
+        </p:nvPicPr>
+        <p:blipFill>
+          <a:blip r:embed="rId2"/>
+          <a:stretch>
+            <a:fillRect/>
+          </a:stretch>
+        </p:blipFill>
+        <p:spPr>
+          <a:xfrm>
+            <a:off x="1581912" y="846515"/>
+            <a:ext cx="9316067" cy="5706968"/>
+          </a:xfrm>
+          <a:prstGeom prst="rect">
+            <a:avLst/>
+          </a:prstGeom>
+        </p:spPr>
+      </p:pic>
+    </p:spTree>
+    <p:extLst>
+      <p:ext uri="{BB962C8B-B14F-4D97-AF65-F5344CB8AC3E}">
+        <p14:creationId xmlns:p14="http://schemas.microsoft.com/office/powerpoint/2010/main" val="1582724541"/>
+      </p:ext>
+    </p:extLst>
+  </p:cSld>
+  <p:clrMapOvr>
+    <a:masterClrMapping/>
+  </p:clrMapOvr>
+</p:sld>
+</file>
+
+<file path=ppt/slides/slide27.xml><?xml version="1.0" encoding="utf-8"?>
+<p:sld xmlns:a="http://schemas.openxmlformats.org/drawingml/2006/main" xmlns:r="http://schemas.openxmlformats.org/officeDocument/2006/relationships" xmlns:p="http://schemas.openxmlformats.org/presentationml/2006/main">
+  <p:cSld>
+    <p:spTree>
+      <p:nvGrpSpPr>
+        <p:cNvPr id="1" name=""/>
+        <p:cNvGrpSpPr/>
+        <p:nvPr/>
+      </p:nvGrpSpPr>
+      <p:grpSpPr>
+        <a:xfrm>
+          <a:off x="0" y="0"/>
+          <a:ext cx="0" cy="0"/>
+          <a:chOff x="0" y="0"/>
+          <a:chExt cx="0" cy="0"/>
+        </a:xfrm>
+      </p:grpSpPr>
+      <p:sp>
+        <p:nvSpPr>
+          <p:cNvPr id="10" name="제목 9">
+            <a:extLst>
+              <a:ext uri="{FF2B5EF4-FFF2-40B4-BE49-F238E27FC236}">
+                <a16:creationId xmlns:a16="http://schemas.microsoft.com/office/drawing/2014/main" id="{798354F4-E37B-4A27-827D-07FFF75DD784}"/>
+              </a:ext>
+            </a:extLst>
+          </p:cNvPr>
+          <p:cNvSpPr>
+            <a:spLocks noGrp="1"/>
+          </p:cNvSpPr>
+          <p:nvPr>
+            <p:ph type="title"/>
+          </p:nvPr>
+        </p:nvSpPr>
+        <p:spPr/>
+        <p:txBody>
+          <a:bodyPr/>
+          <a:lstStyle/>
+          <a:p>
+            <a:r>
+              <a:rPr lang="en-US" altLang="ko-KR" dirty="0"/>
+              <a:t>Signal reconstruction and FFT</a:t>
+            </a:r>
+            <a:endParaRPr lang="ko-KR" altLang="en-US" dirty="0"/>
+          </a:p>
+        </p:txBody>
+      </p:sp>
+      <p:sp>
+        <p:nvSpPr>
+          <p:cNvPr id="11" name="내용 개체 틀 10">
+            <a:extLst>
+              <a:ext uri="{FF2B5EF4-FFF2-40B4-BE49-F238E27FC236}">
+                <a16:creationId xmlns:a16="http://schemas.microsoft.com/office/drawing/2014/main" id="{1D00540D-97E2-4095-BE28-0FB839C14ED5}"/>
+              </a:ext>
+            </a:extLst>
+          </p:cNvPr>
+          <p:cNvSpPr>
+            <a:spLocks noGrp="1"/>
+          </p:cNvSpPr>
+          <p:nvPr>
+            <p:ph idx="1"/>
+          </p:nvPr>
+        </p:nvSpPr>
+        <p:spPr>
+          <a:xfrm>
+            <a:off x="188033" y="846515"/>
+            <a:ext cx="5854628" cy="5560147"/>
+          </a:xfrm>
+        </p:spPr>
+        <p:txBody>
+          <a:bodyPr/>
+          <a:lstStyle/>
+          <a:p>
+            <a:r>
+              <a:rPr lang="en-US" altLang="ko-KR" dirty="0">
+                <a:sym typeface="Wingdings" panose="05000000000000000000" pitchFamily="2" charset="2"/>
+              </a:rPr>
+              <a:t>R3</a:t>
+            </a:r>
+          </a:p>
+          <a:p>
+            <a:endParaRPr lang="ko-KR" altLang="en-US" dirty="0"/>
+          </a:p>
+        </p:txBody>
+      </p:sp>
+      <p:pic>
+        <p:nvPicPr>
+          <p:cNvPr id="4" name="Picture 3">
+            <a:extLst>
+              <a:ext uri="{FF2B5EF4-FFF2-40B4-BE49-F238E27FC236}">
+                <a16:creationId xmlns:a16="http://schemas.microsoft.com/office/drawing/2014/main" id="{45F71C4B-1133-40B9-BA7C-B2FDBFA3F1BC}"/>
+              </a:ext>
+            </a:extLst>
+          </p:cNvPr>
+          <p:cNvPicPr>
+            <a:picLocks noChangeAspect="1"/>
+          </p:cNvPicPr>
+          <p:nvPr/>
+        </p:nvPicPr>
+        <p:blipFill>
+          <a:blip r:embed="rId2"/>
+          <a:stretch>
+            <a:fillRect/>
+          </a:stretch>
+        </p:blipFill>
+        <p:spPr>
+          <a:xfrm>
+            <a:off x="1656272" y="948456"/>
+            <a:ext cx="9157657" cy="5458206"/>
+          </a:xfrm>
+          <a:prstGeom prst="rect">
+            <a:avLst/>
+          </a:prstGeom>
+        </p:spPr>
+      </p:pic>
+    </p:spTree>
+    <p:extLst>
+      <p:ext uri="{BB962C8B-B14F-4D97-AF65-F5344CB8AC3E}">
+        <p14:creationId xmlns:p14="http://schemas.microsoft.com/office/powerpoint/2010/main" val="3166937185"/>
+      </p:ext>
+    </p:extLst>
+  </p:cSld>
+  <p:clrMapOvr>
+    <a:masterClrMapping/>
+  </p:clrMapOvr>
+</p:sld>
+</file>
+
+<file path=ppt/slides/slide28.xml><?xml version="1.0" encoding="utf-8"?>
+<p:sld xmlns:a="http://schemas.openxmlformats.org/drawingml/2006/main" xmlns:r="http://schemas.openxmlformats.org/officeDocument/2006/relationships" xmlns:p="http://schemas.openxmlformats.org/presentationml/2006/main">
+  <p:cSld>
+    <p:spTree>
+      <p:nvGrpSpPr>
+        <p:cNvPr id="1" name=""/>
+        <p:cNvGrpSpPr/>
+        <p:nvPr/>
+      </p:nvGrpSpPr>
+      <p:grpSpPr>
+        <a:xfrm>
+          <a:off x="0" y="0"/>
+          <a:ext cx="0" cy="0"/>
+          <a:chOff x="0" y="0"/>
+          <a:chExt cx="0" cy="0"/>
+        </a:xfrm>
+      </p:grpSpPr>
+      <p:sp>
+        <p:nvSpPr>
+          <p:cNvPr id="10" name="제목 9">
+            <a:extLst>
+              <a:ext uri="{FF2B5EF4-FFF2-40B4-BE49-F238E27FC236}">
+                <a16:creationId xmlns:a16="http://schemas.microsoft.com/office/drawing/2014/main" id="{798354F4-E37B-4A27-827D-07FFF75DD784}"/>
+              </a:ext>
+            </a:extLst>
+          </p:cNvPr>
+          <p:cNvSpPr>
+            <a:spLocks noGrp="1"/>
+          </p:cNvSpPr>
+          <p:nvPr>
+            <p:ph type="title"/>
+          </p:nvPr>
+        </p:nvSpPr>
+        <p:spPr/>
+        <p:txBody>
+          <a:bodyPr/>
+          <a:lstStyle/>
+          <a:p>
+            <a:r>
+              <a:rPr lang="en-US" altLang="ko-KR" dirty="0"/>
+              <a:t>Signal reconstruction and FFT</a:t>
+            </a:r>
+            <a:endParaRPr lang="ko-KR" altLang="en-US" dirty="0"/>
+          </a:p>
+        </p:txBody>
+      </p:sp>
+      <p:sp>
+        <p:nvSpPr>
+          <p:cNvPr id="11" name="내용 개체 틀 10">
+            <a:extLst>
+              <a:ext uri="{FF2B5EF4-FFF2-40B4-BE49-F238E27FC236}">
+                <a16:creationId xmlns:a16="http://schemas.microsoft.com/office/drawing/2014/main" id="{1D00540D-97E2-4095-BE28-0FB839C14ED5}"/>
+              </a:ext>
+            </a:extLst>
+          </p:cNvPr>
+          <p:cNvSpPr>
+            <a:spLocks noGrp="1"/>
+          </p:cNvSpPr>
+          <p:nvPr>
+            <p:ph idx="1"/>
+          </p:nvPr>
+        </p:nvSpPr>
+        <p:spPr>
+          <a:xfrm>
+            <a:off x="188033" y="846515"/>
+            <a:ext cx="5854628" cy="5560147"/>
+          </a:xfrm>
+        </p:spPr>
+        <p:txBody>
+          <a:bodyPr/>
+          <a:lstStyle/>
+          <a:p>
+            <a:r>
+              <a:rPr lang="en-US" altLang="ko-KR" dirty="0">
+                <a:sym typeface="Wingdings" panose="05000000000000000000" pitchFamily="2" charset="2"/>
+              </a:rPr>
+              <a:t>R4</a:t>
+            </a:r>
+          </a:p>
+          <a:p>
+            <a:endParaRPr lang="ko-KR" altLang="en-US" dirty="0"/>
+          </a:p>
+        </p:txBody>
+      </p:sp>
+      <p:pic>
+        <p:nvPicPr>
+          <p:cNvPr id="3" name="Picture 2">
+            <a:extLst>
+              <a:ext uri="{FF2B5EF4-FFF2-40B4-BE49-F238E27FC236}">
+                <a16:creationId xmlns:a16="http://schemas.microsoft.com/office/drawing/2014/main" id="{0AA28BE4-AF97-4E2A-A677-68214A81F71E}"/>
+              </a:ext>
+            </a:extLst>
+          </p:cNvPr>
+          <p:cNvPicPr>
+            <a:picLocks noChangeAspect="1"/>
+          </p:cNvPicPr>
+          <p:nvPr/>
+        </p:nvPicPr>
+        <p:blipFill>
+          <a:blip r:embed="rId2"/>
+          <a:stretch>
+            <a:fillRect/>
+          </a:stretch>
+        </p:blipFill>
+        <p:spPr>
+          <a:xfrm>
+            <a:off x="1965960" y="846516"/>
+            <a:ext cx="9148899" cy="5552692"/>
+          </a:xfrm>
+          <a:prstGeom prst="rect">
+            <a:avLst/>
+          </a:prstGeom>
+        </p:spPr>
+      </p:pic>
+    </p:spTree>
+    <p:extLst>
+      <p:ext uri="{BB962C8B-B14F-4D97-AF65-F5344CB8AC3E}">
+        <p14:creationId xmlns:p14="http://schemas.microsoft.com/office/powerpoint/2010/main" val="2883587694"/>
+      </p:ext>
+    </p:extLst>
+  </p:cSld>
+  <p:clrMapOvr>
+    <a:masterClrMapping/>
+  </p:clrMapOvr>
+</p:sld>
+</file>
+
+<file path=ppt/slides/slide29.xml><?xml version="1.0" encoding="utf-8"?>
+<p:sld xmlns:a="http://schemas.openxmlformats.org/drawingml/2006/main" xmlns:r="http://schemas.openxmlformats.org/officeDocument/2006/relationships" xmlns:p="http://schemas.openxmlformats.org/presentationml/2006/main">
+  <p:cSld>
+    <p:spTree>
+      <p:nvGrpSpPr>
+        <p:cNvPr id="1" name=""/>
+        <p:cNvGrpSpPr/>
+        <p:nvPr/>
+      </p:nvGrpSpPr>
+      <p:grpSpPr>
+        <a:xfrm>
+          <a:off x="0" y="0"/>
+          <a:ext cx="0" cy="0"/>
+          <a:chOff x="0" y="0"/>
+          <a:chExt cx="0" cy="0"/>
+        </a:xfrm>
+      </p:grpSpPr>
+      <p:sp>
+        <p:nvSpPr>
+          <p:cNvPr id="10" name="제목 9">
+            <a:extLst>
+              <a:ext uri="{FF2B5EF4-FFF2-40B4-BE49-F238E27FC236}">
+                <a16:creationId xmlns:a16="http://schemas.microsoft.com/office/drawing/2014/main" id="{798354F4-E37B-4A27-827D-07FFF75DD784}"/>
+              </a:ext>
+            </a:extLst>
+          </p:cNvPr>
+          <p:cNvSpPr>
+            <a:spLocks noGrp="1"/>
+          </p:cNvSpPr>
+          <p:nvPr>
+            <p:ph type="title"/>
+          </p:nvPr>
+        </p:nvSpPr>
+        <p:spPr/>
+        <p:txBody>
+          <a:bodyPr/>
+          <a:lstStyle/>
+          <a:p>
+            <a:r>
+              <a:rPr lang="en-US" altLang="ko-KR" dirty="0"/>
+              <a:t>Signal reconstruction and FFT</a:t>
+            </a:r>
+            <a:endParaRPr lang="ko-KR" altLang="en-US" dirty="0"/>
+          </a:p>
+        </p:txBody>
+      </p:sp>
+      <p:sp>
+        <p:nvSpPr>
+          <p:cNvPr id="11" name="내용 개체 틀 10">
+            <a:extLst>
+              <a:ext uri="{FF2B5EF4-FFF2-40B4-BE49-F238E27FC236}">
+                <a16:creationId xmlns:a16="http://schemas.microsoft.com/office/drawing/2014/main" id="{1D00540D-97E2-4095-BE28-0FB839C14ED5}"/>
+              </a:ext>
+            </a:extLst>
+          </p:cNvPr>
+          <p:cNvSpPr>
+            <a:spLocks noGrp="1"/>
+          </p:cNvSpPr>
+          <p:nvPr>
+            <p:ph idx="1"/>
+          </p:nvPr>
+        </p:nvSpPr>
+        <p:spPr>
+          <a:xfrm>
+            <a:off x="188033" y="846515"/>
+            <a:ext cx="5854628" cy="5560147"/>
+          </a:xfrm>
+        </p:spPr>
+        <p:txBody>
+          <a:bodyPr/>
+          <a:lstStyle/>
+          <a:p>
+            <a:r>
+              <a:rPr lang="en-US" altLang="ko-KR" dirty="0">
+                <a:sym typeface="Wingdings" panose="05000000000000000000" pitchFamily="2" charset="2"/>
+              </a:rPr>
+              <a:t>R5</a:t>
+            </a:r>
+          </a:p>
+          <a:p>
+            <a:endParaRPr lang="ko-KR" altLang="en-US" dirty="0"/>
+          </a:p>
+        </p:txBody>
+      </p:sp>
+      <p:pic>
+        <p:nvPicPr>
+          <p:cNvPr id="3" name="Picture 2">
+            <a:extLst>
+              <a:ext uri="{FF2B5EF4-FFF2-40B4-BE49-F238E27FC236}">
+                <a16:creationId xmlns:a16="http://schemas.microsoft.com/office/drawing/2014/main" id="{F2A8933D-0D07-4748-BC3E-D07E1EE7009A}"/>
+              </a:ext>
+            </a:extLst>
+          </p:cNvPr>
+          <p:cNvPicPr>
+            <a:picLocks noChangeAspect="1"/>
+          </p:cNvPicPr>
+          <p:nvPr/>
+        </p:nvPicPr>
+        <p:blipFill>
+          <a:blip r:embed="rId2"/>
+          <a:stretch>
+            <a:fillRect/>
+          </a:stretch>
+        </p:blipFill>
+        <p:spPr>
+          <a:xfrm>
+            <a:off x="1764792" y="846515"/>
+            <a:ext cx="9435468" cy="5632365"/>
+          </a:xfrm>
+          <a:prstGeom prst="rect">
+            <a:avLst/>
+          </a:prstGeom>
+        </p:spPr>
+      </p:pic>
+    </p:spTree>
+    <p:extLst>
+      <p:ext uri="{BB962C8B-B14F-4D97-AF65-F5344CB8AC3E}">
+        <p14:creationId xmlns:p14="http://schemas.microsoft.com/office/powerpoint/2010/main" val="2854990183"/>
+      </p:ext>
+    </p:extLst>
+  </p:cSld>
+  <p:clrMapOvr>
+    <a:masterClrMapping/>
+  </p:clrMapOvr>
+</p:sld>
+</file>
+
 <file path=ppt/slides/slide3.xml><?xml version="1.0" encoding="utf-8"?>
 <p:sld xmlns:a="http://schemas.openxmlformats.org/drawingml/2006/main" xmlns:r="http://schemas.openxmlformats.org/officeDocument/2006/relationships" xmlns:p="http://schemas.openxmlformats.org/presentationml/2006/main">
   <p:cSld>
@@ -17947,9 +18461,12 @@
                   <a:buFont typeface="Arial" panose="020B0604020202020204" pitchFamily="34" charset="0"/>
                   <a:buChar char="•"/>
                 </a:pPr>
-                <a:endParaRPr lang="en-US" altLang="ko-KR" dirty="0">
-                  <a:sym typeface="Wingdings" panose="05000000000000000000" pitchFamily="2" charset="2"/>
-                </a:endParaRPr>
+                <a:r>
+                  <a:rPr lang="en-US" altLang="ko-KR" sz="1400" dirty="0">
+                    <a:sym typeface="Wingdings" panose="05000000000000000000" pitchFamily="2" charset="2"/>
+                  </a:rPr>
+                  <a:t>Columns:  C0, C1, …, C7</a:t>
+                </a:r>
               </a:p>
               <a:p>
                 <a:pPr marL="742950" lvl="1" indent="-285750">
@@ -17960,7 +18477,7 @@
                   <a:rPr lang="en-US" altLang="ko-KR" sz="1400" dirty="0">
                     <a:sym typeface="Wingdings" panose="05000000000000000000" pitchFamily="2" charset="2"/>
                   </a:rPr>
-                  <a:t>C0, C1, …, C7, R0, R1, …, R7 </a:t>
+                  <a:t>Rows:       R0, R1, …, R7 </a:t>
                 </a:r>
               </a:p>
               <a:p>
@@ -17989,20 +18506,23 @@
                   <a:buFont typeface="Arial" panose="020B0604020202020204" pitchFamily="34" charset="0"/>
                   <a:buChar char="•"/>
                 </a:pPr>
-                <a:endParaRPr lang="en-US" altLang="ko-KR" sz="1400" dirty="0">
-                  <a:sym typeface="Wingdings" panose="05000000000000000000" pitchFamily="2" charset="2"/>
-                </a:endParaRPr>
-              </a:p>
-              <a:p>
-                <a:pPr marL="742950" lvl="1" indent="-285750">
-                  <a:buFont typeface="Arial" panose="020B0604020202020204" pitchFamily="34" charset="0"/>
-                  <a:buChar char="•"/>
-                </a:pPr>
                 <a:r>
                   <a:rPr lang="en-US" altLang="ko-KR" sz="1400" dirty="0">
                     <a:sym typeface="Wingdings" panose="05000000000000000000" pitchFamily="2" charset="2"/>
                   </a:rPr>
-                  <a:t>Interval time  dt= </a:t>
+                  <a:t>Interval time            </a:t>
+                </a:r>
+                <a:r>
+                  <a:rPr lang="en-US" altLang="ko-KR" sz="1400" i="1" dirty="0">
+                    <a:sym typeface="Wingdings" panose="05000000000000000000" pitchFamily="2" charset="2"/>
+                  </a:rPr>
+                  <a:t>dt</a:t>
+                </a:r>
+                <a:r>
+                  <a:rPr lang="en-US" altLang="ko-KR" sz="1400" dirty="0">
+                    <a:sym typeface="Wingdings" panose="05000000000000000000" pitchFamily="2" charset="2"/>
+                  </a:rPr>
+                  <a:t>= </a:t>
                 </a:r>
                 <a14:m>
                   <m:oMath xmlns:m="http://schemas.openxmlformats.org/officeDocument/2006/math">
@@ -18070,16 +18590,12 @@
                   <a:buFont typeface="Arial" panose="020B0604020202020204" pitchFamily="34" charset="0"/>
                   <a:buChar char="•"/>
                 </a:pPr>
-                <a:endParaRPr lang="en-US" altLang="ko-KR" sz="1400" b="0" i="1" dirty="0">
-                  <a:latin typeface="Cambria Math" panose="02040503050406030204" pitchFamily="18" charset="0"/>
-                  <a:sym typeface="Wingdings" panose="05000000000000000000" pitchFamily="2" charset="2"/>
-                </a:endParaRPr>
-              </a:p>
-              <a:p>
-                <a:pPr marL="742950" lvl="1" indent="-285750">
-                  <a:buFont typeface="Arial" panose="020B0604020202020204" pitchFamily="34" charset="0"/>
-                  <a:buChar char="•"/>
-                </a:pPr>
+                <a:r>
+                  <a:rPr lang="en-US" altLang="ko-KR" sz="1400" b="0" dirty="0">
+                    <a:sym typeface="Wingdings" panose="05000000000000000000" pitchFamily="2" charset="2"/>
+                  </a:rPr>
+                  <a:t>Sampling frequency:  </a:t>
+                </a:r>
                 <a14:m>
                   <m:oMath xmlns:m="http://schemas.openxmlformats.org/officeDocument/2006/math">
                     <m:sSub>
@@ -18304,17 +18820,8 @@
                   <a:rPr lang="en-US" altLang="ko-KR" sz="1800" dirty="0">
                     <a:sym typeface="Wingdings" panose="05000000000000000000" pitchFamily="2" charset="2"/>
                   </a:rPr>
-                  <a:t>Data format: </a:t>
+                  <a:t>Raw data format: </a:t>
                 </a:r>
-              </a:p>
-              <a:p>
-                <a:pPr marL="742950" lvl="1" indent="-285750">
-                  <a:buFont typeface="Arial" panose="020B0604020202020204" pitchFamily="34" charset="0"/>
-                  <a:buChar char="•"/>
-                </a:pPr>
-                <a:endParaRPr lang="en-US" altLang="ko-KR" sz="1400" dirty="0">
-                  <a:sym typeface="Wingdings" panose="05000000000000000000" pitchFamily="2" charset="2"/>
-                </a:endParaRPr>
               </a:p>
               <a:p>
                 <a:pPr marL="742950" lvl="1" indent="-285750">
@@ -18333,20 +18840,140 @@
                   <a:buFont typeface="Arial" panose="020B0604020202020204" pitchFamily="34" charset="0"/>
                   <a:buChar char="•"/>
                 </a:pPr>
+                <a:r>
+                  <a:rPr lang="en-US" altLang="ko-KR" sz="1400" dirty="0">
+                    <a:sym typeface="Wingdings" panose="05000000000000000000" pitchFamily="2" charset="2"/>
+                  </a:rPr>
+                  <a:t>12 bits: 0  4095 (‘000’  ‘FFF’)</a:t>
+                </a:r>
+              </a:p>
+              <a:p>
+                <a:pPr marL="742950" lvl="1" indent="-285750"/>
+                <a:r>
+                  <a:rPr lang="en-US" altLang="ko-KR" sz="1400" dirty="0">
+                    <a:sym typeface="Wingdings" panose="05000000000000000000" pitchFamily="2" charset="2"/>
+                  </a:rPr>
+                  <a:t>Number of samples:  1320*</a:t>
+                </a:r>
+                <a14:m>
+                  <m:oMath xmlns:m="http://schemas.openxmlformats.org/officeDocument/2006/math">
+                    <m:r>
+                      <a:rPr lang="en-US" altLang="ko-KR" sz="1400" i="1" smtClean="0">
+                        <a:latin typeface="Cambria Math" panose="02040503050406030204" pitchFamily="18" charset="0"/>
+                        <a:sym typeface="Wingdings" panose="05000000000000000000" pitchFamily="2" charset="2"/>
+                      </a:rPr>
+                      <m:t>0</m:t>
+                    </m:r>
+                    <m:r>
+                      <a:rPr lang="en-US" altLang="ko-KR" sz="1400" b="0" i="1" smtClean="0">
+                        <a:latin typeface="Cambria Math" panose="02040503050406030204" pitchFamily="18" charset="0"/>
+                        <a:sym typeface="Wingdings" panose="05000000000000000000" pitchFamily="2" charset="2"/>
+                      </a:rPr>
+                      <m:t>.0025</m:t>
+                    </m:r>
+                    <m:r>
+                      <a:rPr lang="en-US" altLang="ko-KR" sz="1400" b="0" i="1" smtClean="0">
+                        <a:latin typeface="Cambria Math" panose="02040503050406030204" pitchFamily="18" charset="0"/>
+                        <a:ea typeface="Cambria Math" panose="02040503050406030204" pitchFamily="18" charset="0"/>
+                        <a:sym typeface="Wingdings" panose="05000000000000000000" pitchFamily="2" charset="2"/>
+                      </a:rPr>
+                      <m:t>×</m:t>
+                    </m:r>
+                    <m:sSup>
+                      <m:sSupPr>
+                        <m:ctrlPr>
+                          <a:rPr lang="en-US" altLang="ko-KR" sz="1400" i="1">
+                            <a:latin typeface="Cambria Math" panose="02040503050406030204" pitchFamily="18" charset="0"/>
+                            <a:sym typeface="Wingdings" panose="05000000000000000000" pitchFamily="2" charset="2"/>
+                          </a:rPr>
+                        </m:ctrlPr>
+                      </m:sSupPr>
+                      <m:e>
+                        <m:r>
+                          <a:rPr lang="en-US" altLang="ko-KR" sz="1400" i="1">
+                            <a:latin typeface="Cambria Math" panose="02040503050406030204" pitchFamily="18" charset="0"/>
+                            <a:sym typeface="Wingdings" panose="05000000000000000000" pitchFamily="2" charset="2"/>
+                          </a:rPr>
+                          <m:t>10</m:t>
+                        </m:r>
+                      </m:e>
+                      <m:sup>
+                        <m:r>
+                          <a:rPr lang="en-US" altLang="ko-KR" sz="1400" b="0" i="1" smtClean="0">
+                            <a:latin typeface="Cambria Math" panose="02040503050406030204" pitchFamily="18" charset="0"/>
+                            <a:sym typeface="Wingdings" panose="05000000000000000000" pitchFamily="2" charset="2"/>
+                          </a:rPr>
+                          <m:t>−4</m:t>
+                        </m:r>
+                      </m:sup>
+                    </m:sSup>
+                  </m:oMath>
+                </a14:m>
+                <a:r>
+                  <a:rPr lang="en-US" altLang="ko-KR" sz="1400" dirty="0">
+                    <a:sym typeface="Wingdings" panose="05000000000000000000" pitchFamily="2" charset="2"/>
+                  </a:rPr>
+                  <a:t>=330* </a:t>
+                </a:r>
+                <a14:m>
+                  <m:oMath xmlns:m="http://schemas.openxmlformats.org/officeDocument/2006/math">
+                    <m:sSup>
+                      <m:sSupPr>
+                        <m:ctrlPr>
+                          <a:rPr lang="en-US" altLang="ko-KR" sz="1400" i="1">
+                            <a:latin typeface="Cambria Math" panose="02040503050406030204" pitchFamily="18" charset="0"/>
+                            <a:sym typeface="Wingdings" panose="05000000000000000000" pitchFamily="2" charset="2"/>
+                          </a:rPr>
+                        </m:ctrlPr>
+                      </m:sSupPr>
+                      <m:e>
+                        <m:r>
+                          <a:rPr lang="en-US" altLang="ko-KR" sz="1400" i="1">
+                            <a:latin typeface="Cambria Math" panose="02040503050406030204" pitchFamily="18" charset="0"/>
+                            <a:sym typeface="Wingdings" panose="05000000000000000000" pitchFamily="2" charset="2"/>
+                          </a:rPr>
+                          <m:t>10</m:t>
+                        </m:r>
+                      </m:e>
+                      <m:sup>
+                        <m:r>
+                          <a:rPr lang="en-US" altLang="ko-KR" sz="1400" i="1">
+                            <a:latin typeface="Cambria Math" panose="02040503050406030204" pitchFamily="18" charset="0"/>
+                            <a:sym typeface="Wingdings" panose="05000000000000000000" pitchFamily="2" charset="2"/>
+                          </a:rPr>
+                          <m:t>−</m:t>
+                        </m:r>
+                        <m:r>
+                          <a:rPr lang="en-US" altLang="ko-KR" sz="1400" b="0" i="1" smtClean="0">
+                            <a:latin typeface="Cambria Math" panose="02040503050406030204" pitchFamily="18" charset="0"/>
+                            <a:sym typeface="Wingdings" panose="05000000000000000000" pitchFamily="2" charset="2"/>
+                          </a:rPr>
+                          <m:t>6</m:t>
+                        </m:r>
+                      </m:sup>
+                    </m:sSup>
+                  </m:oMath>
+                </a14:m>
                 <a:endParaRPr lang="en-US" altLang="ko-KR" sz="1400" dirty="0">
                   <a:sym typeface="Wingdings" panose="05000000000000000000" pitchFamily="2" charset="2"/>
                 </a:endParaRPr>
               </a:p>
               <a:p>
-                <a:pPr marL="742950" lvl="1" indent="-285750">
-                  <a:buFont typeface="Arial" panose="020B0604020202020204" pitchFamily="34" charset="0"/>
-                  <a:buChar char="•"/>
-                </a:pPr>
+                <a:pPr marL="1200150" lvl="2" indent="-285750"/>
                 <a:r>
-                  <a:rPr lang="en-US" altLang="ko-KR" sz="1400" dirty="0">
+                  <a:rPr lang="en-US" altLang="ko-KR" sz="1200" dirty="0">
                     <a:sym typeface="Wingdings" panose="05000000000000000000" pitchFamily="2" charset="2"/>
                   </a:rPr>
-                  <a:t>12 bits: 0  4095 (‘000’  ‘FFF’)</a:t>
+                  <a:t>Beacon part</a:t>
+                </a:r>
+              </a:p>
+              <a:p>
+                <a:pPr marL="1200150" lvl="2" indent="-285750"/>
+                <a:r>
+                  <a:rPr lang="en-US" altLang="ko-KR" sz="1200" dirty="0">
+                    <a:sym typeface="Wingdings" panose="05000000000000000000" pitchFamily="2" charset="2"/>
+                  </a:rPr>
+                  <a:t>Two frequencies: Tip Beacon and Ring Beacon</a:t>
                 </a:r>
               </a:p>
               <a:p>
@@ -18421,8 +19048,8 @@
         </p:blipFill>
         <p:spPr>
           <a:xfrm>
-            <a:off x="7299093" y="2844475"/>
-            <a:ext cx="4783355" cy="2326615"/>
+            <a:off x="6927980" y="1102385"/>
+            <a:ext cx="5075988" cy="2468951"/>
           </a:xfrm>
           <a:prstGeom prst="rect">
             <a:avLst/>
@@ -18448,7 +19075,7 @@
         </p:nvSpPr>
         <p:spPr>
           <a:xfrm>
-            <a:off x="5785945" y="2778558"/>
+            <a:off x="5785945" y="2050250"/>
             <a:ext cx="1513147" cy="430887"/>
           </a:xfrm>
           <a:prstGeom prst="rect">
@@ -18494,10 +19121,367 @@
           </a:p>
         </p:txBody>
       </p:sp>
+      <p:grpSp>
+        <p:nvGrpSpPr>
+          <p:cNvPr id="9" name="Group 8">
+            <a:extLst>
+              <a:ext uri="{FF2B5EF4-FFF2-40B4-BE49-F238E27FC236}">
+                <a16:creationId xmlns:a16="http://schemas.microsoft.com/office/drawing/2014/main" id="{9BAB8FB1-3F51-45F0-A23F-BFAEA125BE93}"/>
+              </a:ext>
+            </a:extLst>
+          </p:cNvPr>
+          <p:cNvGrpSpPr/>
+          <p:nvPr/>
+        </p:nvGrpSpPr>
+        <p:grpSpPr>
+          <a:xfrm>
+            <a:off x="5443268" y="4501822"/>
+            <a:ext cx="6560699" cy="1777601"/>
+            <a:chOff x="5443268" y="4312041"/>
+            <a:chExt cx="6560699" cy="1777601"/>
+          </a:xfrm>
+        </p:grpSpPr>
+        <p:pic>
+          <p:nvPicPr>
+            <p:cNvPr id="3" name="Picture 2">
+              <a:extLst>
+                <a:ext uri="{FF2B5EF4-FFF2-40B4-BE49-F238E27FC236}">
+                  <a16:creationId xmlns:a16="http://schemas.microsoft.com/office/drawing/2014/main" id="{FAB3608F-C86E-4D79-8B60-88521972C4A4}"/>
+                </a:ext>
+              </a:extLst>
+            </p:cNvPr>
+            <p:cNvPicPr>
+              <a:picLocks noChangeAspect="1"/>
+            </p:cNvPicPr>
+            <p:nvPr/>
+          </p:nvPicPr>
+          <p:blipFill>
+            <a:blip r:embed="rId4"/>
+            <a:stretch>
+              <a:fillRect/>
+            </a:stretch>
+          </p:blipFill>
+          <p:spPr>
+            <a:xfrm>
+              <a:off x="5443268" y="4337919"/>
+              <a:ext cx="6560699" cy="1751723"/>
+            </a:xfrm>
+            <a:prstGeom prst="rect">
+              <a:avLst/>
+            </a:prstGeom>
+          </p:spPr>
+        </p:pic>
+        <p:sp>
+          <p:nvSpPr>
+            <p:cNvPr id="8" name="Rectangle 7">
+              <a:extLst>
+                <a:ext uri="{FF2B5EF4-FFF2-40B4-BE49-F238E27FC236}">
+                  <a16:creationId xmlns:a16="http://schemas.microsoft.com/office/drawing/2014/main" id="{A798182F-F775-4708-8D21-96EC33A6C60C}"/>
+                </a:ext>
+              </a:extLst>
+            </p:cNvPr>
+            <p:cNvSpPr/>
+            <p:nvPr/>
+          </p:nvSpPr>
+          <p:spPr>
+            <a:xfrm>
+              <a:off x="5443268" y="4312041"/>
+              <a:ext cx="431321" cy="1751723"/>
+            </a:xfrm>
+            <a:prstGeom prst="rect">
+              <a:avLst/>
+            </a:prstGeom>
+            <a:noFill/>
+            <a:ln w="28575">
+              <a:solidFill>
+                <a:srgbClr val="E60000"/>
+              </a:solidFill>
+            </a:ln>
+          </p:spPr>
+          <p:style>
+            <a:lnRef idx="2">
+              <a:schemeClr val="accent1">
+                <a:shade val="50000"/>
+              </a:schemeClr>
+            </a:lnRef>
+            <a:fillRef idx="1">
+              <a:schemeClr val="accent1"/>
+            </a:fillRef>
+            <a:effectRef idx="0">
+              <a:schemeClr val="accent1"/>
+            </a:effectRef>
+            <a:fontRef idx="minor">
+              <a:schemeClr val="lt1"/>
+            </a:fontRef>
+          </p:style>
+          <p:txBody>
+            <a:bodyPr rtlCol="0" anchor="ctr"/>
+            <a:lstStyle/>
+            <a:p>
+              <a:pPr algn="ctr"/>
+              <a:endParaRPr lang="en-US"/>
+            </a:p>
+          </p:txBody>
+        </p:sp>
+      </p:grpSp>
     </p:spTree>
     <p:extLst>
       <p:ext uri="{BB962C8B-B14F-4D97-AF65-F5344CB8AC3E}">
         <p14:creationId xmlns:p14="http://schemas.microsoft.com/office/powerpoint/2010/main" val="3282025633"/>
+      </p:ext>
+    </p:extLst>
+  </p:cSld>
+  <p:clrMapOvr>
+    <a:masterClrMapping/>
+  </p:clrMapOvr>
+</p:sld>
+</file>
+
+<file path=ppt/slides/slide30.xml><?xml version="1.0" encoding="utf-8"?>
+<p:sld xmlns:a="http://schemas.openxmlformats.org/drawingml/2006/main" xmlns:r="http://schemas.openxmlformats.org/officeDocument/2006/relationships" xmlns:p="http://schemas.openxmlformats.org/presentationml/2006/main">
+  <p:cSld>
+    <p:spTree>
+      <p:nvGrpSpPr>
+        <p:cNvPr id="1" name=""/>
+        <p:cNvGrpSpPr/>
+        <p:nvPr/>
+      </p:nvGrpSpPr>
+      <p:grpSpPr>
+        <a:xfrm>
+          <a:off x="0" y="0"/>
+          <a:ext cx="0" cy="0"/>
+          <a:chOff x="0" y="0"/>
+          <a:chExt cx="0" cy="0"/>
+        </a:xfrm>
+      </p:grpSpPr>
+      <p:sp>
+        <p:nvSpPr>
+          <p:cNvPr id="10" name="제목 9">
+            <a:extLst>
+              <a:ext uri="{FF2B5EF4-FFF2-40B4-BE49-F238E27FC236}">
+                <a16:creationId xmlns:a16="http://schemas.microsoft.com/office/drawing/2014/main" id="{798354F4-E37B-4A27-827D-07FFF75DD784}"/>
+              </a:ext>
+            </a:extLst>
+          </p:cNvPr>
+          <p:cNvSpPr>
+            <a:spLocks noGrp="1"/>
+          </p:cNvSpPr>
+          <p:nvPr>
+            <p:ph type="title"/>
+          </p:nvPr>
+        </p:nvSpPr>
+        <p:spPr/>
+        <p:txBody>
+          <a:bodyPr/>
+          <a:lstStyle/>
+          <a:p>
+            <a:r>
+              <a:rPr lang="en-US" altLang="ko-KR" dirty="0"/>
+              <a:t>Signal reconstruction and FFT</a:t>
+            </a:r>
+            <a:endParaRPr lang="ko-KR" altLang="en-US" dirty="0"/>
+          </a:p>
+        </p:txBody>
+      </p:sp>
+      <p:sp>
+        <p:nvSpPr>
+          <p:cNvPr id="11" name="내용 개체 틀 10">
+            <a:extLst>
+              <a:ext uri="{FF2B5EF4-FFF2-40B4-BE49-F238E27FC236}">
+                <a16:creationId xmlns:a16="http://schemas.microsoft.com/office/drawing/2014/main" id="{1D00540D-97E2-4095-BE28-0FB839C14ED5}"/>
+              </a:ext>
+            </a:extLst>
+          </p:cNvPr>
+          <p:cNvSpPr>
+            <a:spLocks noGrp="1"/>
+          </p:cNvSpPr>
+          <p:nvPr>
+            <p:ph idx="1"/>
+          </p:nvPr>
+        </p:nvSpPr>
+        <p:spPr>
+          <a:xfrm>
+            <a:off x="188033" y="846515"/>
+            <a:ext cx="5854628" cy="5560147"/>
+          </a:xfrm>
+        </p:spPr>
+        <p:txBody>
+          <a:bodyPr/>
+          <a:lstStyle/>
+          <a:p>
+            <a:r>
+              <a:rPr lang="en-US" altLang="ko-KR" dirty="0">
+                <a:sym typeface="Wingdings" panose="05000000000000000000" pitchFamily="2" charset="2"/>
+              </a:rPr>
+              <a:t>R6</a:t>
+            </a:r>
+          </a:p>
+          <a:p>
+            <a:endParaRPr lang="ko-KR" altLang="en-US" dirty="0"/>
+          </a:p>
+        </p:txBody>
+      </p:sp>
+      <p:pic>
+        <p:nvPicPr>
+          <p:cNvPr id="3" name="Picture 2">
+            <a:extLst>
+              <a:ext uri="{FF2B5EF4-FFF2-40B4-BE49-F238E27FC236}">
+                <a16:creationId xmlns:a16="http://schemas.microsoft.com/office/drawing/2014/main" id="{AF4D408A-21D2-459C-8465-7318DD0FA0F8}"/>
+              </a:ext>
+            </a:extLst>
+          </p:cNvPr>
+          <p:cNvPicPr>
+            <a:picLocks noChangeAspect="1"/>
+          </p:cNvPicPr>
+          <p:nvPr/>
+        </p:nvPicPr>
+        <p:blipFill>
+          <a:blip r:embed="rId2"/>
+          <a:stretch>
+            <a:fillRect/>
+          </a:stretch>
+        </p:blipFill>
+        <p:spPr>
+          <a:xfrm>
+            <a:off x="1865376" y="963902"/>
+            <a:ext cx="8696313" cy="5325371"/>
+          </a:xfrm>
+          <a:prstGeom prst="rect">
+            <a:avLst/>
+          </a:prstGeom>
+        </p:spPr>
+      </p:pic>
+    </p:spTree>
+    <p:extLst>
+      <p:ext uri="{BB962C8B-B14F-4D97-AF65-F5344CB8AC3E}">
+        <p14:creationId xmlns:p14="http://schemas.microsoft.com/office/powerpoint/2010/main" val="1786110277"/>
+      </p:ext>
+    </p:extLst>
+  </p:cSld>
+  <p:clrMapOvr>
+    <a:masterClrMapping/>
+  </p:clrMapOvr>
+</p:sld>
+</file>
+
+<file path=ppt/slides/slide31.xml><?xml version="1.0" encoding="utf-8"?>
+<p:sld xmlns:a="http://schemas.openxmlformats.org/drawingml/2006/main" xmlns:r="http://schemas.openxmlformats.org/officeDocument/2006/relationships" xmlns:p="http://schemas.openxmlformats.org/presentationml/2006/main">
+  <p:cSld>
+    <p:spTree>
+      <p:nvGrpSpPr>
+        <p:cNvPr id="1" name=""/>
+        <p:cNvGrpSpPr/>
+        <p:nvPr/>
+      </p:nvGrpSpPr>
+      <p:grpSpPr>
+        <a:xfrm>
+          <a:off x="0" y="0"/>
+          <a:ext cx="0" cy="0"/>
+          <a:chOff x="0" y="0"/>
+          <a:chExt cx="0" cy="0"/>
+        </a:xfrm>
+      </p:grpSpPr>
+      <p:sp>
+        <p:nvSpPr>
+          <p:cNvPr id="10" name="제목 9">
+            <a:extLst>
+              <a:ext uri="{FF2B5EF4-FFF2-40B4-BE49-F238E27FC236}">
+                <a16:creationId xmlns:a16="http://schemas.microsoft.com/office/drawing/2014/main" id="{798354F4-E37B-4A27-827D-07FFF75DD784}"/>
+              </a:ext>
+            </a:extLst>
+          </p:cNvPr>
+          <p:cNvSpPr>
+            <a:spLocks noGrp="1"/>
+          </p:cNvSpPr>
+          <p:nvPr>
+            <p:ph type="title"/>
+          </p:nvPr>
+        </p:nvSpPr>
+        <p:spPr/>
+        <p:txBody>
+          <a:bodyPr/>
+          <a:lstStyle/>
+          <a:p>
+            <a:r>
+              <a:rPr lang="en-US" altLang="ko-KR" dirty="0"/>
+              <a:t>Signal reconstruction and FFT</a:t>
+            </a:r>
+            <a:endParaRPr lang="ko-KR" altLang="en-US" dirty="0"/>
+          </a:p>
+        </p:txBody>
+      </p:sp>
+      <p:sp>
+        <p:nvSpPr>
+          <p:cNvPr id="11" name="내용 개체 틀 10">
+            <a:extLst>
+              <a:ext uri="{FF2B5EF4-FFF2-40B4-BE49-F238E27FC236}">
+                <a16:creationId xmlns:a16="http://schemas.microsoft.com/office/drawing/2014/main" id="{1D00540D-97E2-4095-BE28-0FB839C14ED5}"/>
+              </a:ext>
+            </a:extLst>
+          </p:cNvPr>
+          <p:cNvSpPr>
+            <a:spLocks noGrp="1"/>
+          </p:cNvSpPr>
+          <p:nvPr>
+            <p:ph idx="1"/>
+          </p:nvPr>
+        </p:nvSpPr>
+        <p:spPr>
+          <a:xfrm>
+            <a:off x="188033" y="846515"/>
+            <a:ext cx="5854628" cy="5560147"/>
+          </a:xfrm>
+        </p:spPr>
+        <p:txBody>
+          <a:bodyPr/>
+          <a:lstStyle/>
+          <a:p>
+            <a:r>
+              <a:rPr lang="en-US" altLang="ko-KR" dirty="0">
+                <a:sym typeface="Wingdings" panose="05000000000000000000" pitchFamily="2" charset="2"/>
+              </a:rPr>
+              <a:t>R7</a:t>
+            </a:r>
+          </a:p>
+          <a:p>
+            <a:endParaRPr lang="ko-KR" altLang="en-US" dirty="0"/>
+          </a:p>
+        </p:txBody>
+      </p:sp>
+      <p:pic>
+        <p:nvPicPr>
+          <p:cNvPr id="3" name="Picture 2">
+            <a:extLst>
+              <a:ext uri="{FF2B5EF4-FFF2-40B4-BE49-F238E27FC236}">
+                <a16:creationId xmlns:a16="http://schemas.microsoft.com/office/drawing/2014/main" id="{15FEBF24-4FEF-4980-AF2A-CF201BDF93A6}"/>
+              </a:ext>
+            </a:extLst>
+          </p:cNvPr>
+          <p:cNvPicPr>
+            <a:picLocks noChangeAspect="1"/>
+          </p:cNvPicPr>
+          <p:nvPr/>
+        </p:nvPicPr>
+        <p:blipFill>
+          <a:blip r:embed="rId2"/>
+          <a:stretch>
+            <a:fillRect/>
+          </a:stretch>
+        </p:blipFill>
+        <p:spPr>
+          <a:xfrm>
+            <a:off x="1892808" y="846516"/>
+            <a:ext cx="9411422" cy="5552862"/>
+          </a:xfrm>
+          <a:prstGeom prst="rect">
+            <a:avLst/>
+          </a:prstGeom>
+        </p:spPr>
+      </p:pic>
+    </p:spTree>
+    <p:extLst>
+      <p:ext uri="{BB962C8B-B14F-4D97-AF65-F5344CB8AC3E}">
+        <p14:creationId xmlns:p14="http://schemas.microsoft.com/office/powerpoint/2010/main" val="1600255576"/>
       </p:ext>
     </p:extLst>
   </p:cSld>
@@ -18546,8 +19530,8 @@
           <a:lstStyle/>
           <a:p>
             <a:r>
-              <a:rPr lang="en-US" altLang="ko-KR" sz="2800" dirty="0"/>
-              <a:t>Data conversion</a:t>
+              <a:rPr lang="en-US" altLang="ko-KR" dirty="0"/>
+              <a:t>Data processing</a:t>
             </a:r>
             <a:endParaRPr lang="ko-KR" altLang="en-US" dirty="0"/>
           </a:p>
@@ -18572,7 +19556,7 @@
         <p:spPr>
           <a:xfrm>
             <a:off x="188033" y="846515"/>
-            <a:ext cx="5854628" cy="5560147"/>
+            <a:ext cx="4564191" cy="5560147"/>
           </a:xfrm>
         </p:spPr>
         <p:txBody>
@@ -18587,7 +19571,31 @@
               <a:rPr lang="en-US" altLang="ko-KR" dirty="0">
                 <a:sym typeface="Wingdings" panose="05000000000000000000" pitchFamily="2" charset="2"/>
               </a:rPr>
-              <a:t>Data:</a:t>
+              <a:t>Raw data:</a:t>
+            </a:r>
+          </a:p>
+          <a:p>
+            <a:pPr marL="285750" indent="-285750">
+              <a:buFont typeface="Arial" panose="020B0604020202020204" pitchFamily="34" charset="0"/>
+              <a:buChar char="•"/>
+            </a:pPr>
+            <a:r>
+              <a:rPr lang="en-US" altLang="ko-KR" dirty="0">
+                <a:sym typeface="Wingdings" panose="05000000000000000000" pitchFamily="2" charset="2"/>
+              </a:rPr>
+              <a:t>Processed data:</a:t>
+            </a:r>
+          </a:p>
+          <a:p>
+            <a:pPr marL="285750" indent="-285750">
+              <a:buFont typeface="Arial" panose="020B0604020202020204" pitchFamily="34" charset="0"/>
+              <a:buChar char="•"/>
+            </a:pPr>
+            <a:r>
+              <a:rPr lang="en-US" altLang="ko-KR" dirty="0">
+                <a:sym typeface="Wingdings" panose="05000000000000000000" pitchFamily="2" charset="2"/>
+              </a:rPr>
+              <a:t>Frequency data:</a:t>
             </a:r>
           </a:p>
           <a:p>
@@ -18597,10 +19605,10 @@
       </p:sp>
       <p:grpSp>
         <p:nvGrpSpPr>
-          <p:cNvPr id="6" name="Group 5">
+          <p:cNvPr id="3" name="Group 2">
             <a:extLst>
               <a:ext uri="{FF2B5EF4-FFF2-40B4-BE49-F238E27FC236}">
-                <a16:creationId xmlns:a16="http://schemas.microsoft.com/office/drawing/2014/main" id="{8F0CA1C4-024D-45D5-A4CD-CDF48037C68C}"/>
+                <a16:creationId xmlns:a16="http://schemas.microsoft.com/office/drawing/2014/main" id="{B9D6EAC3-8F21-427A-8A8D-D1A34B3C41CB}"/>
               </a:ext>
             </a:extLst>
           </p:cNvPr>
@@ -18609,18 +19617,88 @@
         </p:nvGrpSpPr>
         <p:grpSpPr>
           <a:xfrm>
-            <a:off x="3115347" y="1029259"/>
-            <a:ext cx="7636108" cy="5194657"/>
-            <a:chOff x="4403492" y="1056402"/>
-            <a:chExt cx="7636108" cy="5194657"/>
+            <a:off x="4157179" y="2270270"/>
+            <a:ext cx="7032067" cy="3022043"/>
+            <a:chOff x="5401894" y="3331059"/>
+            <a:chExt cx="7032067" cy="3022043"/>
           </a:xfrm>
         </p:grpSpPr>
+        <p:sp>
+          <p:nvSpPr>
+            <p:cNvPr id="18" name="TextBox 17">
+              <a:extLst>
+                <a:ext uri="{FF2B5EF4-FFF2-40B4-BE49-F238E27FC236}">
+                  <a16:creationId xmlns:a16="http://schemas.microsoft.com/office/drawing/2014/main" id="{F3C4BF84-D49A-43AC-AAA2-D31E4B72AF70}"/>
+                </a:ext>
+              </a:extLst>
+            </p:cNvPr>
+            <p:cNvSpPr txBox="1"/>
+            <p:nvPr/>
+          </p:nvSpPr>
+          <p:spPr>
+            <a:xfrm>
+              <a:off x="6120116" y="4278377"/>
+              <a:ext cx="1220599" cy="276999"/>
+            </a:xfrm>
+            <a:prstGeom prst="rect">
+              <a:avLst/>
+            </a:prstGeom>
+            <a:noFill/>
+          </p:spPr>
+          <p:txBody>
+            <a:bodyPr wrap="square" rtlCol="0">
+              <a:spAutoFit/>
+            </a:bodyPr>
+            <a:lstStyle/>
+            <a:p>
+              <a:r>
+                <a:rPr lang="en-US" sz="1200" i="1" dirty="0"/>
+                <a:t>Hex-to-dec</a:t>
+              </a:r>
+            </a:p>
+          </p:txBody>
+        </p:sp>
+        <p:sp>
+          <p:nvSpPr>
+            <p:cNvPr id="19" name="TextBox 18">
+              <a:extLst>
+                <a:ext uri="{FF2B5EF4-FFF2-40B4-BE49-F238E27FC236}">
+                  <a16:creationId xmlns:a16="http://schemas.microsoft.com/office/drawing/2014/main" id="{17E87EB6-5C90-4F2B-A428-A24FE04510D5}"/>
+                </a:ext>
+              </a:extLst>
+            </p:cNvPr>
+            <p:cNvSpPr txBox="1"/>
+            <p:nvPr/>
+          </p:nvSpPr>
+          <p:spPr>
+            <a:xfrm>
+              <a:off x="10299582" y="4278377"/>
+              <a:ext cx="1187721" cy="276999"/>
+            </a:xfrm>
+            <a:prstGeom prst="rect">
+              <a:avLst/>
+            </a:prstGeom>
+            <a:noFill/>
+          </p:spPr>
+          <p:txBody>
+            <a:bodyPr wrap="square" rtlCol="0">
+              <a:spAutoFit/>
+            </a:bodyPr>
+            <a:lstStyle/>
+            <a:p>
+              <a:r>
+                <a:rPr lang="en-US" sz="1200" i="1" dirty="0"/>
+                <a:t>FFT transform </a:t>
+              </a:r>
+            </a:p>
+          </p:txBody>
+        </p:sp>
         <p:grpSp>
           <p:nvGrpSpPr>
-            <p:cNvPr id="7" name="Group 6">
+            <p:cNvPr id="2" name="Group 1">
               <a:extLst>
                 <a:ext uri="{FF2B5EF4-FFF2-40B4-BE49-F238E27FC236}">
-                  <a16:creationId xmlns:a16="http://schemas.microsoft.com/office/drawing/2014/main" id="{BE9A60E6-8272-43D4-B5CE-856B4B6A2106}"/>
+                  <a16:creationId xmlns:a16="http://schemas.microsoft.com/office/drawing/2014/main" id="{87C33173-FD19-4C82-8568-9E8237D600CD}"/>
                 </a:ext>
               </a:extLst>
             </p:cNvPr>
@@ -18629,10 +19707,10 @@
           </p:nvGrpSpPr>
           <p:grpSpPr>
             <a:xfrm>
-              <a:off x="4403492" y="1056402"/>
-              <a:ext cx="7636108" cy="5167382"/>
-              <a:chOff x="4403492" y="1056402"/>
-              <a:chExt cx="7636108" cy="5167382"/>
+              <a:off x="5401894" y="3331059"/>
+              <a:ext cx="7032067" cy="3022043"/>
+              <a:chOff x="3524957" y="3210804"/>
+              <a:chExt cx="7032067" cy="3022043"/>
             </a:xfrm>
           </p:grpSpPr>
           <p:grpSp>
@@ -18649,10 +19727,10 @@
             </p:nvGrpSpPr>
             <p:grpSpPr>
               <a:xfrm>
-                <a:off x="5390894" y="3238971"/>
-                <a:ext cx="4235687" cy="2984813"/>
-                <a:chOff x="5451965" y="1364949"/>
-                <a:chExt cx="5491098" cy="4352925"/>
+                <a:off x="3524957" y="3218359"/>
+                <a:ext cx="4813480" cy="3014488"/>
+                <a:chOff x="4702921" y="1374474"/>
+                <a:chExt cx="6240142" cy="4396201"/>
               </a:xfrm>
             </p:grpSpPr>
             <p:pic>
@@ -18677,7 +19755,7 @@
               </p:blipFill>
               <p:spPr>
                 <a:xfrm>
-                  <a:off x="5451965" y="1412575"/>
+                  <a:off x="4702921" y="1452352"/>
                   <a:ext cx="771525" cy="4305299"/>
                 </a:xfrm>
                 <a:prstGeom prst="rect">
@@ -18712,7 +19790,7 @@
               </p:blipFill>
               <p:spPr>
                 <a:xfrm>
-                  <a:off x="7826029" y="1364949"/>
+                  <a:off x="7125738" y="1455850"/>
                   <a:ext cx="1190626" cy="4314825"/>
                 </a:xfrm>
                 <a:prstGeom prst="rect">
@@ -18774,8 +19852,8 @@
               </p:nvSpPr>
               <p:spPr>
                 <a:xfrm>
-                  <a:off x="6311575" y="3429001"/>
-                  <a:ext cx="1408869" cy="263107"/>
+                  <a:off x="5704664" y="3429001"/>
+                  <a:ext cx="1190626" cy="263107"/>
                 </a:xfrm>
                 <a:prstGeom prst="rightArrow">
                   <a:avLst/>
@@ -18813,556 +19891,190 @@
               </p:txBody>
             </p:sp>
           </p:grpSp>
-          <p:grpSp>
-            <p:nvGrpSpPr>
-              <p:cNvPr id="14" name="Group 13">
+          <p:sp>
+            <p:nvSpPr>
+              <p:cNvPr id="8" name="Arrow: Right 7">
                 <a:extLst>
                   <a:ext uri="{FF2B5EF4-FFF2-40B4-BE49-F238E27FC236}">
-                    <a16:creationId xmlns:a16="http://schemas.microsoft.com/office/drawing/2014/main" id="{2138135B-947B-48E8-9E02-31F1F66B9DD5}"/>
+                    <a16:creationId xmlns:a16="http://schemas.microsoft.com/office/drawing/2014/main" id="{14045C5B-5CCF-45FC-85FE-45FC679AA719}"/>
                   </a:ext>
                 </a:extLst>
               </p:cNvPr>
-              <p:cNvGrpSpPr/>
+              <p:cNvSpPr/>
               <p:nvPr/>
-            </p:nvGrpSpPr>
-            <p:grpSpPr>
+            </p:nvSpPr>
+            <p:spPr>
               <a:xfrm>
-                <a:off x="4403492" y="1056402"/>
-                <a:ext cx="7636108" cy="1874968"/>
-                <a:chOff x="4543350" y="1783735"/>
-                <a:chExt cx="7636108" cy="1874968"/>
+                <a:off x="8626214" y="4617293"/>
+                <a:ext cx="822900" cy="180413"/>
               </a:xfrm>
-            </p:grpSpPr>
-            <p:grpSp>
-              <p:nvGrpSpPr>
-                <p:cNvPr id="15" name="Group 14">
-                  <a:extLst>
-                    <a:ext uri="{FF2B5EF4-FFF2-40B4-BE49-F238E27FC236}">
-                      <a16:creationId xmlns:a16="http://schemas.microsoft.com/office/drawing/2014/main" id="{813E41A1-51BB-4678-BC86-9A21BFEDCE61}"/>
-                    </a:ext>
-                  </a:extLst>
-                </p:cNvPr>
-                <p:cNvGrpSpPr/>
-                <p:nvPr/>
-              </p:nvGrpSpPr>
-              <p:grpSpPr>
-                <a:xfrm>
-                  <a:off x="4543350" y="1783735"/>
-                  <a:ext cx="7636108" cy="617416"/>
-                  <a:chOff x="2378488" y="4511304"/>
-                  <a:chExt cx="7636108" cy="617416"/>
-                </a:xfrm>
-              </p:grpSpPr>
-              <p:sp>
-                <p:nvSpPr>
-                  <p:cNvPr id="20" name="Rectangle 19">
-                    <a:extLst>
-                      <a:ext uri="{FF2B5EF4-FFF2-40B4-BE49-F238E27FC236}">
-                        <a16:creationId xmlns:a16="http://schemas.microsoft.com/office/drawing/2014/main" id="{EF06CD13-516E-490B-9AB7-07D725375309}"/>
-                      </a:ext>
-                    </a:extLst>
-                  </p:cNvPr>
-                  <p:cNvSpPr/>
-                  <p:nvPr/>
-                </p:nvSpPr>
-                <p:spPr>
-                  <a:xfrm>
-                    <a:off x="2378488" y="4511305"/>
-                    <a:ext cx="1860061" cy="617415"/>
-                  </a:xfrm>
-                  <a:prstGeom prst="rect">
-                    <a:avLst/>
-                  </a:prstGeom>
-                </p:spPr>
-                <p:style>
-                  <a:lnRef idx="2">
-                    <a:schemeClr val="accent1">
-                      <a:shade val="50000"/>
-                    </a:schemeClr>
-                  </a:lnRef>
-                  <a:fillRef idx="1">
-                    <a:schemeClr val="accent1"/>
-                  </a:fillRef>
-                  <a:effectRef idx="0">
-                    <a:schemeClr val="accent1"/>
-                  </a:effectRef>
-                  <a:fontRef idx="minor">
-                    <a:schemeClr val="lt1"/>
-                  </a:fontRef>
-                </p:style>
-                <p:txBody>
-                  <a:bodyPr rtlCol="0" anchor="ctr"/>
-                  <a:lstStyle/>
-                  <a:p>
-                    <a:pPr algn="ctr"/>
-                    <a:r>
-                      <a:rPr lang="en-US" sz="1400" dirty="0"/>
-                      <a:t>Hexadecimal </a:t>
-                    </a:r>
-                  </a:p>
-                  <a:p>
-                    <a:pPr algn="ctr"/>
-                    <a:r>
-                      <a:rPr lang="en-US" sz="1400" dirty="0"/>
-                      <a:t>number</a:t>
-                    </a:r>
-                  </a:p>
-                </p:txBody>
-              </p:sp>
-              <p:sp>
-                <p:nvSpPr>
-                  <p:cNvPr id="21" name="Rectangle 20">
-                    <a:extLst>
-                      <a:ext uri="{FF2B5EF4-FFF2-40B4-BE49-F238E27FC236}">
-                        <a16:creationId xmlns:a16="http://schemas.microsoft.com/office/drawing/2014/main" id="{89343D88-BA4F-42E1-B9A7-5AC64FF3C8E7}"/>
-                      </a:ext>
-                    </a:extLst>
-                  </p:cNvPr>
-                  <p:cNvSpPr/>
-                  <p:nvPr/>
-                </p:nvSpPr>
-                <p:spPr>
-                  <a:xfrm>
-                    <a:off x="5242827" y="4511305"/>
-                    <a:ext cx="1860061" cy="617415"/>
-                  </a:xfrm>
-                  <a:prstGeom prst="rect">
-                    <a:avLst/>
-                  </a:prstGeom>
-                </p:spPr>
-                <p:style>
-                  <a:lnRef idx="2">
-                    <a:schemeClr val="accent1">
-                      <a:shade val="50000"/>
-                    </a:schemeClr>
-                  </a:lnRef>
-                  <a:fillRef idx="1">
-                    <a:schemeClr val="accent1"/>
-                  </a:fillRef>
-                  <a:effectRef idx="0">
-                    <a:schemeClr val="accent1"/>
-                  </a:effectRef>
-                  <a:fontRef idx="minor">
-                    <a:schemeClr val="lt1"/>
-                  </a:fontRef>
-                </p:style>
-                <p:txBody>
-                  <a:bodyPr rtlCol="0" anchor="ctr"/>
-                  <a:lstStyle/>
-                  <a:p>
-                    <a:pPr algn="ctr"/>
-                    <a:r>
-                      <a:rPr lang="en-US" sz="1400" dirty="0"/>
-                      <a:t>Real numbers</a:t>
-                    </a:r>
-                  </a:p>
-                  <a:p>
-                    <a:pPr algn="ctr"/>
-                    <a:r>
-                      <a:rPr lang="en-US" sz="900" i="1" dirty="0">
-                        <a:solidFill>
-                          <a:schemeClr val="bg1"/>
-                        </a:solidFill>
-                      </a:rPr>
-                      <a:t>(with scale and subtract mean)</a:t>
-                    </a:r>
-                  </a:p>
-                </p:txBody>
-              </p:sp>
-              <p:sp>
-                <p:nvSpPr>
-                  <p:cNvPr id="22" name="Rectangle 21">
-                    <a:extLst>
-                      <a:ext uri="{FF2B5EF4-FFF2-40B4-BE49-F238E27FC236}">
-                        <a16:creationId xmlns:a16="http://schemas.microsoft.com/office/drawing/2014/main" id="{EFADFEA8-417C-479B-A52E-AE8A03B09DE2}"/>
-                      </a:ext>
-                    </a:extLst>
-                  </p:cNvPr>
-                  <p:cNvSpPr/>
-                  <p:nvPr/>
-                </p:nvSpPr>
-                <p:spPr>
-                  <a:xfrm>
-                    <a:off x="8052458" y="4511304"/>
-                    <a:ext cx="1962138" cy="617415"/>
-                  </a:xfrm>
-                  <a:prstGeom prst="rect">
-                    <a:avLst/>
-                  </a:prstGeom>
-                </p:spPr>
-                <p:style>
-                  <a:lnRef idx="2">
-                    <a:schemeClr val="accent1">
-                      <a:shade val="50000"/>
-                    </a:schemeClr>
-                  </a:lnRef>
-                  <a:fillRef idx="1">
-                    <a:schemeClr val="accent1"/>
-                  </a:fillRef>
-                  <a:effectRef idx="0">
-                    <a:schemeClr val="accent1"/>
-                  </a:effectRef>
-                  <a:fontRef idx="minor">
-                    <a:schemeClr val="lt1"/>
-                  </a:fontRef>
-                </p:style>
-                <p:txBody>
-                  <a:bodyPr rtlCol="0" anchor="ctr"/>
-                  <a:lstStyle/>
-                  <a:p>
-                    <a:pPr algn="ctr"/>
-                    <a:r>
-                      <a:rPr lang="en-US" sz="1200" dirty="0"/>
-                      <a:t>Frequency domain data</a:t>
-                    </a:r>
-                  </a:p>
-                </p:txBody>
-              </p:sp>
-            </p:grpSp>
-            <p:sp>
-              <p:nvSpPr>
-                <p:cNvPr id="16" name="Arrow: Curved Up 15">
-                  <a:extLst>
-                    <a:ext uri="{FF2B5EF4-FFF2-40B4-BE49-F238E27FC236}">
-                      <a16:creationId xmlns:a16="http://schemas.microsoft.com/office/drawing/2014/main" id="{E5CE9983-B36C-47D8-9724-3F2765AE8F2B}"/>
-                    </a:ext>
-                  </a:extLst>
-                </p:cNvPr>
-                <p:cNvSpPr/>
-                <p:nvPr/>
-              </p:nvSpPr>
-              <p:spPr>
-                <a:xfrm>
-                  <a:off x="5665965" y="2534556"/>
-                  <a:ext cx="2462033" cy="617414"/>
-                </a:xfrm>
-                <a:prstGeom prst="curvedUpArrow">
-                  <a:avLst/>
-                </a:prstGeom>
+              <a:prstGeom prst="rightArrow">
+                <a:avLst/>
+              </a:prstGeom>
+              <a:solidFill>
+                <a:srgbClr val="FF0000"/>
+              </a:solidFill>
+              <a:ln>
+                <a:noFill/>
+              </a:ln>
+            </p:spPr>
+            <p:style>
+              <a:lnRef idx="2">
+                <a:schemeClr val="accent1">
+                  <a:shade val="50000"/>
+                </a:schemeClr>
+              </a:lnRef>
+              <a:fillRef idx="1">
+                <a:schemeClr val="accent1"/>
+              </a:fillRef>
+              <a:effectRef idx="0">
+                <a:schemeClr val="accent1"/>
+              </a:effectRef>
+              <a:fontRef idx="minor">
+                <a:schemeClr val="lt1"/>
+              </a:fontRef>
+            </p:style>
+            <p:txBody>
+              <a:bodyPr rtlCol="0" anchor="ctr"/>
+              <a:lstStyle/>
+              <a:p>
+                <a:pPr algn="ctr"/>
+                <a:endParaRPr lang="en-US"/>
+              </a:p>
+            </p:txBody>
+          </p:sp>
+          <p:sp>
+            <p:nvSpPr>
+              <p:cNvPr id="9" name="Arrow: Left-Right 8">
+                <a:extLst>
+                  <a:ext uri="{FF2B5EF4-FFF2-40B4-BE49-F238E27FC236}">
+                    <a16:creationId xmlns:a16="http://schemas.microsoft.com/office/drawing/2014/main" id="{8A8C303E-77CD-448A-B23D-3F993F730AAF}"/>
+                  </a:ext>
+                </a:extLst>
+              </p:cNvPr>
+              <p:cNvSpPr/>
+              <p:nvPr/>
+            </p:nvSpPr>
+            <p:spPr>
+              <a:xfrm>
+                <a:off x="6471056" y="4627154"/>
+                <a:ext cx="1000756" cy="180413"/>
+              </a:xfrm>
+              <a:prstGeom prst="leftRightArrow">
+                <a:avLst/>
+              </a:prstGeom>
+              <a:solidFill>
+                <a:srgbClr val="7E8AA0"/>
+              </a:solidFill>
+            </p:spPr>
+            <p:style>
+              <a:lnRef idx="2">
+                <a:schemeClr val="accent1">
+                  <a:shade val="50000"/>
+                </a:schemeClr>
+              </a:lnRef>
+              <a:fillRef idx="1">
+                <a:schemeClr val="accent1"/>
+              </a:fillRef>
+              <a:effectRef idx="0">
+                <a:schemeClr val="accent1"/>
+              </a:effectRef>
+              <a:fontRef idx="minor">
+                <a:schemeClr val="lt1"/>
+              </a:fontRef>
+            </p:style>
+            <p:txBody>
+              <a:bodyPr rtlCol="0" anchor="ctr"/>
+              <a:lstStyle/>
+              <a:p>
+                <a:pPr algn="ctr"/>
+                <a:endParaRPr lang="en-US"/>
+              </a:p>
+            </p:txBody>
+          </p:sp>
+          <p:pic>
+            <p:nvPicPr>
+              <p:cNvPr id="12" name="Picture 11">
+                <a:extLst>
+                  <a:ext uri="{FF2B5EF4-FFF2-40B4-BE49-F238E27FC236}">
+                    <a16:creationId xmlns:a16="http://schemas.microsoft.com/office/drawing/2014/main" id="{B8F9C300-5FDC-48CA-A088-F5123BA0B847}"/>
+                  </a:ext>
+                </a:extLst>
+              </p:cNvPr>
+              <p:cNvPicPr>
+                <a:picLocks noChangeAspect="1"/>
+              </p:cNvPicPr>
+              <p:nvPr/>
+            </p:nvPicPr>
+            <p:blipFill>
+              <a:blip r:embed="rId5"/>
+              <a:stretch>
+                <a:fillRect/>
+              </a:stretch>
+            </p:blipFill>
+            <p:spPr>
+              <a:xfrm>
+                <a:off x="9694575" y="3210804"/>
+                <a:ext cx="862449" cy="3013112"/>
+              </a:xfrm>
+              <a:prstGeom prst="rect">
+                <a:avLst/>
+              </a:prstGeom>
+              <a:ln w="3175">
                 <a:solidFill>
-                  <a:srgbClr val="FF0000"/>
+                  <a:schemeClr val="tx1"/>
                 </a:solidFill>
-                <a:ln>
-                  <a:noFill/>
-                </a:ln>
-              </p:spPr>
-              <p:style>
-                <a:lnRef idx="2">
-                  <a:schemeClr val="accent1">
-                    <a:shade val="50000"/>
-                  </a:schemeClr>
-                </a:lnRef>
-                <a:fillRef idx="1">
-                  <a:schemeClr val="accent1"/>
-                </a:fillRef>
-                <a:effectRef idx="0">
-                  <a:schemeClr val="accent1"/>
-                </a:effectRef>
-                <a:fontRef idx="minor">
-                  <a:schemeClr val="lt1"/>
-                </a:fontRef>
-              </p:style>
-              <p:txBody>
-                <a:bodyPr rtlCol="0" anchor="ctr"/>
-                <a:lstStyle/>
-                <a:p>
-                  <a:pPr algn="ctr"/>
-                  <a:endParaRPr lang="en-US">
-                    <a:solidFill>
-                      <a:schemeClr val="tx1"/>
-                    </a:solidFill>
-                  </a:endParaRPr>
-                </a:p>
-              </p:txBody>
-            </p:sp>
-            <p:sp>
-              <p:nvSpPr>
-                <p:cNvPr id="17" name="Arrow: Curved Up 16">
-                  <a:extLst>
-                    <a:ext uri="{FF2B5EF4-FFF2-40B4-BE49-F238E27FC236}">
-                      <a16:creationId xmlns:a16="http://schemas.microsoft.com/office/drawing/2014/main" id="{FF2EFB6B-AF52-4EEB-BF25-3AC4B85672FA}"/>
-                    </a:ext>
-                  </a:extLst>
-                </p:cNvPr>
-                <p:cNvSpPr/>
-                <p:nvPr/>
-              </p:nvSpPr>
-              <p:spPr>
-                <a:xfrm>
-                  <a:off x="8622000" y="2534556"/>
-                  <a:ext cx="2331259" cy="617414"/>
-                </a:xfrm>
-                <a:prstGeom prst="curvedUpArrow">
-                  <a:avLst/>
-                </a:prstGeom>
-                <a:solidFill>
-                  <a:srgbClr val="FF0000"/>
-                </a:solidFill>
-                <a:ln>
-                  <a:noFill/>
-                </a:ln>
-              </p:spPr>
-              <p:style>
-                <a:lnRef idx="2">
-                  <a:schemeClr val="accent1">
-                    <a:shade val="50000"/>
-                  </a:schemeClr>
-                </a:lnRef>
-                <a:fillRef idx="1">
-                  <a:schemeClr val="accent1"/>
-                </a:fillRef>
-                <a:effectRef idx="0">
-                  <a:schemeClr val="accent1"/>
-                </a:effectRef>
-                <a:fontRef idx="minor">
-                  <a:schemeClr val="lt1"/>
-                </a:fontRef>
-              </p:style>
-              <p:txBody>
-                <a:bodyPr rtlCol="0" anchor="ctr"/>
-                <a:lstStyle/>
-                <a:p>
-                  <a:pPr algn="ctr"/>
-                  <a:endParaRPr lang="en-US">
-                    <a:solidFill>
-                      <a:schemeClr val="tx1"/>
-                    </a:solidFill>
-                  </a:endParaRPr>
-                </a:p>
-              </p:txBody>
-            </p:sp>
-            <p:sp>
-              <p:nvSpPr>
-                <p:cNvPr id="18" name="TextBox 17">
-                  <a:extLst>
-                    <a:ext uri="{FF2B5EF4-FFF2-40B4-BE49-F238E27FC236}">
-                      <a16:creationId xmlns:a16="http://schemas.microsoft.com/office/drawing/2014/main" id="{F3C4BF84-D49A-43AC-AAA2-D31E4B72AF70}"/>
-                    </a:ext>
-                  </a:extLst>
-                </p:cNvPr>
-                <p:cNvSpPr txBox="1"/>
-                <p:nvPr/>
-              </p:nvSpPr>
-              <p:spPr>
-                <a:xfrm>
-                  <a:off x="6588366" y="3197038"/>
-                  <a:ext cx="1220599" cy="461665"/>
-                </a:xfrm>
-                <a:prstGeom prst="rect">
-                  <a:avLst/>
-                </a:prstGeom>
-                <a:noFill/>
-              </p:spPr>
-              <p:txBody>
-                <a:bodyPr wrap="square" rtlCol="0">
-                  <a:spAutoFit/>
-                </a:bodyPr>
-                <a:lstStyle/>
-                <a:p>
-                  <a:r>
-                    <a:rPr lang="en-US" sz="1200" dirty="0"/>
-                    <a:t>Hex-to-dec</a:t>
-                  </a:r>
-                </a:p>
-                <a:p>
-                  <a:r>
-                    <a:rPr lang="en-US" sz="1200" i="1" dirty="0"/>
-                    <a:t>fi()</a:t>
-                  </a:r>
-                  <a:r>
-                    <a:rPr lang="en-US" sz="1200" dirty="0"/>
-                    <a:t> in MATLAB</a:t>
-                  </a:r>
-                </a:p>
-              </p:txBody>
-            </p:sp>
-            <p:sp>
-              <p:nvSpPr>
-                <p:cNvPr id="19" name="TextBox 18">
-                  <a:extLst>
-                    <a:ext uri="{FF2B5EF4-FFF2-40B4-BE49-F238E27FC236}">
-                      <a16:creationId xmlns:a16="http://schemas.microsoft.com/office/drawing/2014/main" id="{17E87EB6-5C90-4F2B-A428-A24FE04510D5}"/>
-                    </a:ext>
-                  </a:extLst>
-                </p:cNvPr>
-                <p:cNvSpPr txBox="1"/>
-                <p:nvPr/>
-              </p:nvSpPr>
-              <p:spPr>
-                <a:xfrm>
-                  <a:off x="9452264" y="3197037"/>
-                  <a:ext cx="1500995" cy="461665"/>
-                </a:xfrm>
-                <a:prstGeom prst="rect">
-                  <a:avLst/>
-                </a:prstGeom>
-                <a:noFill/>
-              </p:spPr>
-              <p:txBody>
-                <a:bodyPr wrap="square" rtlCol="0">
-                  <a:spAutoFit/>
-                </a:bodyPr>
-                <a:lstStyle/>
-                <a:p>
-                  <a:r>
-                    <a:rPr lang="en-US" sz="1200" dirty="0"/>
-                    <a:t>FFT transform </a:t>
-                  </a:r>
-                </a:p>
-                <a:p>
-                  <a:r>
-                    <a:rPr lang="en-US" sz="1200" i="1" dirty="0" err="1"/>
-                    <a:t>fft</a:t>
-                  </a:r>
-                  <a:r>
-                    <a:rPr lang="en-US" sz="1200" i="1" dirty="0"/>
-                    <a:t>()</a:t>
-                  </a:r>
-                  <a:r>
-                    <a:rPr lang="en-US" sz="1200" dirty="0"/>
-                    <a:t> in MATLAB</a:t>
-                  </a:r>
-                </a:p>
-              </p:txBody>
-            </p:sp>
-          </p:grpSp>
+              </a:ln>
+            </p:spPr>
+          </p:pic>
         </p:grpSp>
         <p:sp>
           <p:nvSpPr>
-            <p:cNvPr id="8" name="Arrow: Right 7">
+            <p:cNvPr id="27" name="TextBox 26">
               <a:extLst>
                 <a:ext uri="{FF2B5EF4-FFF2-40B4-BE49-F238E27FC236}">
-                  <a16:creationId xmlns:a16="http://schemas.microsoft.com/office/drawing/2014/main" id="{14045C5B-5CCF-45FC-85FE-45FC679AA719}"/>
+                  <a16:creationId xmlns:a16="http://schemas.microsoft.com/office/drawing/2014/main" id="{6A3BD9B2-2413-452B-B38A-255201B04F5D}"/>
                 </a:ext>
               </a:extLst>
             </p:cNvPr>
-            <p:cNvSpPr/>
+            <p:cNvSpPr txBox="1"/>
             <p:nvPr/>
           </p:nvSpPr>
           <p:spPr>
             <a:xfrm>
-              <a:off x="9687778" y="4654297"/>
-              <a:ext cx="757804" cy="180413"/>
-            </a:xfrm>
-            <a:prstGeom prst="rightArrow">
-              <a:avLst/>
-            </a:prstGeom>
-            <a:solidFill>
-              <a:srgbClr val="FF0000"/>
-            </a:solidFill>
-            <a:ln>
-              <a:noFill/>
-            </a:ln>
-          </p:spPr>
-          <p:style>
-            <a:lnRef idx="2">
-              <a:schemeClr val="accent1">
-                <a:shade val="50000"/>
-              </a:schemeClr>
-            </a:lnRef>
-            <a:fillRef idx="1">
-              <a:schemeClr val="accent1"/>
-            </a:fillRef>
-            <a:effectRef idx="0">
-              <a:schemeClr val="accent1"/>
-            </a:effectRef>
-            <a:fontRef idx="minor">
-              <a:schemeClr val="lt1"/>
-            </a:fontRef>
-          </p:style>
-          <p:txBody>
-            <a:bodyPr rtlCol="0" anchor="ctr"/>
-            <a:lstStyle/>
-            <a:p>
-              <a:pPr algn="ctr"/>
-              <a:endParaRPr lang="en-US"/>
-            </a:p>
-          </p:txBody>
-        </p:sp>
-        <p:sp>
-          <p:nvSpPr>
-            <p:cNvPr id="9" name="Arrow: Left-Right 8">
-              <a:extLst>
-                <a:ext uri="{FF2B5EF4-FFF2-40B4-BE49-F238E27FC236}">
-                  <a16:creationId xmlns:a16="http://schemas.microsoft.com/office/drawing/2014/main" id="{8A8C303E-77CD-448A-B23D-3F993F730AAF}"/>
-                </a:ext>
-              </a:extLst>
-            </p:cNvPr>
-            <p:cNvSpPr/>
-            <p:nvPr/>
-          </p:nvSpPr>
-          <p:spPr>
-            <a:xfrm>
-              <a:off x="8173663" y="4654297"/>
-              <a:ext cx="613668" cy="180413"/>
-            </a:xfrm>
-            <a:prstGeom prst="leftRightArrow">
-              <a:avLst/>
-            </a:prstGeom>
-            <a:solidFill>
-              <a:srgbClr val="7E8AA0"/>
-            </a:solidFill>
-          </p:spPr>
-          <p:style>
-            <a:lnRef idx="2">
-              <a:schemeClr val="accent1">
-                <a:shade val="50000"/>
-              </a:schemeClr>
-            </a:lnRef>
-            <a:fillRef idx="1">
-              <a:schemeClr val="accent1"/>
-            </a:fillRef>
-            <a:effectRef idx="0">
-              <a:schemeClr val="accent1"/>
-            </a:effectRef>
-            <a:fontRef idx="minor">
-              <a:schemeClr val="lt1"/>
-            </a:fontRef>
-          </p:style>
-          <p:txBody>
-            <a:bodyPr rtlCol="0" anchor="ctr"/>
-            <a:lstStyle/>
-            <a:p>
-              <a:pPr algn="ctr"/>
-              <a:endParaRPr lang="en-US"/>
-            </a:p>
-          </p:txBody>
-        </p:sp>
-        <p:pic>
-          <p:nvPicPr>
-            <p:cNvPr id="12" name="Picture 11">
-              <a:extLst>
-                <a:ext uri="{FF2B5EF4-FFF2-40B4-BE49-F238E27FC236}">
-                  <a16:creationId xmlns:a16="http://schemas.microsoft.com/office/drawing/2014/main" id="{B8F9C300-5FDC-48CA-A088-F5123BA0B847}"/>
-                </a:ext>
-              </a:extLst>
-            </p:cNvPr>
-            <p:cNvPicPr>
-              <a:picLocks noChangeAspect="1"/>
-            </p:cNvPicPr>
-            <p:nvPr/>
-          </p:nvPicPr>
-          <p:blipFill>
-            <a:blip r:embed="rId5"/>
-            <a:stretch>
-              <a:fillRect/>
-            </a:stretch>
-          </p:blipFill>
-          <p:spPr>
-            <a:xfrm>
-              <a:off x="10527028" y="3237947"/>
-              <a:ext cx="862449" cy="3013112"/>
+              <a:off x="8238071" y="4093712"/>
+              <a:ext cx="1220599" cy="646331"/>
             </a:xfrm>
             <a:prstGeom prst="rect">
               <a:avLst/>
             </a:prstGeom>
-            <a:ln w="3175">
-              <a:solidFill>
-                <a:schemeClr val="tx1"/>
-              </a:solidFill>
-            </a:ln>
+            <a:noFill/>
           </p:spPr>
-        </p:pic>
+          <p:txBody>
+            <a:bodyPr wrap="square" rtlCol="0">
+              <a:spAutoFit/>
+            </a:bodyPr>
+            <a:lstStyle/>
+            <a:p>
+              <a:r>
+                <a:rPr lang="en-US" sz="1200" i="1" dirty="0"/>
+                <a:t>Scale </a:t>
+              </a:r>
+            </a:p>
+            <a:p>
+              <a:r>
+                <a:rPr lang="en-US" sz="1200" i="1" dirty="0"/>
+                <a:t>Subtract mean </a:t>
+              </a:r>
+            </a:p>
+            <a:p>
+              <a:r>
+                <a:rPr lang="en-US" sz="1200" i="1" dirty="0"/>
+                <a:t>Fs conversion</a:t>
+              </a:r>
+            </a:p>
+          </p:txBody>
+        </p:sp>
       </p:grpSp>
     </p:spTree>
     <p:extLst>
@@ -19453,105 +20165,150 @@
               <a:rPr lang="en-US" altLang="ko-KR" dirty="0">
                 <a:sym typeface="Wingdings" panose="05000000000000000000" pitchFamily="2" charset="2"/>
               </a:rPr>
-              <a:t>All columns</a:t>
-            </a:r>
-          </a:p>
-          <a:p>
-            <a:r>
-              <a:rPr lang="en-US" altLang="ko-KR" dirty="0">
-                <a:sym typeface="Wingdings" panose="05000000000000000000" pitchFamily="2" charset="2"/>
-              </a:rPr>
-              <a:t>All rows</a:t>
-            </a:r>
-          </a:p>
-          <a:p>
+              <a:t>Review of FFT transformation:</a:t>
+            </a:r>
+          </a:p>
+          <a:p>
+            <a:pPr lvl="1"/>
+            <a:r>
+              <a:rPr lang="en-US" altLang="ko-KR" dirty="0"/>
+              <a:t>Consider a simple example</a:t>
+            </a:r>
             <a:endParaRPr lang="ko-KR" altLang="en-US" dirty="0"/>
           </a:p>
         </p:txBody>
       </p:sp>
-      <p:sp>
-        <p:nvSpPr>
-          <p:cNvPr id="28" name="TextBox 27">
+      <p:grpSp>
+        <p:nvGrpSpPr>
+          <p:cNvPr id="12" name="Group 11">
             <a:extLst>
               <a:ext uri="{FF2B5EF4-FFF2-40B4-BE49-F238E27FC236}">
-                <a16:creationId xmlns:a16="http://schemas.microsoft.com/office/drawing/2014/main" id="{E32102D5-BE89-4727-A529-76B0FA4B8597}"/>
+                <a16:creationId xmlns:a16="http://schemas.microsoft.com/office/drawing/2014/main" id="{28F2304F-65FA-4762-BD0C-0EDADF78454F}"/>
               </a:ext>
             </a:extLst>
           </p:cNvPr>
-          <p:cNvSpPr txBox="1"/>
+          <p:cNvGrpSpPr/>
           <p:nvPr/>
-        </p:nvSpPr>
-        <p:spPr>
+        </p:nvGrpSpPr>
+        <p:grpSpPr>
           <a:xfrm>
-            <a:off x="200845" y="3227412"/>
-            <a:ext cx="2557057" cy="646331"/>
+            <a:off x="3850567" y="1595568"/>
+            <a:ext cx="8153400" cy="4774859"/>
+            <a:chOff x="394422" y="1448923"/>
+            <a:chExt cx="8153400" cy="4774859"/>
           </a:xfrm>
-          <a:prstGeom prst="rect">
-            <a:avLst/>
-          </a:prstGeom>
-          <a:noFill/>
-        </p:spPr>
-        <p:txBody>
-          <a:bodyPr wrap="square">
-            <a:spAutoFit/>
-          </a:bodyPr>
-          <a:lstStyle/>
-          <a:p>
-            <a:r>
-              <a:rPr lang="en-US" sz="1200" dirty="0">
-                <a:latin typeface="Abadi" panose="020B0604020104020204" pitchFamily="34" charset="0"/>
-              </a:rPr>
-              <a:t>Fs            = </a:t>
-            </a:r>
-            <a:r>
-              <a:rPr lang="en-US" sz="1200" dirty="0">
-                <a:highlight>
-                  <a:srgbClr val="FFFF00"/>
-                </a:highlight>
-                <a:latin typeface="Abadi" panose="020B0604020104020204" pitchFamily="34" charset="0"/>
-              </a:rPr>
-              <a:t>4MHz</a:t>
-            </a:r>
-            <a:r>
-              <a:rPr lang="en-US" sz="1200" dirty="0">
-                <a:latin typeface="Abadi" panose="020B0604020104020204" pitchFamily="34" charset="0"/>
-              </a:rPr>
-              <a:t> </a:t>
-            </a:r>
-          </a:p>
-          <a:p>
-            <a:r>
-              <a:rPr lang="en-US" sz="1200" dirty="0">
-                <a:latin typeface="Abadi" panose="020B0604020104020204" pitchFamily="34" charset="0"/>
-              </a:rPr>
-              <a:t>#samples  = 1320</a:t>
-            </a:r>
-          </a:p>
-          <a:p>
-            <a:r>
-              <a:rPr lang="en-US" sz="1200" dirty="0">
-                <a:latin typeface="Abadi" panose="020B0604020104020204" pitchFamily="34" charset="0"/>
-              </a:rPr>
-              <a:t>Scale, but </a:t>
-            </a:r>
-            <a:r>
-              <a:rPr lang="en-US" sz="1200" dirty="0">
-                <a:solidFill>
-                  <a:srgbClr val="FF0000"/>
-                </a:solidFill>
-                <a:latin typeface="Abadi" panose="020B0604020104020204" pitchFamily="34" charset="0"/>
-              </a:rPr>
-              <a:t>no subtract mean</a:t>
-            </a:r>
-          </a:p>
-        </p:txBody>
-      </p:sp>
+        </p:grpSpPr>
+        <p:pic>
+          <p:nvPicPr>
+            <p:cNvPr id="6" name="Picture 5">
+              <a:extLst>
+                <a:ext uri="{FF2B5EF4-FFF2-40B4-BE49-F238E27FC236}">
+                  <a16:creationId xmlns:a16="http://schemas.microsoft.com/office/drawing/2014/main" id="{5E46852C-5A7F-4A28-A494-4E1C597E4E95}"/>
+                </a:ext>
+              </a:extLst>
+            </p:cNvPr>
+            <p:cNvPicPr>
+              <a:picLocks noChangeAspect="1"/>
+            </p:cNvPicPr>
+            <p:nvPr/>
+          </p:nvPicPr>
+          <p:blipFill>
+            <a:blip r:embed="rId3"/>
+            <a:stretch>
+              <a:fillRect/>
+            </a:stretch>
+          </p:blipFill>
+          <p:spPr>
+            <a:xfrm>
+              <a:off x="394422" y="1448923"/>
+              <a:ext cx="8153400" cy="4774859"/>
+            </a:xfrm>
+            <a:prstGeom prst="rect">
+              <a:avLst/>
+            </a:prstGeom>
+          </p:spPr>
+        </p:pic>
+        <p:sp>
+          <p:nvSpPr>
+            <p:cNvPr id="9" name="TextBox 8">
+              <a:extLst>
+                <a:ext uri="{FF2B5EF4-FFF2-40B4-BE49-F238E27FC236}">
+                  <a16:creationId xmlns:a16="http://schemas.microsoft.com/office/drawing/2014/main" id="{AC842F95-2431-4CA7-8EE8-8C333600C908}"/>
+                </a:ext>
+              </a:extLst>
+            </p:cNvPr>
+            <p:cNvSpPr txBox="1"/>
+            <p:nvPr/>
+          </p:nvSpPr>
+          <p:spPr>
+            <a:xfrm>
+              <a:off x="1699402" y="2477837"/>
+              <a:ext cx="1173193" cy="369332"/>
+            </a:xfrm>
+            <a:prstGeom prst="rect">
+              <a:avLst/>
+            </a:prstGeom>
+            <a:noFill/>
+          </p:spPr>
+          <p:txBody>
+            <a:bodyPr wrap="square" rtlCol="0">
+              <a:spAutoFit/>
+            </a:bodyPr>
+            <a:lstStyle/>
+            <a:p>
+              <a:r>
+                <a:rPr lang="en-US" dirty="0">
+                  <a:latin typeface="Abadi" panose="020B0604020104020204" pitchFamily="34" charset="0"/>
+                </a:rPr>
+                <a:t>f1=10Hz</a:t>
+              </a:r>
+            </a:p>
+          </p:txBody>
+        </p:sp>
+        <p:sp>
+          <p:nvSpPr>
+            <p:cNvPr id="13" name="TextBox 12">
+              <a:extLst>
+                <a:ext uri="{FF2B5EF4-FFF2-40B4-BE49-F238E27FC236}">
+                  <a16:creationId xmlns:a16="http://schemas.microsoft.com/office/drawing/2014/main" id="{62F25F7E-7C61-4829-899C-FE426030133C}"/>
+                </a:ext>
+              </a:extLst>
+            </p:cNvPr>
+            <p:cNvSpPr txBox="1"/>
+            <p:nvPr/>
+          </p:nvSpPr>
+          <p:spPr>
+            <a:xfrm>
+              <a:off x="6223169" y="2477837"/>
+              <a:ext cx="1350823" cy="369332"/>
+            </a:xfrm>
+            <a:prstGeom prst="rect">
+              <a:avLst/>
+            </a:prstGeom>
+            <a:noFill/>
+          </p:spPr>
+          <p:txBody>
+            <a:bodyPr wrap="square" rtlCol="0">
+              <a:spAutoFit/>
+            </a:bodyPr>
+            <a:lstStyle/>
+            <a:p>
+              <a:r>
+                <a:rPr lang="en-US" dirty="0">
+                  <a:latin typeface="Abadi" panose="020B0604020104020204" pitchFamily="34" charset="0"/>
+                </a:rPr>
+                <a:t>f2=10.2Hz</a:t>
+              </a:r>
+            </a:p>
+          </p:txBody>
+        </p:sp>
+      </p:grpSp>
       <p:pic>
         <p:nvPicPr>
-          <p:cNvPr id="3" name="Picture 2">
+          <p:cNvPr id="16" name="Picture 15">
             <a:extLst>
               <a:ext uri="{FF2B5EF4-FFF2-40B4-BE49-F238E27FC236}">
-                <a16:creationId xmlns:a16="http://schemas.microsoft.com/office/drawing/2014/main" id="{37B83772-7CD4-442E-BDAF-C7F66216CD62}"/>
+                <a16:creationId xmlns:a16="http://schemas.microsoft.com/office/drawing/2014/main" id="{B1071147-B78A-4D6D-B82E-22A57F4089F3}"/>
               </a:ext>
             </a:extLst>
           </p:cNvPr>
@@ -19561,25 +20318,126 @@
           <p:nvPr/>
         </p:nvPicPr>
         <p:blipFill>
-          <a:blip r:embed="rId3"/>
+          <a:blip r:embed="rId4"/>
           <a:stretch>
             <a:fillRect/>
           </a:stretch>
         </p:blipFill>
         <p:spPr>
           <a:xfrm>
-            <a:off x="3131231" y="1028700"/>
-            <a:ext cx="8859924" cy="5377962"/>
+            <a:off x="731102" y="3559018"/>
+            <a:ext cx="2466975" cy="2590800"/>
           </a:xfrm>
           <a:prstGeom prst="rect">
             <a:avLst/>
           </a:prstGeom>
         </p:spPr>
       </p:pic>
+      <p:sp>
+        <p:nvSpPr>
+          <p:cNvPr id="17" name="TextBox 16">
+            <a:extLst>
+              <a:ext uri="{FF2B5EF4-FFF2-40B4-BE49-F238E27FC236}">
+                <a16:creationId xmlns:a16="http://schemas.microsoft.com/office/drawing/2014/main" id="{4AF7F29C-274B-4FA0-903D-93513AD253A0}"/>
+              </a:ext>
+            </a:extLst>
+          </p:cNvPr>
+          <p:cNvSpPr txBox="1"/>
+          <p:nvPr/>
+        </p:nvSpPr>
+        <p:spPr>
+          <a:xfrm>
+            <a:off x="731102" y="1595568"/>
+            <a:ext cx="2986883" cy="1384995"/>
+          </a:xfrm>
+          <a:prstGeom prst="rect">
+            <a:avLst/>
+          </a:prstGeom>
+          <a:noFill/>
+        </p:spPr>
+        <p:txBody>
+          <a:bodyPr wrap="square" rtlCol="0">
+            <a:spAutoFit/>
+          </a:bodyPr>
+          <a:lstStyle/>
+          <a:p>
+            <a:r>
+              <a:rPr lang="en-US" sz="1400" dirty="0">
+                <a:latin typeface="Abadi" panose="020B0604020104020204" pitchFamily="34" charset="0"/>
+              </a:rPr>
+              <a:t>#Samples  = 64</a:t>
+            </a:r>
+          </a:p>
+          <a:p>
+            <a:r>
+              <a:rPr lang="en-US" sz="1400" dirty="0" err="1">
+                <a:latin typeface="Abadi" panose="020B0604020104020204" pitchFamily="34" charset="0"/>
+              </a:rPr>
+              <a:t>Nfft</a:t>
+            </a:r>
+            <a:r>
+              <a:rPr lang="en-US" sz="1400" dirty="0">
+                <a:latin typeface="Abadi" panose="020B0604020104020204" pitchFamily="34" charset="0"/>
+              </a:rPr>
+              <a:t>           = 64</a:t>
+            </a:r>
+          </a:p>
+          <a:p>
+            <a:r>
+              <a:rPr lang="en-US" sz="1400" dirty="0">
+                <a:latin typeface="Abadi" panose="020B0604020104020204" pitchFamily="34" charset="0"/>
+              </a:rPr>
+              <a:t>Fs             = 64Hz</a:t>
+            </a:r>
+          </a:p>
+          <a:p>
+            <a:r>
+              <a:rPr lang="en-US" sz="1400" dirty="0">
+                <a:latin typeface="Abadi" panose="020B0604020104020204" pitchFamily="34" charset="0"/>
+              </a:rPr>
+              <a:t>f1             = 10Hz</a:t>
+            </a:r>
+          </a:p>
+          <a:p>
+            <a:r>
+              <a:rPr lang="en-US" sz="1400" dirty="0">
+                <a:latin typeface="Abadi" panose="020B0604020104020204" pitchFamily="34" charset="0"/>
+              </a:rPr>
+              <a:t>f2             = 10.2Hz</a:t>
+            </a:r>
+          </a:p>
+          <a:p>
+            <a:r>
+              <a:rPr lang="en-US" sz="1400" dirty="0" err="1">
+                <a:latin typeface="Abadi" panose="020B0604020104020204" pitchFamily="34" charset="0"/>
+              </a:rPr>
+              <a:t>dF</a:t>
+            </a:r>
+            <a:r>
+              <a:rPr lang="en-US" sz="1400" dirty="0">
+                <a:latin typeface="Abadi" panose="020B0604020104020204" pitchFamily="34" charset="0"/>
+              </a:rPr>
+              <a:t>             = Fs/</a:t>
+            </a:r>
+            <a:r>
+              <a:rPr lang="en-US" sz="1400" dirty="0" err="1">
+                <a:latin typeface="Abadi" panose="020B0604020104020204" pitchFamily="34" charset="0"/>
+              </a:rPr>
+              <a:t>Nfft</a:t>
+            </a:r>
+            <a:r>
+              <a:rPr lang="en-US" sz="1400" dirty="0">
+                <a:latin typeface="Abadi" panose="020B0604020104020204" pitchFamily="34" charset="0"/>
+              </a:rPr>
+              <a:t> =1Hz</a:t>
+            </a:r>
+          </a:p>
+        </p:txBody>
+      </p:sp>
     </p:spTree>
     <p:extLst>
       <p:ext uri="{BB962C8B-B14F-4D97-AF65-F5344CB8AC3E}">
-        <p14:creationId xmlns:p14="http://schemas.microsoft.com/office/powerpoint/2010/main" val="3052240908"/>
+        <p14:creationId xmlns:p14="http://schemas.microsoft.com/office/powerpoint/2010/main" val="2346113463"/>
       </p:ext>
     </p:extLst>
   </p:cSld>
@@ -19742,9 +20600,21 @@
           <a:p>
             <a:r>
               <a:rPr lang="en-US" sz="1200" dirty="0">
+                <a:solidFill>
+                  <a:srgbClr val="FF0000"/>
+                </a:solidFill>
                 <a:latin typeface="Abadi" panose="020B0604020104020204" pitchFamily="34" charset="0"/>
               </a:rPr>
-              <a:t>Scale, </a:t>
+              <a:t>Scale:   </a:t>
+            </a:r>
+            <a:r>
+              <a:rPr lang="en-US" altLang="ko-KR" sz="1200" dirty="0">
+                <a:solidFill>
+                  <a:srgbClr val="FF0000"/>
+                </a:solidFill>
+                <a:sym typeface="Wingdings" panose="05000000000000000000" pitchFamily="2" charset="2"/>
+              </a:rPr>
+              <a:t>0 ~ 4095  0 ~ 1</a:t>
             </a:r>
             <a:r>
               <a:rPr lang="en-US" sz="1200" dirty="0">
@@ -19753,17 +20623,17 @@
                 </a:solidFill>
                 <a:latin typeface="Abadi" panose="020B0604020104020204" pitchFamily="34" charset="0"/>
               </a:rPr>
-              <a:t>subtract mean</a:t>
+              <a:t>     </a:t>
             </a:r>
           </a:p>
         </p:txBody>
       </p:sp>
       <p:pic>
         <p:nvPicPr>
-          <p:cNvPr id="6" name="Picture 5">
+          <p:cNvPr id="3" name="Picture 2">
             <a:extLst>
               <a:ext uri="{FF2B5EF4-FFF2-40B4-BE49-F238E27FC236}">
-                <a16:creationId xmlns:a16="http://schemas.microsoft.com/office/drawing/2014/main" id="{205EA024-9EFF-4097-8856-46428F9273A0}"/>
+                <a16:creationId xmlns:a16="http://schemas.microsoft.com/office/drawing/2014/main" id="{37B83772-7CD4-442E-BDAF-C7F66216CD62}"/>
               </a:ext>
             </a:extLst>
           </p:cNvPr>
@@ -19773,15 +20643,15 @@
           <p:nvPr/>
         </p:nvPicPr>
         <p:blipFill>
-          <a:blip r:embed="rId2"/>
+          <a:blip r:embed="rId3"/>
           <a:stretch>
             <a:fillRect/>
           </a:stretch>
         </p:blipFill>
         <p:spPr>
           <a:xfrm>
-            <a:off x="3216166" y="1052404"/>
-            <a:ext cx="8774989" cy="5273345"/>
+            <a:off x="3131231" y="1028700"/>
+            <a:ext cx="8859924" cy="5377962"/>
           </a:xfrm>
           <a:prstGeom prst="rect">
             <a:avLst/>
@@ -19791,7 +20661,7 @@
     </p:spTree>
     <p:extLst>
       <p:ext uri="{BB962C8B-B14F-4D97-AF65-F5344CB8AC3E}">
-        <p14:creationId xmlns:p14="http://schemas.microsoft.com/office/powerpoint/2010/main" val="2047975324"/>
+        <p14:creationId xmlns:p14="http://schemas.microsoft.com/office/powerpoint/2010/main" val="3052240908"/>
       </p:ext>
     </p:extLst>
   </p:cSld>
@@ -19881,16 +20751,24 @@
             </a:r>
           </a:p>
           <a:p>
+            <a:r>
+              <a:rPr lang="en-US" altLang="ko-KR" dirty="0">
+                <a:sym typeface="Wingdings" panose="05000000000000000000" pitchFamily="2" charset="2"/>
+              </a:rPr>
+              <a:t>All rows</a:t>
+            </a:r>
+          </a:p>
+          <a:p>
             <a:endParaRPr lang="ko-KR" altLang="en-US" dirty="0"/>
           </a:p>
         </p:txBody>
       </p:sp>
       <p:sp>
         <p:nvSpPr>
-          <p:cNvPr id="7" name="TextBox 6">
+          <p:cNvPr id="28" name="TextBox 27">
             <a:extLst>
               <a:ext uri="{FF2B5EF4-FFF2-40B4-BE49-F238E27FC236}">
-                <a16:creationId xmlns:a16="http://schemas.microsoft.com/office/drawing/2014/main" id="{81360F34-C437-4F36-AAE1-41117987EABD}"/>
+                <a16:creationId xmlns:a16="http://schemas.microsoft.com/office/drawing/2014/main" id="{E32102D5-BE89-4727-A529-76B0FA4B8597}"/>
               </a:ext>
             </a:extLst>
           </p:cNvPr>
@@ -19900,7 +20778,7 @@
         <p:spPr>
           <a:xfrm>
             <a:off x="200845" y="3227412"/>
-            <a:ext cx="2557057" cy="830997"/>
+            <a:ext cx="2557057" cy="646331"/>
           </a:xfrm>
           <a:prstGeom prst="rect">
             <a:avLst/>
@@ -19917,7 +20795,7 @@
               <a:rPr lang="en-US" sz="1200" dirty="0">
                 <a:latin typeface="Abadi" panose="020B0604020104020204" pitchFamily="34" charset="0"/>
               </a:rPr>
-              <a:t>Fs                   = </a:t>
+              <a:t>Fs            = </a:t>
             </a:r>
             <a:r>
               <a:rPr lang="en-US" sz="1200" dirty="0">
@@ -19928,30 +20806,19 @@
               </a:rPr>
               <a:t>4MHz</a:t>
             </a:r>
-            <a:endParaRPr lang="en-US" sz="1200" dirty="0">
-              <a:latin typeface="Abadi" panose="020B0604020104020204" pitchFamily="34" charset="0"/>
-            </a:endParaRPr>
-          </a:p>
-          <a:p>
             <a:r>
               <a:rPr lang="en-US" sz="1200" dirty="0">
                 <a:latin typeface="Abadi" panose="020B0604020104020204" pitchFamily="34" charset="0"/>
               </a:rPr>
-              <a:t>#samples        = 1320</a:t>
-            </a:r>
-          </a:p>
-          <a:p>
-            <a:r>
-              <a:rPr lang="en-US" sz="1200" dirty="0" err="1">
-                <a:latin typeface="Abadi" panose="020B0604020104020204" pitchFamily="34" charset="0"/>
-              </a:rPr>
-              <a:t>Nfft</a:t>
-            </a:r>
+              <a:t> </a:t>
+            </a:r>
+          </a:p>
+          <a:p>
             <a:r>
               <a:rPr lang="en-US" sz="1200" dirty="0">
                 <a:latin typeface="Abadi" panose="020B0604020104020204" pitchFamily="34" charset="0"/>
               </a:rPr>
-              <a:t>                = 1024</a:t>
+              <a:t>#samples  = 1320</a:t>
             </a:r>
           </a:p>
           <a:p>
@@ -19959,17 +20826,26 @@
               <a:rPr lang="en-US" sz="1200" dirty="0">
                 <a:latin typeface="Abadi" panose="020B0604020104020204" pitchFamily="34" charset="0"/>
               </a:rPr>
-              <a:t>Bin frequency  = 4kHz</a:t>
+              <a:t>Scale, </a:t>
+            </a:r>
+            <a:r>
+              <a:rPr lang="en-US" sz="1200" dirty="0">
+                <a:solidFill>
+                  <a:srgbClr val="FF0000"/>
+                </a:solidFill>
+                <a:latin typeface="Abadi" panose="020B0604020104020204" pitchFamily="34" charset="0"/>
+              </a:rPr>
+              <a:t>subtract mean</a:t>
             </a:r>
           </a:p>
         </p:txBody>
       </p:sp>
       <p:pic>
         <p:nvPicPr>
-          <p:cNvPr id="3" name="Picture 2">
+          <p:cNvPr id="6" name="Picture 5">
             <a:extLst>
               <a:ext uri="{FF2B5EF4-FFF2-40B4-BE49-F238E27FC236}">
-                <a16:creationId xmlns:a16="http://schemas.microsoft.com/office/drawing/2014/main" id="{209692E9-9054-4566-BD87-5106FA70D6ED}"/>
+                <a16:creationId xmlns:a16="http://schemas.microsoft.com/office/drawing/2014/main" id="{205EA024-9EFF-4097-8856-46428F9273A0}"/>
               </a:ext>
             </a:extLst>
           </p:cNvPr>
@@ -19986,8 +20862,38 @@
         </p:blipFill>
         <p:spPr>
           <a:xfrm>
-            <a:off x="3009432" y="997900"/>
-            <a:ext cx="8903933" cy="5408762"/>
+            <a:off x="3216166" y="1052404"/>
+            <a:ext cx="8774989" cy="5273345"/>
+          </a:xfrm>
+          <a:prstGeom prst="rect">
+            <a:avLst/>
+          </a:prstGeom>
+        </p:spPr>
+      </p:pic>
+      <p:pic>
+        <p:nvPicPr>
+          <p:cNvPr id="3" name="Picture 2">
+            <a:extLst>
+              <a:ext uri="{FF2B5EF4-FFF2-40B4-BE49-F238E27FC236}">
+                <a16:creationId xmlns:a16="http://schemas.microsoft.com/office/drawing/2014/main" id="{B365A753-A33F-4EA4-A2F6-0F182D2B8BCC}"/>
+              </a:ext>
+            </a:extLst>
+          </p:cNvPr>
+          <p:cNvPicPr>
+            <a:picLocks noChangeAspect="1"/>
+          </p:cNvPicPr>
+          <p:nvPr/>
+        </p:nvPicPr>
+        <p:blipFill>
+          <a:blip r:embed="rId3"/>
+          <a:stretch>
+            <a:fillRect/>
+          </a:stretch>
+        </p:blipFill>
+        <p:spPr>
+          <a:xfrm>
+            <a:off x="210404" y="4082867"/>
+            <a:ext cx="2631325" cy="1541972"/>
           </a:xfrm>
           <a:prstGeom prst="rect">
             <a:avLst/>
@@ -19997,7 +20903,7 @@
     </p:spTree>
     <p:extLst>
       <p:ext uri="{BB962C8B-B14F-4D97-AF65-F5344CB8AC3E}">
-        <p14:creationId xmlns:p14="http://schemas.microsoft.com/office/powerpoint/2010/main" val="3522972578"/>
+        <p14:creationId xmlns:p14="http://schemas.microsoft.com/office/powerpoint/2010/main" val="2047975324"/>
       </p:ext>
     </p:extLst>
   </p:cSld>
@@ -20092,9 +20998,227 @@
                 <a:solidFill>
                   <a:srgbClr val="FF0000"/>
                 </a:solidFill>
+              </a:rPr>
+              <a:t>no ‘subtract mean’</a:t>
+            </a:r>
+            <a:endParaRPr lang="ko-KR" altLang="en-US" dirty="0">
+              <a:solidFill>
+                <a:srgbClr val="FF0000"/>
+              </a:solidFill>
+            </a:endParaRPr>
+          </a:p>
+        </p:txBody>
+      </p:sp>
+      <p:sp>
+        <p:nvSpPr>
+          <p:cNvPr id="7" name="TextBox 6">
+            <a:extLst>
+              <a:ext uri="{FF2B5EF4-FFF2-40B4-BE49-F238E27FC236}">
+                <a16:creationId xmlns:a16="http://schemas.microsoft.com/office/drawing/2014/main" id="{81360F34-C437-4F36-AAE1-41117987EABD}"/>
+              </a:ext>
+            </a:extLst>
+          </p:cNvPr>
+          <p:cNvSpPr txBox="1"/>
+          <p:nvPr/>
+        </p:nvSpPr>
+        <p:spPr>
+          <a:xfrm>
+            <a:off x="200845" y="3227412"/>
+            <a:ext cx="2557057" cy="830997"/>
+          </a:xfrm>
+          <a:prstGeom prst="rect">
+            <a:avLst/>
+          </a:prstGeom>
+          <a:noFill/>
+        </p:spPr>
+        <p:txBody>
+          <a:bodyPr wrap="square">
+            <a:spAutoFit/>
+          </a:bodyPr>
+          <a:lstStyle/>
+          <a:p>
+            <a:r>
+              <a:rPr lang="en-US" sz="1200" dirty="0">
+                <a:latin typeface="Abadi" panose="020B0604020104020204" pitchFamily="34" charset="0"/>
+              </a:rPr>
+              <a:t>Fs                   = </a:t>
+            </a:r>
+            <a:r>
+              <a:rPr lang="en-US" sz="1200" dirty="0">
+                <a:highlight>
+                  <a:srgbClr val="FFFF00"/>
+                </a:highlight>
+                <a:latin typeface="Abadi" panose="020B0604020104020204" pitchFamily="34" charset="0"/>
+              </a:rPr>
+              <a:t>4MHz</a:t>
+            </a:r>
+            <a:endParaRPr lang="en-US" sz="1200" dirty="0">
+              <a:latin typeface="Abadi" panose="020B0604020104020204" pitchFamily="34" charset="0"/>
+            </a:endParaRPr>
+          </a:p>
+          <a:p>
+            <a:r>
+              <a:rPr lang="en-US" sz="1200" dirty="0">
+                <a:latin typeface="Abadi" panose="020B0604020104020204" pitchFamily="34" charset="0"/>
+              </a:rPr>
+              <a:t>#samples        = 1320</a:t>
+            </a:r>
+          </a:p>
+          <a:p>
+            <a:r>
+              <a:rPr lang="en-US" sz="1200" dirty="0" err="1">
+                <a:latin typeface="Abadi" panose="020B0604020104020204" pitchFamily="34" charset="0"/>
+              </a:rPr>
+              <a:t>Nfft</a:t>
+            </a:r>
+            <a:r>
+              <a:rPr lang="en-US" sz="1200" dirty="0">
+                <a:latin typeface="Abadi" panose="020B0604020104020204" pitchFamily="34" charset="0"/>
+              </a:rPr>
+              <a:t>                = 1024</a:t>
+            </a:r>
+          </a:p>
+          <a:p>
+            <a:r>
+              <a:rPr lang="en-US" sz="1200" dirty="0">
+                <a:latin typeface="Abadi" panose="020B0604020104020204" pitchFamily="34" charset="0"/>
+              </a:rPr>
+              <a:t>Bin frequency  = 4kHz</a:t>
+            </a:r>
+          </a:p>
+        </p:txBody>
+      </p:sp>
+      <p:pic>
+        <p:nvPicPr>
+          <p:cNvPr id="3" name="Picture 2">
+            <a:extLst>
+              <a:ext uri="{FF2B5EF4-FFF2-40B4-BE49-F238E27FC236}">
+                <a16:creationId xmlns:a16="http://schemas.microsoft.com/office/drawing/2014/main" id="{209692E9-9054-4566-BD87-5106FA70D6ED}"/>
+              </a:ext>
+            </a:extLst>
+          </p:cNvPr>
+          <p:cNvPicPr>
+            <a:picLocks noChangeAspect="1"/>
+          </p:cNvPicPr>
+          <p:nvPr/>
+        </p:nvPicPr>
+        <p:blipFill>
+          <a:blip r:embed="rId2"/>
+          <a:stretch>
+            <a:fillRect/>
+          </a:stretch>
+        </p:blipFill>
+        <p:spPr>
+          <a:xfrm>
+            <a:off x="3009432" y="997900"/>
+            <a:ext cx="8903933" cy="5408762"/>
+          </a:xfrm>
+          <a:prstGeom prst="rect">
+            <a:avLst/>
+          </a:prstGeom>
+        </p:spPr>
+      </p:pic>
+    </p:spTree>
+    <p:extLst>
+      <p:ext uri="{BB962C8B-B14F-4D97-AF65-F5344CB8AC3E}">
+        <p14:creationId xmlns:p14="http://schemas.microsoft.com/office/powerpoint/2010/main" val="3522972578"/>
+      </p:ext>
+    </p:extLst>
+  </p:cSld>
+  <p:clrMapOvr>
+    <a:masterClrMapping/>
+  </p:clrMapOvr>
+</p:sld>
+</file>
+
+<file path=ppt/slides/slide9.xml><?xml version="1.0" encoding="utf-8"?>
+<p:sld xmlns:a="http://schemas.openxmlformats.org/drawingml/2006/main" xmlns:r="http://schemas.openxmlformats.org/officeDocument/2006/relationships" xmlns:p="http://schemas.openxmlformats.org/presentationml/2006/main">
+  <p:cSld>
+    <p:spTree>
+      <p:nvGrpSpPr>
+        <p:cNvPr id="1" name=""/>
+        <p:cNvGrpSpPr/>
+        <p:nvPr/>
+      </p:nvGrpSpPr>
+      <p:grpSpPr>
+        <a:xfrm>
+          <a:off x="0" y="0"/>
+          <a:ext cx="0" cy="0"/>
+          <a:chOff x="0" y="0"/>
+          <a:chExt cx="0" cy="0"/>
+        </a:xfrm>
+      </p:grpSpPr>
+      <p:sp>
+        <p:nvSpPr>
+          <p:cNvPr id="10" name="제목 9">
+            <a:extLst>
+              <a:ext uri="{FF2B5EF4-FFF2-40B4-BE49-F238E27FC236}">
+                <a16:creationId xmlns:a16="http://schemas.microsoft.com/office/drawing/2014/main" id="{798354F4-E37B-4A27-827D-07FFF75DD784}"/>
+              </a:ext>
+            </a:extLst>
+          </p:cNvPr>
+          <p:cNvSpPr>
+            <a:spLocks noGrp="1"/>
+          </p:cNvSpPr>
+          <p:nvPr>
+            <p:ph type="title"/>
+          </p:nvPr>
+        </p:nvSpPr>
+        <p:spPr/>
+        <p:txBody>
+          <a:bodyPr/>
+          <a:lstStyle/>
+          <a:p>
+            <a:r>
+              <a:rPr lang="en-US" altLang="ko-KR" dirty="0"/>
+              <a:t>Signal reconstruction and FFT</a:t>
+            </a:r>
+            <a:endParaRPr lang="ko-KR" altLang="en-US" dirty="0"/>
+          </a:p>
+        </p:txBody>
+      </p:sp>
+      <p:sp>
+        <p:nvSpPr>
+          <p:cNvPr id="11" name="내용 개체 틀 10">
+            <a:extLst>
+              <a:ext uri="{FF2B5EF4-FFF2-40B4-BE49-F238E27FC236}">
+                <a16:creationId xmlns:a16="http://schemas.microsoft.com/office/drawing/2014/main" id="{1D00540D-97E2-4095-BE28-0FB839C14ED5}"/>
+              </a:ext>
+            </a:extLst>
+          </p:cNvPr>
+          <p:cNvSpPr>
+            <a:spLocks noGrp="1"/>
+          </p:cNvSpPr>
+          <p:nvPr>
+            <p:ph idx="1"/>
+          </p:nvPr>
+        </p:nvSpPr>
+        <p:spPr>
+          <a:xfrm>
+            <a:off x="188033" y="846515"/>
+            <a:ext cx="5854628" cy="5560147"/>
+          </a:xfrm>
+        </p:spPr>
+        <p:txBody>
+          <a:bodyPr/>
+          <a:lstStyle/>
+          <a:p>
+            <a:r>
+              <a:rPr lang="en-US" altLang="ko-KR" dirty="0">
                 <a:sym typeface="Wingdings" panose="05000000000000000000" pitchFamily="2" charset="2"/>
               </a:rPr>
-              <a:t>Using ‘subtract mean’:</a:t>
+              <a:t>All columns</a:t>
+            </a:r>
+          </a:p>
+          <a:p>
+            <a:r>
+              <a:rPr lang="en-US" altLang="ko-KR" dirty="0">
+                <a:solidFill>
+                  <a:srgbClr val="FF0000"/>
+                </a:solidFill>
+                <a:sym typeface="Wingdings" panose="05000000000000000000" pitchFamily="2" charset="2"/>
+              </a:rPr>
+              <a:t>Using ‘subtract mean’</a:t>
             </a:r>
           </a:p>
           <a:p>
@@ -20215,212 +21339,6 @@
     <p:extLst>
       <p:ext uri="{BB962C8B-B14F-4D97-AF65-F5344CB8AC3E}">
         <p14:creationId xmlns:p14="http://schemas.microsoft.com/office/powerpoint/2010/main" val="2064395094"/>
-      </p:ext>
-    </p:extLst>
-  </p:cSld>
-  <p:clrMapOvr>
-    <a:masterClrMapping/>
-  </p:clrMapOvr>
-</p:sld>
-</file>
-
-<file path=ppt/slides/slide9.xml><?xml version="1.0" encoding="utf-8"?>
-<p:sld xmlns:a="http://schemas.openxmlformats.org/drawingml/2006/main" xmlns:r="http://schemas.openxmlformats.org/officeDocument/2006/relationships" xmlns:p="http://schemas.openxmlformats.org/presentationml/2006/main">
-  <p:cSld>
-    <p:spTree>
-      <p:nvGrpSpPr>
-        <p:cNvPr id="1" name=""/>
-        <p:cNvGrpSpPr/>
-        <p:nvPr/>
-      </p:nvGrpSpPr>
-      <p:grpSpPr>
-        <a:xfrm>
-          <a:off x="0" y="0"/>
-          <a:ext cx="0" cy="0"/>
-          <a:chOff x="0" y="0"/>
-          <a:chExt cx="0" cy="0"/>
-        </a:xfrm>
-      </p:grpSpPr>
-      <p:sp>
-        <p:nvSpPr>
-          <p:cNvPr id="10" name="제목 9">
-            <a:extLst>
-              <a:ext uri="{FF2B5EF4-FFF2-40B4-BE49-F238E27FC236}">
-                <a16:creationId xmlns:a16="http://schemas.microsoft.com/office/drawing/2014/main" id="{798354F4-E37B-4A27-827D-07FFF75DD784}"/>
-              </a:ext>
-            </a:extLst>
-          </p:cNvPr>
-          <p:cNvSpPr>
-            <a:spLocks noGrp="1"/>
-          </p:cNvSpPr>
-          <p:nvPr>
-            <p:ph type="title"/>
-          </p:nvPr>
-        </p:nvSpPr>
-        <p:spPr/>
-        <p:txBody>
-          <a:bodyPr/>
-          <a:lstStyle/>
-          <a:p>
-            <a:r>
-              <a:rPr lang="en-US" altLang="ko-KR" dirty="0"/>
-              <a:t>Signal reconstruction and FFT</a:t>
-            </a:r>
-            <a:endParaRPr lang="ko-KR" altLang="en-US" dirty="0"/>
-          </a:p>
-        </p:txBody>
-      </p:sp>
-      <p:sp>
-        <p:nvSpPr>
-          <p:cNvPr id="11" name="내용 개체 틀 10">
-            <a:extLst>
-              <a:ext uri="{FF2B5EF4-FFF2-40B4-BE49-F238E27FC236}">
-                <a16:creationId xmlns:a16="http://schemas.microsoft.com/office/drawing/2014/main" id="{1D00540D-97E2-4095-BE28-0FB839C14ED5}"/>
-              </a:ext>
-            </a:extLst>
-          </p:cNvPr>
-          <p:cNvSpPr>
-            <a:spLocks noGrp="1"/>
-          </p:cNvSpPr>
-          <p:nvPr>
-            <p:ph idx="1"/>
-          </p:nvPr>
-        </p:nvSpPr>
-        <p:spPr>
-          <a:xfrm>
-            <a:off x="188033" y="846515"/>
-            <a:ext cx="5854628" cy="5560147"/>
-          </a:xfrm>
-        </p:spPr>
-        <p:txBody>
-          <a:bodyPr/>
-          <a:lstStyle/>
-          <a:p>
-            <a:r>
-              <a:rPr lang="en-US" altLang="ko-KR" dirty="0">
-                <a:sym typeface="Wingdings" panose="05000000000000000000" pitchFamily="2" charset="2"/>
-              </a:rPr>
-              <a:t>All rows</a:t>
-            </a:r>
-          </a:p>
-          <a:p>
-            <a:endParaRPr lang="ko-KR" altLang="en-US" dirty="0"/>
-          </a:p>
-        </p:txBody>
-      </p:sp>
-      <p:sp>
-        <p:nvSpPr>
-          <p:cNvPr id="4" name="TextBox 3">
-            <a:extLst>
-              <a:ext uri="{FF2B5EF4-FFF2-40B4-BE49-F238E27FC236}">
-                <a16:creationId xmlns:a16="http://schemas.microsoft.com/office/drawing/2014/main" id="{ABEDA647-7609-4E09-AC8C-68AF39DCD5A9}"/>
-              </a:ext>
-            </a:extLst>
-          </p:cNvPr>
-          <p:cNvSpPr txBox="1"/>
-          <p:nvPr/>
-        </p:nvSpPr>
-        <p:spPr>
-          <a:xfrm>
-            <a:off x="200845" y="3227412"/>
-            <a:ext cx="2557057" cy="830997"/>
-          </a:xfrm>
-          <a:prstGeom prst="rect">
-            <a:avLst/>
-          </a:prstGeom>
-          <a:noFill/>
-        </p:spPr>
-        <p:txBody>
-          <a:bodyPr wrap="square">
-            <a:spAutoFit/>
-          </a:bodyPr>
-          <a:lstStyle/>
-          <a:p>
-            <a:r>
-              <a:rPr lang="en-US" sz="1200" dirty="0">
-                <a:latin typeface="Abadi" panose="020B0604020104020204" pitchFamily="34" charset="0"/>
-              </a:rPr>
-              <a:t>Fs                   = </a:t>
-            </a:r>
-            <a:r>
-              <a:rPr lang="en-US" sz="1200" dirty="0">
-                <a:highlight>
-                  <a:srgbClr val="FFFF00"/>
-                </a:highlight>
-                <a:latin typeface="Abadi" panose="020B0604020104020204" pitchFamily="34" charset="0"/>
-              </a:rPr>
-              <a:t>4MHz</a:t>
-            </a:r>
-            <a:endParaRPr lang="en-US" sz="1200" dirty="0">
-              <a:latin typeface="Abadi" panose="020B0604020104020204" pitchFamily="34" charset="0"/>
-            </a:endParaRPr>
-          </a:p>
-          <a:p>
-            <a:r>
-              <a:rPr lang="en-US" sz="1200" dirty="0">
-                <a:latin typeface="Abadi" panose="020B0604020104020204" pitchFamily="34" charset="0"/>
-              </a:rPr>
-              <a:t>#samples        = 1320</a:t>
-            </a:r>
-          </a:p>
-          <a:p>
-            <a:r>
-              <a:rPr lang="en-US" sz="1200" dirty="0" err="1">
-                <a:latin typeface="Abadi" panose="020B0604020104020204" pitchFamily="34" charset="0"/>
-              </a:rPr>
-              <a:t>Nfft</a:t>
-            </a:r>
-            <a:r>
-              <a:rPr lang="en-US" sz="1200" dirty="0">
-                <a:latin typeface="Abadi" panose="020B0604020104020204" pitchFamily="34" charset="0"/>
-              </a:rPr>
-              <a:t>                = 1024</a:t>
-            </a:r>
-          </a:p>
-          <a:p>
-            <a:r>
-              <a:rPr lang="en-US" sz="1200" dirty="0">
-                <a:latin typeface="Abadi" panose="020B0604020104020204" pitchFamily="34" charset="0"/>
-              </a:rPr>
-              <a:t>Bin frequency  = 4kHz</a:t>
-            </a:r>
-          </a:p>
-        </p:txBody>
-      </p:sp>
-      <p:pic>
-        <p:nvPicPr>
-          <p:cNvPr id="3" name="Picture 2">
-            <a:extLst>
-              <a:ext uri="{FF2B5EF4-FFF2-40B4-BE49-F238E27FC236}">
-                <a16:creationId xmlns:a16="http://schemas.microsoft.com/office/drawing/2014/main" id="{760070BB-2329-4B31-B87E-2244C32C5A0F}"/>
-              </a:ext>
-            </a:extLst>
-          </p:cNvPr>
-          <p:cNvPicPr>
-            <a:picLocks noChangeAspect="1"/>
-          </p:cNvPicPr>
-          <p:nvPr/>
-        </p:nvPicPr>
-        <p:blipFill>
-          <a:blip r:embed="rId2"/>
-          <a:stretch>
-            <a:fillRect/>
-          </a:stretch>
-        </p:blipFill>
-        <p:spPr>
-          <a:xfrm>
-            <a:off x="2846717" y="846516"/>
-            <a:ext cx="9144438" cy="5553528"/>
-          </a:xfrm>
-          <a:prstGeom prst="rect">
-            <a:avLst/>
-          </a:prstGeom>
-        </p:spPr>
-      </p:pic>
-    </p:spTree>
-    <p:extLst>
-      <p:ext uri="{BB962C8B-B14F-4D97-AF65-F5344CB8AC3E}">
-        <p14:creationId xmlns:p14="http://schemas.microsoft.com/office/powerpoint/2010/main" val="1591763958"/>
       </p:ext>
     </p:extLst>
   </p:cSld>
